--- a/9.Deep_learning/class_1_module_9_deep learning__introduction.pptx
+++ b/9.Deep_learning/class_1_module_9_deep learning__introduction.pptx
@@ -10128,6 +10128,64 @@
               <a:latin typeface="Tomorrow"/>
               <a:ea typeface="Tomorrow"/>
             </a:endParaRPr>
+          </a:p>
+        </p:txBody>
+      </p:sp>
+      <p:sp>
+        <p:nvSpPr>
+          <p:cNvPr id="3" name="Text Box 2"/>
+          <p:cNvSpPr txBox="1"/>
+          <p:nvPr/>
+        </p:nvSpPr>
+        <p:spPr>
+          <a:xfrm>
+            <a:off x="570230" y="4601210"/>
+            <a:ext cx="7737475" cy="368300"/>
+          </a:xfrm>
+          <a:prstGeom prst="rect">
+            <a:avLst/>
+          </a:prstGeom>
+          <a:noFill/>
+        </p:spPr>
+        <p:txBody>
+          <a:bodyPr wrap="square" rtlCol="0" anchor="t">
+            <a:spAutoFit/>
+          </a:bodyPr>
+          <a:p>
+            <a:r>
+              <a:rPr lang="en-US" altLang="en-US"/>
+              <a:t>https://www.geeksforgeeks.org/deep-learning-interview-questions/?ref=shm</a:t>
+            </a:r>
+            <a:endParaRPr lang="en-US"/>
+          </a:p>
+        </p:txBody>
+      </p:sp>
+      <p:sp>
+        <p:nvSpPr>
+          <p:cNvPr id="4" name="Text Box 3"/>
+          <p:cNvSpPr txBox="1"/>
+          <p:nvPr/>
+        </p:nvSpPr>
+        <p:spPr>
+          <a:xfrm>
+            <a:off x="768985" y="5356225"/>
+            <a:ext cx="6096000" cy="368300"/>
+          </a:xfrm>
+          <a:prstGeom prst="rect">
+            <a:avLst/>
+          </a:prstGeom>
+          <a:noFill/>
+        </p:spPr>
+        <p:txBody>
+          <a:bodyPr wrap="square" rtlCol="0" anchor="t">
+            <a:spAutoFit/>
+          </a:bodyPr>
+          <a:p>
+            <a:r>
+              <a:rPr lang="en-US" altLang="en-US"/>
+              <a:t>https://www.geeksforgeeks.org/ai-ml-ds-projects/?ref=lbp</a:t>
+            </a:r>
+            <a:endParaRPr lang="en-US"/>
           </a:p>
         </p:txBody>
       </p:sp>

--- a/9.Deep_learning/class_1_module_9_deep learning__introduction.pptx
+++ b/9.Deep_learning/class_1_module_9_deep learning__introduction.pptx
@@ -10184,6 +10184,35 @@
             <a:r>
               <a:rPr lang="en-US" altLang="en-US"/>
               <a:t>https://www.geeksforgeeks.org/ai-ml-ds-projects/?ref=lbp</a:t>
+            </a:r>
+            <a:endParaRPr lang="en-US"/>
+          </a:p>
+        </p:txBody>
+      </p:sp>
+      <p:sp>
+        <p:nvSpPr>
+          <p:cNvPr id="5" name="Text Box 4"/>
+          <p:cNvSpPr txBox="1"/>
+          <p:nvPr/>
+        </p:nvSpPr>
+        <p:spPr>
+          <a:xfrm>
+            <a:off x="633095" y="5957570"/>
+            <a:ext cx="6096000" cy="368300"/>
+          </a:xfrm>
+          <a:prstGeom prst="rect">
+            <a:avLst/>
+          </a:prstGeom>
+          <a:noFill/>
+        </p:spPr>
+        <p:txBody>
+          <a:bodyPr wrap="square" rtlCol="0" anchor="t">
+            <a:spAutoFit/>
+          </a:bodyPr>
+          <a:p>
+            <a:r>
+              <a:rPr lang="en-US" altLang="en-US"/>
+              <a:t>https://www.geeksforgeeks.org/deep-learning-tutorial/</a:t>
             </a:r>
             <a:endParaRPr lang="en-US"/>
           </a:p>

--- a/9.Deep_learning/class_1_module_9_deep learning__introduction.pptx
+++ b/9.Deep_learning/class_1_module_9_deep learning__introduction.pptx
@@ -5333,7 +5333,7 @@
         <p:spPr>
           <a:xfrm>
             <a:off x="681990" y="305435"/>
-            <a:ext cx="7954010" cy="5384800"/>
+            <a:ext cx="7954010" cy="5139055"/>
           </a:xfrm>
           <a:prstGeom prst="rect">
             <a:avLst/>
@@ -5442,28 +5442,24 @@
               <a:rPr sz="1600"/>
               <a:t>Used in classification and regression tasks.</a:t>
             </a:r>
-            <a:endParaRPr sz="1600" b="1"/>
-          </a:p>
-          <a:p>
-            <a:pPr>
-              <a:buAutoNum type="arabicPeriod"/>
-            </a:pPr>
-            <a:r>
-              <a:rPr sz="1600" b="1"/>
-              <a:t>Convolutional Neural Networks (CNN):</a:t>
-            </a:r>
-            <a:endParaRPr sz="1600" b="1"/>
+            <a:endParaRPr sz="1600"/>
           </a:p>
           <a:p>
             <a:pPr lvl="1">
               <a:buFont typeface="Arial" panose="020B0604020202020204"/>
               <a:buChar char="◦"/>
             </a:pPr>
-            <a:r>
-              <a:rPr sz="1600"/>
-              <a:t>Specialized for image processing tasks.</a:t>
-            </a:r>
-            <a:endParaRPr sz="1600"/>
+            <a:endParaRPr sz="1600" b="1"/>
+          </a:p>
+          <a:p>
+            <a:pPr>
+              <a:buAutoNum type="arabicPeriod"/>
+            </a:pPr>
+            <a:r>
+              <a:rPr sz="1600" b="1"/>
+              <a:t>Convolutional Neural Networks (CNN):</a:t>
+            </a:r>
+            <a:endParaRPr sz="1600" b="1"/>
           </a:p>
           <a:p>
             <a:pPr lvl="1">
@@ -5472,19 +5468,9 @@
             </a:pPr>
             <a:r>
               <a:rPr sz="1600"/>
-              <a:t>Uses convolutional layers to detect spatial features.</a:t>
+              <a:t>Specialized for image processing tasks.</a:t>
             </a:r>
             <a:endParaRPr sz="1600"/>
-          </a:p>
-          <a:p>
-            <a:pPr>
-              <a:buAutoNum type="arabicPeriod"/>
-            </a:pPr>
-            <a:r>
-              <a:rPr sz="1600" b="1"/>
-              <a:t>Recurrent Neural Networks (RNN):</a:t>
-            </a:r>
-            <a:endParaRPr sz="1600" b="1"/>
           </a:p>
           <a:p>
             <a:pPr lvl="1">
@@ -5493,9 +5479,19 @@
             </a:pPr>
             <a:r>
               <a:rPr sz="1600"/>
-              <a:t>Designed for sequential data like time series and speech.</a:t>
+              <a:t>Uses convolutional layers to detect spatial features.</a:t>
             </a:r>
             <a:endParaRPr sz="1600"/>
+          </a:p>
+          <a:p>
+            <a:pPr>
+              <a:buAutoNum type="arabicPeriod"/>
+            </a:pPr>
+            <a:r>
+              <a:rPr sz="1600" b="1"/>
+              <a:t>Recurrent Neural Networks (RNN):</a:t>
+            </a:r>
+            <a:endParaRPr sz="1600" b="1"/>
           </a:p>
           <a:p>
             <a:pPr lvl="1">
@@ -5504,19 +5500,9 @@
             </a:pPr>
             <a:r>
               <a:rPr sz="1600"/>
-              <a:t>Uses loops and memory to retain information from previous inputs.</a:t>
+              <a:t>Designed for sequential data like time series and speech.</a:t>
             </a:r>
             <a:endParaRPr sz="1600"/>
-          </a:p>
-          <a:p>
-            <a:pPr>
-              <a:buAutoNum type="arabicPeriod"/>
-            </a:pPr>
-            <a:r>
-              <a:rPr sz="1600" b="1"/>
-              <a:t>Long Short-Term Memory (LSTM):</a:t>
-            </a:r>
-            <a:endParaRPr sz="1600" b="1"/>
           </a:p>
           <a:p>
             <a:pPr lvl="1">
@@ -5525,9 +5511,19 @@
             </a:pPr>
             <a:r>
               <a:rPr sz="1600"/>
-              <a:t>A type of RNN that solves the vanishing gradient problem.</a:t>
+              <a:t>Uses loops and memory to retain information from previous inputs.</a:t>
             </a:r>
             <a:endParaRPr sz="1600"/>
+          </a:p>
+          <a:p>
+            <a:pPr>
+              <a:buAutoNum type="arabicPeriod"/>
+            </a:pPr>
+            <a:r>
+              <a:rPr sz="1600" b="1"/>
+              <a:t>Long Short-Term Memory (LSTM):</a:t>
+            </a:r>
+            <a:endParaRPr sz="1600" b="1"/>
           </a:p>
           <a:p>
             <a:pPr lvl="1">
@@ -5536,19 +5532,9 @@
             </a:pPr>
             <a:r>
               <a:rPr sz="1600"/>
-              <a:t>Used in text generation, language modeling, and speech recognition.</a:t>
+              <a:t>A type of RNN that solves the vanishing gradient problem.</a:t>
             </a:r>
             <a:endParaRPr sz="1600"/>
-          </a:p>
-          <a:p>
-            <a:pPr>
-              <a:buAutoNum type="arabicPeriod"/>
-            </a:pPr>
-            <a:r>
-              <a:rPr sz="1600" b="1"/>
-              <a:t>Generative Adversarial Networks (GANs):</a:t>
-            </a:r>
-            <a:endParaRPr sz="1600" b="1"/>
           </a:p>
           <a:p>
             <a:pPr lvl="1">
@@ -5557,19 +5543,14 @@
             </a:pPr>
             <a:r>
               <a:rPr sz="1600"/>
-              <a:t>Consist of a generator and a discriminator that compete to generate realistic data.</a:t>
+              <a:t>Used in text generation, language modeling, and speech recognition.</a:t>
             </a:r>
             <a:endParaRPr sz="1600"/>
           </a:p>
           <a:p>
-            <a:pPr lvl="1">
-              <a:buFont typeface="Arial" panose="020B0604020202020204"/>
-              <a:buChar char="◦"/>
-            </a:pPr>
-            <a:r>
-              <a:rPr sz="1600"/>
-              <a:t>Used in AI-generated art, deepfake videos, and data augmentation.</a:t>
-            </a:r>
+            <a:pPr>
+              <a:buAutoNum type="arabicPeriod"/>
+            </a:pPr>
             <a:endParaRPr sz="1600"/>
           </a:p>
         </p:txBody>
@@ -5582,7 +5563,7 @@
         </p:nvSpPr>
         <p:spPr>
           <a:xfrm>
-            <a:off x="327025" y="5403215"/>
+            <a:off x="443865" y="5767070"/>
             <a:ext cx="11655425" cy="368300"/>
           </a:xfrm>
           <a:prstGeom prst="rect">
@@ -5608,8 +5589,8 @@
         </p:nvSpPr>
         <p:spPr>
           <a:xfrm>
-            <a:off x="327025" y="6212840"/>
-            <a:ext cx="8308975" cy="368300"/>
+            <a:off x="443865" y="5351780"/>
+            <a:ext cx="8308975" cy="1198880"/>
           </a:xfrm>
           <a:prstGeom prst="rect">
             <a:avLst/>
@@ -5621,11 +5602,88 @@
             <a:spAutoFit/>
           </a:bodyPr>
           <a:p>
+            <a:pPr>
+              <a:buAutoNum type="arabicPeriod"/>
+            </a:pPr>
             <a:r>
               <a:rPr lang="en-US" altLang="en-US"/>
-              <a:t>https://www.geeksforgeeks.org/neural-networks-a-beginners-guide/</a:t>
+              <a:t>https://w</a:t>
+            </a:r>
+            <a:r>
+              <a:rPr b="1">
+                <a:sym typeface="+mn-ea"/>
+              </a:rPr>
+              <a:t>Generative Adversarial Networks (GANs):</a:t>
+            </a:r>
+            <a:endParaRPr b="1"/>
+          </a:p>
+          <a:p>
+            <a:pPr lvl="1">
+              <a:buFont typeface="Arial" panose="020B0604020202020204"/>
+              <a:buChar char="◦"/>
+            </a:pPr>
+            <a:r>
+              <a:rPr>
+                <a:sym typeface="+mn-ea"/>
+              </a:rPr>
+              <a:t>Consist of a generator and a discriminator that compete to generate realistic data.</a:t>
+            </a:r>
+          </a:p>
+          <a:p>
+            <a:pPr lvl="1">
+              <a:buFont typeface="Arial" panose="020B0604020202020204"/>
+              <a:buChar char="◦"/>
+            </a:pPr>
+            <a:r>
+              <a:rPr>
+                <a:sym typeface="+mn-ea"/>
+              </a:rPr>
+              <a:t>Used in AI-generated art, deepfake videos, and data augmentation.</a:t>
+            </a:r>
+          </a:p>
+          <a:p>
+            <a:r>
+              <a:rPr lang="en-US" altLang="en-US"/>
+              <a:t>ww.geeksforgeeks.org/neural-networks-a-beginners-guide/</a:t>
             </a:r>
             <a:endParaRPr lang="en-US"/>
+          </a:p>
+        </p:txBody>
+      </p:sp>
+      <p:sp>
+        <p:nvSpPr>
+          <p:cNvPr id="5" name="Text Box 4"/>
+          <p:cNvSpPr txBox="1"/>
+          <p:nvPr/>
+        </p:nvSpPr>
+        <p:spPr>
+          <a:xfrm>
+            <a:off x="4792345" y="2615565"/>
+            <a:ext cx="2418080" cy="337185"/>
+          </a:xfrm>
+          <a:prstGeom prst="rect">
+            <a:avLst/>
+          </a:prstGeom>
+          <a:noFill/>
+        </p:spPr>
+        <p:txBody>
+          <a:bodyPr wrap="square" rtlCol="0" anchor="t">
+            <a:spAutoFit/>
+          </a:bodyPr>
+          <a:p>
+            <a:pPr lvl="0">
+              <a:buFont typeface="Arial" panose="020B0604020202020204"/>
+              <a:buChar char="◦"/>
+            </a:pPr>
+            <a:r>
+              <a:rPr lang="en-US" sz="1600">
+                <a:sym typeface="+mn-ea"/>
+              </a:rPr>
+              <a:t>Backword Propagations</a:t>
+            </a:r>
+            <a:endParaRPr lang="en-US" sz="1600">
+              <a:sym typeface="+mn-ea"/>
+            </a:endParaRPr>
           </a:p>
         </p:txBody>
       </p:sp>
@@ -6936,7 +6994,7 @@
         </p:blipFill>
         <p:spPr>
           <a:xfrm>
-            <a:off x="6545580" y="0"/>
+            <a:off x="6179185" y="175895"/>
             <a:ext cx="5646420" cy="4987925"/>
           </a:xfrm>
           <a:prstGeom prst="rect">
@@ -7266,6 +7324,28 @@
         <p:nvPr/>
       </p:nvGrpSpPr>
       <p:grpSpPr/>
+      <p:pic>
+        <p:nvPicPr>
+          <p:cNvPr id="2" name="Picture 1"/>
+          <p:cNvPicPr/>
+          <p:nvPr/>
+        </p:nvPicPr>
+        <p:blipFill>
+          <a:blip r:embed="rId1"/>
+          <a:stretch>
+            <a:fillRect/>
+          </a:stretch>
+        </p:blipFill>
+        <p:spPr>
+          <a:xfrm>
+            <a:off x="2095500" y="1333500"/>
+            <a:ext cx="7620000" cy="3810000"/>
+          </a:xfrm>
+          <a:prstGeom prst="rect">
+            <a:avLst/>
+          </a:prstGeom>
+        </p:spPr>
+      </p:pic>
     </p:spTree>
   </p:cSld>
   <p:clrMapOvr>

--- a/9.Deep_learning/class_1_module_9_deep learning__introduction.pptx
+++ b/9.Deep_learning/class_1_module_9_deep learning__introduction.pptx
@@ -5,34 +5,34 @@
     <p:sldMasterId id="2147483648" r:id="rId1"/>
   </p:sldMasterIdLst>
   <p:notesMasterIdLst>
-    <p:notesMasterId r:id="rId28"/>
+    <p:notesMasterId r:id="rId27"/>
   </p:notesMasterIdLst>
   <p:sldIdLst>
-    <p:sldId id="276" r:id="rId3"/>
-    <p:sldId id="368" r:id="rId4"/>
-    <p:sldId id="398" r:id="rId5"/>
-    <p:sldId id="277" r:id="rId6"/>
-    <p:sldId id="278" r:id="rId7"/>
-    <p:sldId id="256" r:id="rId8"/>
-    <p:sldId id="258" r:id="rId9"/>
-    <p:sldId id="262" r:id="rId10"/>
-    <p:sldId id="389" r:id="rId11"/>
-    <p:sldId id="342" r:id="rId12"/>
-    <p:sldId id="279" r:id="rId13"/>
-    <p:sldId id="259" r:id="rId14"/>
-    <p:sldId id="260" r:id="rId15"/>
-    <p:sldId id="396" r:id="rId16"/>
-    <p:sldId id="397" r:id="rId17"/>
-    <p:sldId id="283" r:id="rId18"/>
-    <p:sldId id="394" r:id="rId19"/>
-    <p:sldId id="281" r:id="rId20"/>
-    <p:sldId id="282" r:id="rId21"/>
-    <p:sldId id="399" r:id="rId22"/>
-    <p:sldId id="391" r:id="rId23"/>
-    <p:sldId id="392" r:id="rId24"/>
-    <p:sldId id="301" r:id="rId25"/>
-    <p:sldId id="351" r:id="rId26"/>
-    <p:sldId id="352" r:id="rId27"/>
+    <p:sldId id="276" r:id="rId2"/>
+    <p:sldId id="368" r:id="rId3"/>
+    <p:sldId id="398" r:id="rId4"/>
+    <p:sldId id="277" r:id="rId5"/>
+    <p:sldId id="278" r:id="rId6"/>
+    <p:sldId id="256" r:id="rId7"/>
+    <p:sldId id="258" r:id="rId8"/>
+    <p:sldId id="262" r:id="rId9"/>
+    <p:sldId id="389" r:id="rId10"/>
+    <p:sldId id="342" r:id="rId11"/>
+    <p:sldId id="279" r:id="rId12"/>
+    <p:sldId id="259" r:id="rId13"/>
+    <p:sldId id="260" r:id="rId14"/>
+    <p:sldId id="396" r:id="rId15"/>
+    <p:sldId id="397" r:id="rId16"/>
+    <p:sldId id="283" r:id="rId17"/>
+    <p:sldId id="394" r:id="rId18"/>
+    <p:sldId id="281" r:id="rId19"/>
+    <p:sldId id="282" r:id="rId20"/>
+    <p:sldId id="399" r:id="rId21"/>
+    <p:sldId id="391" r:id="rId22"/>
+    <p:sldId id="392" r:id="rId23"/>
+    <p:sldId id="301" r:id="rId24"/>
+    <p:sldId id="351" r:id="rId25"/>
+    <p:sldId id="352" r:id="rId26"/>
   </p:sldIdLst>
   <p:sldSz cx="12192000" cy="6858000"/>
   <p:notesSz cx="6858000" cy="9144000"/>
@@ -131,6 +131,11 @@
       </a:defRPr>
     </a:lvl9pPr>
   </p:defaultTextStyle>
+  <p:extLst>
+    <p:ext uri="{EFAFB233-063F-42B5-8137-9DF3F51BA10A}">
+      <p15:sldGuideLst xmlns:p15="http://schemas.microsoft.com/office/powerpoint/2012/main"/>
+    </p:ext>
+  </p:extLst>
 </p:presentation>
 </file>
 
@@ -216,6 +221,7 @@
           <a:p>
             <a:fld id="{3EFD42F7-718C-4B98-AAEC-167E6DDD60A7}" type="datetimeFigureOut">
               <a:rPr lang="en-US" smtClean="0"/>
+              <a:t>9/13/2025</a:t>
             </a:fld>
             <a:endParaRPr lang="en-US"/>
           </a:p>
@@ -279,42 +285,37 @@
           <a:p>
             <a:pPr lvl="0"/>
             <a:r>
-              <a:rPr lang="en-US" smtClean="0"/>
+              <a:rPr lang="en-US"/>
               <a:t>Click to edit Master text styles</a:t>
             </a:r>
-            <a:endParaRPr lang="en-US" smtClean="0"/>
           </a:p>
           <a:p>
             <a:pPr lvl="1"/>
             <a:r>
-              <a:rPr lang="en-US" smtClean="0"/>
+              <a:rPr lang="en-US"/>
               <a:t>Second level</a:t>
             </a:r>
-            <a:endParaRPr lang="en-US" smtClean="0"/>
           </a:p>
           <a:p>
             <a:pPr lvl="2"/>
             <a:r>
-              <a:rPr lang="en-US" smtClean="0"/>
+              <a:rPr lang="en-US"/>
               <a:t>Third level</a:t>
             </a:r>
-            <a:endParaRPr lang="en-US" smtClean="0"/>
           </a:p>
           <a:p>
             <a:pPr lvl="3"/>
             <a:r>
-              <a:rPr lang="en-US" smtClean="0"/>
+              <a:rPr lang="en-US"/>
               <a:t>Fourth level</a:t>
             </a:r>
-            <a:endParaRPr lang="en-US" smtClean="0"/>
           </a:p>
           <a:p>
             <a:pPr lvl="4"/>
             <a:r>
-              <a:rPr lang="en-US" smtClean="0"/>
+              <a:rPr lang="en-US"/>
               <a:t>Fifth level</a:t>
             </a:r>
-            <a:endParaRPr lang="en-US"/>
           </a:p>
         </p:txBody>
       </p:sp>
@@ -378,6 +379,7 @@
           <a:p>
             <a:fld id="{21B2AA4F-B828-4D7C-AFD3-893933DAFCB4}" type="slidenum">
               <a:rPr lang="en-US" smtClean="0"/>
+              <a:t>‹#›</a:t>
             </a:fld>
             <a:endParaRPr lang="en-US"/>
           </a:p>
@@ -523,10 +525,9 @@
           </a:lstStyle>
           <a:p>
             <a:r>
-              <a:rPr lang="en-US" smtClean="0"/>
+              <a:rPr lang="en-US"/>
               <a:t>Click to edit Master title style</a:t>
             </a:r>
-            <a:endParaRPr lang="en-US"/>
           </a:p>
         </p:txBody>
       </p:sp>
@@ -588,10 +589,9 @@
           </a:lstStyle>
           <a:p>
             <a:r>
-              <a:rPr lang="en-US" smtClean="0"/>
+              <a:rPr lang="en-US"/>
               <a:t>Click to edit Master subtitle style</a:t>
             </a:r>
-            <a:endParaRPr lang="en-US"/>
           </a:p>
         </p:txBody>
       </p:sp>
@@ -612,6 +612,7 @@
           <a:p>
             <a:fld id="{63A1C593-65D0-4073-BCC9-577B9352EA97}" type="datetimeFigureOut">
               <a:rPr lang="en-US" smtClean="0"/>
+              <a:t>9/13/2025</a:t>
             </a:fld>
             <a:endParaRPr lang="en-US"/>
           </a:p>
@@ -653,6 +654,7 @@
           <a:p>
             <a:fld id="{9B618960-8005-486C-9A75-10CB2AAC16F9}" type="slidenum">
               <a:rPr lang="en-US" smtClean="0"/>
+              <a:t>‹#›</a:t>
             </a:fld>
             <a:endParaRPr lang="en-US"/>
           </a:p>
@@ -699,10 +701,9 @@
           <a:lstStyle/>
           <a:p>
             <a:r>
-              <a:rPr lang="en-US" smtClean="0"/>
+              <a:rPr lang="en-US"/>
               <a:t>Click to edit Master title style</a:t>
             </a:r>
-            <a:endParaRPr lang="en-US"/>
           </a:p>
         </p:txBody>
       </p:sp>
@@ -723,42 +724,37 @@
           <a:p>
             <a:pPr lvl="0"/>
             <a:r>
-              <a:rPr lang="en-US" smtClean="0"/>
+              <a:rPr lang="en-US"/>
               <a:t>Click to edit Master text styles</a:t>
             </a:r>
-            <a:endParaRPr lang="en-US" smtClean="0"/>
           </a:p>
           <a:p>
             <a:pPr lvl="1"/>
             <a:r>
-              <a:rPr lang="en-US" smtClean="0"/>
+              <a:rPr lang="en-US"/>
               <a:t>Second level</a:t>
             </a:r>
-            <a:endParaRPr lang="en-US" smtClean="0"/>
           </a:p>
           <a:p>
             <a:pPr lvl="2"/>
             <a:r>
-              <a:rPr lang="en-US" smtClean="0"/>
+              <a:rPr lang="en-US"/>
               <a:t>Third level</a:t>
             </a:r>
-            <a:endParaRPr lang="en-US" smtClean="0"/>
           </a:p>
           <a:p>
             <a:pPr lvl="3"/>
             <a:r>
-              <a:rPr lang="en-US" smtClean="0"/>
+              <a:rPr lang="en-US"/>
               <a:t>Fourth level</a:t>
             </a:r>
-            <a:endParaRPr lang="en-US" smtClean="0"/>
           </a:p>
           <a:p>
             <a:pPr lvl="4"/>
             <a:r>
-              <a:rPr lang="en-US" smtClean="0"/>
+              <a:rPr lang="en-US"/>
               <a:t>Fifth level</a:t>
             </a:r>
-            <a:endParaRPr lang="en-US"/>
           </a:p>
         </p:txBody>
       </p:sp>
@@ -779,6 +775,7 @@
           <a:p>
             <a:fld id="{63A1C593-65D0-4073-BCC9-577B9352EA97}" type="datetimeFigureOut">
               <a:rPr lang="en-US" smtClean="0"/>
+              <a:t>9/13/2025</a:t>
             </a:fld>
             <a:endParaRPr lang="en-US"/>
           </a:p>
@@ -820,6 +817,7 @@
           <a:p>
             <a:fld id="{9B618960-8005-486C-9A75-10CB2AAC16F9}" type="slidenum">
               <a:rPr lang="en-US" smtClean="0"/>
+              <a:t>‹#›</a:t>
             </a:fld>
             <a:endParaRPr lang="en-US"/>
           </a:p>
@@ -871,10 +869,9 @@
           <a:lstStyle/>
           <a:p>
             <a:r>
-              <a:rPr lang="en-US" smtClean="0"/>
+              <a:rPr lang="en-US"/>
               <a:t>Click to edit Master title style</a:t>
             </a:r>
-            <a:endParaRPr lang="en-US"/>
           </a:p>
         </p:txBody>
       </p:sp>
@@ -900,42 +897,37 @@
           <a:p>
             <a:pPr lvl="0"/>
             <a:r>
-              <a:rPr lang="en-US" smtClean="0"/>
+              <a:rPr lang="en-US"/>
               <a:t>Click to edit Master text styles</a:t>
             </a:r>
-            <a:endParaRPr lang="en-US" smtClean="0"/>
           </a:p>
           <a:p>
             <a:pPr lvl="1"/>
             <a:r>
-              <a:rPr lang="en-US" smtClean="0"/>
+              <a:rPr lang="en-US"/>
               <a:t>Second level</a:t>
             </a:r>
-            <a:endParaRPr lang="en-US" smtClean="0"/>
           </a:p>
           <a:p>
             <a:pPr lvl="2"/>
             <a:r>
-              <a:rPr lang="en-US" smtClean="0"/>
+              <a:rPr lang="en-US"/>
               <a:t>Third level</a:t>
             </a:r>
-            <a:endParaRPr lang="en-US" smtClean="0"/>
           </a:p>
           <a:p>
             <a:pPr lvl="3"/>
             <a:r>
-              <a:rPr lang="en-US" smtClean="0"/>
+              <a:rPr lang="en-US"/>
               <a:t>Fourth level</a:t>
             </a:r>
-            <a:endParaRPr lang="en-US" smtClean="0"/>
           </a:p>
           <a:p>
             <a:pPr lvl="4"/>
             <a:r>
-              <a:rPr lang="en-US" smtClean="0"/>
+              <a:rPr lang="en-US"/>
               <a:t>Fifth level</a:t>
             </a:r>
-            <a:endParaRPr lang="en-US"/>
           </a:p>
         </p:txBody>
       </p:sp>
@@ -956,6 +948,7 @@
           <a:p>
             <a:fld id="{63A1C593-65D0-4073-BCC9-577B9352EA97}" type="datetimeFigureOut">
               <a:rPr lang="en-US" smtClean="0"/>
+              <a:t>9/13/2025</a:t>
             </a:fld>
             <a:endParaRPr lang="en-US"/>
           </a:p>
@@ -997,6 +990,7 @@
           <a:p>
             <a:fld id="{9B618960-8005-486C-9A75-10CB2AAC16F9}" type="slidenum">
               <a:rPr lang="en-US" smtClean="0"/>
+              <a:t>‹#›</a:t>
             </a:fld>
             <a:endParaRPr lang="en-US"/>
           </a:p>
@@ -1043,10 +1037,9 @@
           <a:lstStyle/>
           <a:p>
             <a:r>
-              <a:rPr lang="en-US" smtClean="0"/>
+              <a:rPr lang="en-US"/>
               <a:t>Click to edit Master title style</a:t>
             </a:r>
-            <a:endParaRPr lang="en-US"/>
           </a:p>
         </p:txBody>
       </p:sp>
@@ -1067,42 +1060,37 @@
           <a:p>
             <a:pPr lvl="0"/>
             <a:r>
-              <a:rPr lang="en-US" smtClean="0"/>
+              <a:rPr lang="en-US"/>
               <a:t>Click to edit Master text styles</a:t>
             </a:r>
-            <a:endParaRPr lang="en-US" smtClean="0"/>
           </a:p>
           <a:p>
             <a:pPr lvl="1"/>
             <a:r>
-              <a:rPr lang="en-US" smtClean="0"/>
+              <a:rPr lang="en-US"/>
               <a:t>Second level</a:t>
             </a:r>
-            <a:endParaRPr lang="en-US" smtClean="0"/>
           </a:p>
           <a:p>
             <a:pPr lvl="2"/>
             <a:r>
-              <a:rPr lang="en-US" smtClean="0"/>
+              <a:rPr lang="en-US"/>
               <a:t>Third level</a:t>
             </a:r>
-            <a:endParaRPr lang="en-US" smtClean="0"/>
           </a:p>
           <a:p>
             <a:pPr lvl="3"/>
             <a:r>
-              <a:rPr lang="en-US" smtClean="0"/>
+              <a:rPr lang="en-US"/>
               <a:t>Fourth level</a:t>
             </a:r>
-            <a:endParaRPr lang="en-US" smtClean="0"/>
           </a:p>
           <a:p>
             <a:pPr lvl="4"/>
             <a:r>
-              <a:rPr lang="en-US" smtClean="0"/>
+              <a:rPr lang="en-US"/>
               <a:t>Fifth level</a:t>
             </a:r>
-            <a:endParaRPr lang="en-US"/>
           </a:p>
         </p:txBody>
       </p:sp>
@@ -1123,6 +1111,7 @@
           <a:p>
             <a:fld id="{63A1C593-65D0-4073-BCC9-577B9352EA97}" type="datetimeFigureOut">
               <a:rPr lang="en-US" smtClean="0"/>
+              <a:t>9/13/2025</a:t>
             </a:fld>
             <a:endParaRPr lang="en-US"/>
           </a:p>
@@ -1164,6 +1153,7 @@
           <a:p>
             <a:fld id="{9B618960-8005-486C-9A75-10CB2AAC16F9}" type="slidenum">
               <a:rPr lang="en-US" smtClean="0"/>
+              <a:t>‹#›</a:t>
             </a:fld>
             <a:endParaRPr lang="en-US"/>
           </a:p>
@@ -1210,10 +1200,9 @@
           <a:lstStyle/>
           <a:p>
             <a:r>
-              <a:rPr lang="en-US" smtClean="0"/>
+              <a:rPr lang="en-US"/>
               <a:t>Click to edit Master title style</a:t>
             </a:r>
-            <a:endParaRPr lang="en-US"/>
           </a:p>
         </p:txBody>
       </p:sp>
@@ -1234,42 +1223,37 @@
           <a:p>
             <a:pPr lvl="0"/>
             <a:r>
-              <a:rPr lang="en-US" smtClean="0"/>
+              <a:rPr lang="en-US"/>
               <a:t>Click to edit Master text styles</a:t>
             </a:r>
-            <a:endParaRPr lang="en-US" smtClean="0"/>
           </a:p>
           <a:p>
             <a:pPr lvl="1"/>
             <a:r>
-              <a:rPr lang="en-US" smtClean="0"/>
+              <a:rPr lang="en-US"/>
               <a:t>Second level</a:t>
             </a:r>
-            <a:endParaRPr lang="en-US" smtClean="0"/>
           </a:p>
           <a:p>
             <a:pPr lvl="2"/>
             <a:r>
-              <a:rPr lang="en-US" smtClean="0"/>
+              <a:rPr lang="en-US"/>
               <a:t>Third level</a:t>
             </a:r>
-            <a:endParaRPr lang="en-US" smtClean="0"/>
           </a:p>
           <a:p>
             <a:pPr lvl="3"/>
             <a:r>
-              <a:rPr lang="en-US" smtClean="0"/>
+              <a:rPr lang="en-US"/>
               <a:t>Fourth level</a:t>
             </a:r>
-            <a:endParaRPr lang="en-US" smtClean="0"/>
           </a:p>
           <a:p>
             <a:pPr lvl="4"/>
             <a:r>
-              <a:rPr lang="en-US" smtClean="0"/>
+              <a:rPr lang="en-US"/>
               <a:t>Fifth level</a:t>
             </a:r>
-            <a:endParaRPr lang="en-US"/>
           </a:p>
         </p:txBody>
       </p:sp>
@@ -1290,6 +1274,7 @@
           <a:p>
             <a:fld id="{63A1C593-65D0-4073-BCC9-577B9352EA97}" type="datetimeFigureOut">
               <a:rPr lang="en-US" smtClean="0"/>
+              <a:t>9/13/2025</a:t>
             </a:fld>
             <a:endParaRPr lang="en-US"/>
           </a:p>
@@ -1331,6 +1316,7 @@
           <a:p>
             <a:fld id="{9B618960-8005-486C-9A75-10CB2AAC16F9}" type="slidenum">
               <a:rPr lang="en-US" smtClean="0"/>
+              <a:t>‹#›</a:t>
             </a:fld>
             <a:endParaRPr lang="en-US"/>
           </a:p>
@@ -1386,10 +1372,9 @@
           </a:lstStyle>
           <a:p>
             <a:r>
-              <a:rPr lang="en-US" smtClean="0"/>
+              <a:rPr lang="en-US"/>
               <a:t>Click to edit Master title style</a:t>
             </a:r>
-            <a:endParaRPr lang="en-US"/>
           </a:p>
         </p:txBody>
       </p:sp>
@@ -1506,10 +1491,9 @@
           <a:p>
             <a:pPr lvl="0"/>
             <a:r>
-              <a:rPr lang="en-US" smtClean="0"/>
+              <a:rPr lang="en-US"/>
               <a:t>Click to edit Master text styles</a:t>
             </a:r>
-            <a:endParaRPr lang="en-US" smtClean="0"/>
           </a:p>
         </p:txBody>
       </p:sp>
@@ -1530,6 +1514,7 @@
           <a:p>
             <a:fld id="{63A1C593-65D0-4073-BCC9-577B9352EA97}" type="datetimeFigureOut">
               <a:rPr lang="en-US" smtClean="0"/>
+              <a:t>9/13/2025</a:t>
             </a:fld>
             <a:endParaRPr lang="en-US"/>
           </a:p>
@@ -1571,6 +1556,7 @@
           <a:p>
             <a:fld id="{9B618960-8005-486C-9A75-10CB2AAC16F9}" type="slidenum">
               <a:rPr lang="en-US" smtClean="0"/>
+              <a:t>‹#›</a:t>
             </a:fld>
             <a:endParaRPr lang="en-US"/>
           </a:p>
@@ -1617,10 +1603,9 @@
           <a:lstStyle/>
           <a:p>
             <a:r>
-              <a:rPr lang="en-US" smtClean="0"/>
+              <a:rPr lang="en-US"/>
               <a:t>Click to edit Master title style</a:t>
             </a:r>
-            <a:endParaRPr lang="en-US"/>
           </a:p>
         </p:txBody>
       </p:sp>
@@ -1646,42 +1631,37 @@
           <a:p>
             <a:pPr lvl="0"/>
             <a:r>
-              <a:rPr lang="en-US" smtClean="0"/>
+              <a:rPr lang="en-US"/>
               <a:t>Click to edit Master text styles</a:t>
             </a:r>
-            <a:endParaRPr lang="en-US" smtClean="0"/>
           </a:p>
           <a:p>
             <a:pPr lvl="1"/>
             <a:r>
-              <a:rPr lang="en-US" smtClean="0"/>
+              <a:rPr lang="en-US"/>
               <a:t>Second level</a:t>
             </a:r>
-            <a:endParaRPr lang="en-US" smtClean="0"/>
           </a:p>
           <a:p>
             <a:pPr lvl="2"/>
             <a:r>
-              <a:rPr lang="en-US" smtClean="0"/>
+              <a:rPr lang="en-US"/>
               <a:t>Third level</a:t>
             </a:r>
-            <a:endParaRPr lang="en-US" smtClean="0"/>
           </a:p>
           <a:p>
             <a:pPr lvl="3"/>
             <a:r>
-              <a:rPr lang="en-US" smtClean="0"/>
+              <a:rPr lang="en-US"/>
               <a:t>Fourth level</a:t>
             </a:r>
-            <a:endParaRPr lang="en-US" smtClean="0"/>
           </a:p>
           <a:p>
             <a:pPr lvl="4"/>
             <a:r>
-              <a:rPr lang="en-US" smtClean="0"/>
+              <a:rPr lang="en-US"/>
               <a:t>Fifth level</a:t>
             </a:r>
-            <a:endParaRPr lang="en-US"/>
           </a:p>
         </p:txBody>
       </p:sp>
@@ -1707,42 +1687,37 @@
           <a:p>
             <a:pPr lvl="0"/>
             <a:r>
-              <a:rPr lang="en-US" smtClean="0"/>
+              <a:rPr lang="en-US"/>
               <a:t>Click to edit Master text styles</a:t>
             </a:r>
-            <a:endParaRPr lang="en-US" smtClean="0"/>
           </a:p>
           <a:p>
             <a:pPr lvl="1"/>
             <a:r>
-              <a:rPr lang="en-US" smtClean="0"/>
+              <a:rPr lang="en-US"/>
               <a:t>Second level</a:t>
             </a:r>
-            <a:endParaRPr lang="en-US" smtClean="0"/>
           </a:p>
           <a:p>
             <a:pPr lvl="2"/>
             <a:r>
-              <a:rPr lang="en-US" smtClean="0"/>
+              <a:rPr lang="en-US"/>
               <a:t>Third level</a:t>
             </a:r>
-            <a:endParaRPr lang="en-US" smtClean="0"/>
           </a:p>
           <a:p>
             <a:pPr lvl="3"/>
             <a:r>
-              <a:rPr lang="en-US" smtClean="0"/>
+              <a:rPr lang="en-US"/>
               <a:t>Fourth level</a:t>
             </a:r>
-            <a:endParaRPr lang="en-US" smtClean="0"/>
           </a:p>
           <a:p>
             <a:pPr lvl="4"/>
             <a:r>
-              <a:rPr lang="en-US" smtClean="0"/>
+              <a:rPr lang="en-US"/>
               <a:t>Fifth level</a:t>
             </a:r>
-            <a:endParaRPr lang="en-US"/>
           </a:p>
         </p:txBody>
       </p:sp>
@@ -1763,6 +1738,7 @@
           <a:p>
             <a:fld id="{63A1C593-65D0-4073-BCC9-577B9352EA97}" type="datetimeFigureOut">
               <a:rPr lang="en-US" smtClean="0"/>
+              <a:t>9/13/2025</a:t>
             </a:fld>
             <a:endParaRPr lang="en-US"/>
           </a:p>
@@ -1804,6 +1780,7 @@
           <a:p>
             <a:fld id="{9B618960-8005-486C-9A75-10CB2AAC16F9}" type="slidenum">
               <a:rPr lang="en-US" smtClean="0"/>
+              <a:t>‹#›</a:t>
             </a:fld>
             <a:endParaRPr lang="en-US"/>
           </a:p>
@@ -1855,10 +1832,9 @@
           <a:lstStyle/>
           <a:p>
             <a:r>
-              <a:rPr lang="en-US" smtClean="0"/>
+              <a:rPr lang="en-US"/>
               <a:t>Click to edit Master title style</a:t>
             </a:r>
-            <a:endParaRPr lang="en-US"/>
           </a:p>
         </p:txBody>
       </p:sp>
@@ -1921,10 +1897,9 @@
           <a:p>
             <a:pPr lvl="0"/>
             <a:r>
-              <a:rPr lang="en-US" smtClean="0"/>
+              <a:rPr lang="en-US"/>
               <a:t>Click to edit Master text styles</a:t>
             </a:r>
-            <a:endParaRPr lang="en-US" smtClean="0"/>
           </a:p>
         </p:txBody>
       </p:sp>
@@ -1950,42 +1925,37 @@
           <a:p>
             <a:pPr lvl="0"/>
             <a:r>
-              <a:rPr lang="en-US" smtClean="0"/>
+              <a:rPr lang="en-US"/>
               <a:t>Click to edit Master text styles</a:t>
             </a:r>
-            <a:endParaRPr lang="en-US" smtClean="0"/>
           </a:p>
           <a:p>
             <a:pPr lvl="1"/>
             <a:r>
-              <a:rPr lang="en-US" smtClean="0"/>
+              <a:rPr lang="en-US"/>
               <a:t>Second level</a:t>
             </a:r>
-            <a:endParaRPr lang="en-US" smtClean="0"/>
           </a:p>
           <a:p>
             <a:pPr lvl="2"/>
             <a:r>
-              <a:rPr lang="en-US" smtClean="0"/>
+              <a:rPr lang="en-US"/>
               <a:t>Third level</a:t>
             </a:r>
-            <a:endParaRPr lang="en-US" smtClean="0"/>
           </a:p>
           <a:p>
             <a:pPr lvl="3"/>
             <a:r>
-              <a:rPr lang="en-US" smtClean="0"/>
+              <a:rPr lang="en-US"/>
               <a:t>Fourth level</a:t>
             </a:r>
-            <a:endParaRPr lang="en-US" smtClean="0"/>
           </a:p>
           <a:p>
             <a:pPr lvl="4"/>
             <a:r>
-              <a:rPr lang="en-US" smtClean="0"/>
+              <a:rPr lang="en-US"/>
               <a:t>Fifth level</a:t>
             </a:r>
-            <a:endParaRPr lang="en-US"/>
           </a:p>
         </p:txBody>
       </p:sp>
@@ -2048,10 +2018,9 @@
           <a:p>
             <a:pPr lvl="0"/>
             <a:r>
-              <a:rPr lang="en-US" smtClean="0"/>
+              <a:rPr lang="en-US"/>
               <a:t>Click to edit Master text styles</a:t>
             </a:r>
-            <a:endParaRPr lang="en-US" smtClean="0"/>
           </a:p>
         </p:txBody>
       </p:sp>
@@ -2077,42 +2046,37 @@
           <a:p>
             <a:pPr lvl="0"/>
             <a:r>
-              <a:rPr lang="en-US" smtClean="0"/>
+              <a:rPr lang="en-US"/>
               <a:t>Click to edit Master text styles</a:t>
             </a:r>
-            <a:endParaRPr lang="en-US" smtClean="0"/>
           </a:p>
           <a:p>
             <a:pPr lvl="1"/>
             <a:r>
-              <a:rPr lang="en-US" smtClean="0"/>
+              <a:rPr lang="en-US"/>
               <a:t>Second level</a:t>
             </a:r>
-            <a:endParaRPr lang="en-US" smtClean="0"/>
           </a:p>
           <a:p>
             <a:pPr lvl="2"/>
             <a:r>
-              <a:rPr lang="en-US" smtClean="0"/>
+              <a:rPr lang="en-US"/>
               <a:t>Third level</a:t>
             </a:r>
-            <a:endParaRPr lang="en-US" smtClean="0"/>
           </a:p>
           <a:p>
             <a:pPr lvl="3"/>
             <a:r>
-              <a:rPr lang="en-US" smtClean="0"/>
+              <a:rPr lang="en-US"/>
               <a:t>Fourth level</a:t>
             </a:r>
-            <a:endParaRPr lang="en-US" smtClean="0"/>
           </a:p>
           <a:p>
             <a:pPr lvl="4"/>
             <a:r>
-              <a:rPr lang="en-US" smtClean="0"/>
+              <a:rPr lang="en-US"/>
               <a:t>Fifth level</a:t>
             </a:r>
-            <a:endParaRPr lang="en-US"/>
           </a:p>
         </p:txBody>
       </p:sp>
@@ -2133,6 +2097,7 @@
           <a:p>
             <a:fld id="{63A1C593-65D0-4073-BCC9-577B9352EA97}" type="datetimeFigureOut">
               <a:rPr lang="en-US" smtClean="0"/>
+              <a:t>9/13/2025</a:t>
             </a:fld>
             <a:endParaRPr lang="en-US"/>
           </a:p>
@@ -2174,6 +2139,7 @@
           <a:p>
             <a:fld id="{9B618960-8005-486C-9A75-10CB2AAC16F9}" type="slidenum">
               <a:rPr lang="en-US" smtClean="0"/>
+              <a:t>‹#›</a:t>
             </a:fld>
             <a:endParaRPr lang="en-US"/>
           </a:p>
@@ -2220,10 +2186,9 @@
           <a:lstStyle/>
           <a:p>
             <a:r>
-              <a:rPr lang="en-US" smtClean="0"/>
+              <a:rPr lang="en-US"/>
               <a:t>Click to edit Master title style</a:t>
             </a:r>
-            <a:endParaRPr lang="en-US"/>
           </a:p>
         </p:txBody>
       </p:sp>
@@ -2244,6 +2209,7 @@
           <a:p>
             <a:fld id="{63A1C593-65D0-4073-BCC9-577B9352EA97}" type="datetimeFigureOut">
               <a:rPr lang="en-US" smtClean="0"/>
+              <a:t>9/13/2025</a:t>
             </a:fld>
             <a:endParaRPr lang="en-US"/>
           </a:p>
@@ -2285,6 +2251,7 @@
           <a:p>
             <a:fld id="{9B618960-8005-486C-9A75-10CB2AAC16F9}" type="slidenum">
               <a:rPr lang="en-US" smtClean="0"/>
+              <a:t>‹#›</a:t>
             </a:fld>
             <a:endParaRPr lang="en-US"/>
           </a:p>
@@ -2332,6 +2299,7 @@
           <a:p>
             <a:fld id="{63A1C593-65D0-4073-BCC9-577B9352EA97}" type="datetimeFigureOut">
               <a:rPr lang="en-US" smtClean="0"/>
+              <a:t>9/13/2025</a:t>
             </a:fld>
             <a:endParaRPr lang="en-US"/>
           </a:p>
@@ -2373,6 +2341,7 @@
           <a:p>
             <a:fld id="{9B618960-8005-486C-9A75-10CB2AAC16F9}" type="slidenum">
               <a:rPr lang="en-US" smtClean="0"/>
+              <a:t>‹#›</a:t>
             </a:fld>
             <a:endParaRPr lang="en-US"/>
           </a:p>
@@ -2428,10 +2397,9 @@
           </a:lstStyle>
           <a:p>
             <a:r>
-              <a:rPr lang="en-US" smtClean="0"/>
+              <a:rPr lang="en-US"/>
               <a:t>Click to edit Master title style</a:t>
             </a:r>
-            <a:endParaRPr lang="en-US"/>
           </a:p>
         </p:txBody>
       </p:sp>
@@ -2485,42 +2453,37 @@
           <a:p>
             <a:pPr lvl="0"/>
             <a:r>
-              <a:rPr lang="en-US" smtClean="0"/>
+              <a:rPr lang="en-US"/>
               <a:t>Click to edit Master text styles</a:t>
             </a:r>
-            <a:endParaRPr lang="en-US" smtClean="0"/>
           </a:p>
           <a:p>
             <a:pPr lvl="1"/>
             <a:r>
-              <a:rPr lang="en-US" smtClean="0"/>
+              <a:rPr lang="en-US"/>
               <a:t>Second level</a:t>
             </a:r>
-            <a:endParaRPr lang="en-US" smtClean="0"/>
           </a:p>
           <a:p>
             <a:pPr lvl="2"/>
             <a:r>
-              <a:rPr lang="en-US" smtClean="0"/>
+              <a:rPr lang="en-US"/>
               <a:t>Third level</a:t>
             </a:r>
-            <a:endParaRPr lang="en-US" smtClean="0"/>
           </a:p>
           <a:p>
             <a:pPr lvl="3"/>
             <a:r>
-              <a:rPr lang="en-US" smtClean="0"/>
+              <a:rPr lang="en-US"/>
               <a:t>Fourth level</a:t>
             </a:r>
-            <a:endParaRPr lang="en-US" smtClean="0"/>
           </a:p>
           <a:p>
             <a:pPr lvl="4"/>
             <a:r>
-              <a:rPr lang="en-US" smtClean="0"/>
+              <a:rPr lang="en-US"/>
               <a:t>Fifth level</a:t>
             </a:r>
-            <a:endParaRPr lang="en-US"/>
           </a:p>
         </p:txBody>
       </p:sp>
@@ -2583,10 +2546,9 @@
           <a:p>
             <a:pPr lvl="0"/>
             <a:r>
-              <a:rPr lang="en-US" smtClean="0"/>
+              <a:rPr lang="en-US"/>
               <a:t>Click to edit Master text styles</a:t>
             </a:r>
-            <a:endParaRPr lang="en-US" smtClean="0"/>
           </a:p>
         </p:txBody>
       </p:sp>
@@ -2607,6 +2569,7 @@
           <a:p>
             <a:fld id="{63A1C593-65D0-4073-BCC9-577B9352EA97}" type="datetimeFigureOut">
               <a:rPr lang="en-US" smtClean="0"/>
+              <a:t>9/13/2025</a:t>
             </a:fld>
             <a:endParaRPr lang="en-US"/>
           </a:p>
@@ -2648,6 +2611,7 @@
           <a:p>
             <a:fld id="{9B618960-8005-486C-9A75-10CB2AAC16F9}" type="slidenum">
               <a:rPr lang="en-US" smtClean="0"/>
+              <a:t>‹#›</a:t>
             </a:fld>
             <a:endParaRPr lang="en-US"/>
           </a:p>
@@ -2703,10 +2667,9 @@
           </a:lstStyle>
           <a:p>
             <a:r>
-              <a:rPr lang="en-US" smtClean="0"/>
+              <a:rPr lang="en-US"/>
               <a:t>Click to edit Master title style</a:t>
             </a:r>
-            <a:endParaRPr lang="en-US"/>
           </a:p>
         </p:txBody>
       </p:sp>
@@ -2830,10 +2793,9 @@
           <a:p>
             <a:pPr lvl="0"/>
             <a:r>
-              <a:rPr lang="en-US" smtClean="0"/>
+              <a:rPr lang="en-US"/>
               <a:t>Click to edit Master text styles</a:t>
             </a:r>
-            <a:endParaRPr lang="en-US" smtClean="0"/>
           </a:p>
         </p:txBody>
       </p:sp>
@@ -2854,6 +2816,7 @@
           <a:p>
             <a:fld id="{63A1C593-65D0-4073-BCC9-577B9352EA97}" type="datetimeFigureOut">
               <a:rPr lang="en-US" smtClean="0"/>
+              <a:t>9/13/2025</a:t>
             </a:fld>
             <a:endParaRPr lang="en-US"/>
           </a:p>
@@ -2895,6 +2858,7 @@
           <a:p>
             <a:fld id="{9B618960-8005-486C-9A75-10CB2AAC16F9}" type="slidenum">
               <a:rPr lang="en-US" smtClean="0"/>
+              <a:t>‹#›</a:t>
             </a:fld>
             <a:endParaRPr lang="en-US"/>
           </a:p>
@@ -2956,10 +2920,9 @@
           <a:lstStyle/>
           <a:p>
             <a:r>
-              <a:rPr lang="en-US" smtClean="0"/>
+              <a:rPr lang="en-US"/>
               <a:t>Click to edit Master title style</a:t>
             </a:r>
-            <a:endParaRPr lang="en-US"/>
           </a:p>
         </p:txBody>
       </p:sp>
@@ -2990,42 +2953,37 @@
           <a:p>
             <a:pPr lvl="0"/>
             <a:r>
-              <a:rPr lang="en-US" smtClean="0"/>
+              <a:rPr lang="en-US"/>
               <a:t>Click to edit Master text styles</a:t>
             </a:r>
-            <a:endParaRPr lang="en-US" smtClean="0"/>
           </a:p>
           <a:p>
             <a:pPr lvl="1"/>
             <a:r>
-              <a:rPr lang="en-US" smtClean="0"/>
+              <a:rPr lang="en-US"/>
               <a:t>Second level</a:t>
             </a:r>
-            <a:endParaRPr lang="en-US" smtClean="0"/>
           </a:p>
           <a:p>
             <a:pPr lvl="2"/>
             <a:r>
-              <a:rPr lang="en-US" smtClean="0"/>
+              <a:rPr lang="en-US"/>
               <a:t>Third level</a:t>
             </a:r>
-            <a:endParaRPr lang="en-US" smtClean="0"/>
           </a:p>
           <a:p>
             <a:pPr lvl="3"/>
             <a:r>
-              <a:rPr lang="en-US" smtClean="0"/>
+              <a:rPr lang="en-US"/>
               <a:t>Fourth level</a:t>
             </a:r>
-            <a:endParaRPr lang="en-US" smtClean="0"/>
           </a:p>
           <a:p>
             <a:pPr lvl="4"/>
             <a:r>
-              <a:rPr lang="en-US" smtClean="0"/>
+              <a:rPr lang="en-US"/>
               <a:t>Fifth level</a:t>
             </a:r>
-            <a:endParaRPr lang="en-US"/>
           </a:p>
         </p:txBody>
       </p:sp>
@@ -3064,6 +3022,7 @@
           <a:p>
             <a:fld id="{63A1C593-65D0-4073-BCC9-577B9352EA97}" type="datetimeFigureOut">
               <a:rPr lang="en-US" smtClean="0"/>
+              <a:t>9/13/2025</a:t>
             </a:fld>
             <a:endParaRPr lang="en-US"/>
           </a:p>
@@ -3141,6 +3100,7 @@
           <a:p>
             <a:fld id="{9B618960-8005-486C-9A75-10CB2AAC16F9}" type="slidenum">
               <a:rPr lang="en-US" smtClean="0"/>
+              <a:t>‹#›</a:t>
             </a:fld>
             <a:endParaRPr lang="en-US"/>
           </a:p>
@@ -3455,7 +3415,14 @@
         <p:cNvGrpSpPr/>
         <p:nvPr/>
       </p:nvGrpSpPr>
-      <p:grpSpPr/>
+      <p:grpSpPr>
+        <a:xfrm>
+          <a:off x="0" y="0"/>
+          <a:ext cx="0" cy="0"/>
+          <a:chOff x="0" y="0"/>
+          <a:chExt cx="0" cy="0"/>
+        </a:xfrm>
+      </p:grpSpPr>
       <p:sp>
         <p:nvSpPr>
           <p:cNvPr id="2" name="Title 1"/>
@@ -3469,6 +3436,7 @@
         <p:spPr/>
         <p:txBody>
           <a:bodyPr/>
+          <a:lstStyle/>
           <a:p>
             <a:endParaRPr lang="en-US"/>
           </a:p>
@@ -3487,6 +3455,7 @@
         <p:spPr/>
         <p:txBody>
           <a:bodyPr/>
+          <a:lstStyle/>
           <a:p>
             <a:endParaRPr lang="en-US"/>
           </a:p>
@@ -3499,7 +3468,7 @@
           <p:nvPr/>
         </p:nvPicPr>
         <p:blipFill>
-          <a:blip r:embed="rId1"/>
+          <a:blip r:embed="rId2"/>
           <a:stretch>
             <a:fillRect/>
           </a:stretch>
@@ -3531,7 +3500,14 @@
         <p:cNvGrpSpPr/>
         <p:nvPr/>
       </p:nvGrpSpPr>
-      <p:grpSpPr/>
+      <p:grpSpPr>
+        <a:xfrm>
+          <a:off x="0" y="0"/>
+          <a:ext cx="0" cy="0"/>
+          <a:chOff x="0" y="0"/>
+          <a:chExt cx="0" cy="0"/>
+        </a:xfrm>
+      </p:grpSpPr>
       <p:sp>
         <p:nvSpPr>
           <p:cNvPr id="3" name="Text Box 2"/>
@@ -3552,6 +3528,7 @@
           <a:bodyPr wrap="square" rtlCol="0" anchor="t">
             <a:noAutofit/>
           </a:bodyPr>
+          <a:lstStyle/>
           <a:p>
             <a:pPr marL="0" indent="0">
               <a:spcBef>
@@ -3618,22 +3595,6 @@
               </a:rPr>
               <a:t> </a:t>
             </a:r>
-            <a:endParaRPr sz="1600" b="1">
-              <a:solidFill>
-                <a:srgbClr val="FF0000"/>
-              </a:solidFill>
-              <a:effectLst>
-                <a:outerShdw blurRad="38100" dist="38100" dir="2700000" algn="tl">
-                  <a:srgbClr val="000000">
-                    <a:alpha val="43137"/>
-                  </a:srgbClr>
-                </a:outerShdw>
-              </a:effectLst>
-              <a:latin typeface="Arial" panose="020B0604020202020204" pitchFamily="34" charset="0"/>
-              <a:ea typeface="Google Sans"/>
-              <a:cs typeface="Arial" panose="020B0604020202020204" pitchFamily="34" charset="0"/>
-              <a:sym typeface="+mn-ea"/>
-            </a:endParaRPr>
           </a:p>
           <a:p>
             <a:pPr marL="0" indent="0">
@@ -4104,15 +4065,6 @@
               </a:rPr>
               <a:t>Momentum, RMSprop, Adam optimizer, and Learning rate scheduling. </a:t>
             </a:r>
-            <a:endParaRPr sz="1600">
-              <a:solidFill>
-                <a:srgbClr val="001D35"/>
-              </a:solidFill>
-              <a:latin typeface="Arial" panose="020B0604020202020204" pitchFamily="34" charset="0"/>
-              <a:ea typeface="Google Sans"/>
-              <a:cs typeface="Arial" panose="020B0604020202020204" pitchFamily="34" charset="0"/>
-              <a:sym typeface="+mn-ea"/>
-            </a:endParaRPr>
           </a:p>
           <a:p>
             <a:pPr marL="0" indent="0">
@@ -4200,7 +4152,14 @@
         <p:cNvGrpSpPr/>
         <p:nvPr/>
       </p:nvGrpSpPr>
-      <p:grpSpPr/>
+      <p:grpSpPr>
+        <a:xfrm>
+          <a:off x="0" y="0"/>
+          <a:ext cx="0" cy="0"/>
+          <a:chOff x="0" y="0"/>
+          <a:chExt cx="0" cy="0"/>
+        </a:xfrm>
+      </p:grpSpPr>
       <p:sp>
         <p:nvSpPr>
           <p:cNvPr id="2" name="Text Box 1"/>
@@ -4221,6 +4180,7 @@
           <a:bodyPr wrap="square" rtlCol="0" anchor="t">
             <a:spAutoFit/>
           </a:bodyPr>
+          <a:lstStyle/>
           <a:p>
             <a:pPr marL="0" indent="0">
               <a:spcBef>
@@ -4888,7 +4848,14 @@
         <p:cNvGrpSpPr/>
         <p:nvPr/>
       </p:nvGrpSpPr>
-      <p:grpSpPr/>
+      <p:grpSpPr>
+        <a:xfrm>
+          <a:off x="0" y="0"/>
+          <a:ext cx="0" cy="0"/>
+          <a:chOff x="0" y="0"/>
+          <a:chExt cx="0" cy="0"/>
+        </a:xfrm>
+      </p:grpSpPr>
       <p:sp>
         <p:nvSpPr>
           <p:cNvPr id="2" name="Text Box 1"/>
@@ -4908,6 +4875,7 @@
           <a:bodyPr wrap="square">
             <a:spAutoFit/>
           </a:bodyPr>
+          <a:lstStyle/>
           <a:p>
             <a:r>
               <a:rPr sz="2400" b="1">
@@ -4924,18 +4892,6 @@
               </a:rPr>
               <a:t>Introduction to Deep Learning</a:t>
             </a:r>
-            <a:endParaRPr sz="2400" b="1">
-              <a:solidFill>
-                <a:srgbClr val="FF0000"/>
-              </a:solidFill>
-              <a:effectLst>
-                <a:outerShdw blurRad="38100" dist="38100" dir="2700000" algn="tl">
-                  <a:srgbClr val="000000">
-                    <a:alpha val="43137"/>
-                  </a:srgbClr>
-                </a:outerShdw>
-              </a:effectLst>
-            </a:endParaRPr>
           </a:p>
           <a:p>
             <a:r>
@@ -4972,6 +4928,8 @@
               </a:rPr>
               <a:t>AI applications.</a:t>
             </a:r>
+          </a:p>
+          <a:p>
             <a:endParaRPr sz="2800" b="1">
               <a:solidFill>
                 <a:srgbClr val="FF0000"/>
@@ -4986,20 +4944,6 @@
             </a:endParaRPr>
           </a:p>
           <a:p>
-            <a:endParaRPr sz="2800" b="1">
-              <a:solidFill>
-                <a:srgbClr val="FF0000"/>
-              </a:solidFill>
-              <a:effectLst>
-                <a:outerShdw blurRad="38100" dist="38100" dir="2700000" algn="tl">
-                  <a:srgbClr val="000000">
-                    <a:alpha val="43137"/>
-                  </a:srgbClr>
-                </a:outerShdw>
-              </a:effectLst>
-            </a:endParaRPr>
-          </a:p>
-          <a:p>
             <a:r>
               <a:t>Key Aspects of Deep Learning:</a:t>
             </a:r>
@@ -5018,6 +4962,7 @@
               <a:buFont typeface="Arial" panose="020B0604020202020204"/>
               <a:buChar char="•"/>
             </a:pPr>
+            <a:endParaRPr/>
           </a:p>
           <a:p>
             <a:pPr>
@@ -5033,6 +4978,7 @@
               <a:buFont typeface="Arial" panose="020B0604020202020204"/>
               <a:buChar char="•"/>
             </a:pPr>
+            <a:endParaRPr/>
           </a:p>
           <a:p>
             <a:pPr>
@@ -5062,7 +5008,14 @@
         <p:cNvGrpSpPr/>
         <p:nvPr/>
       </p:nvGrpSpPr>
-      <p:grpSpPr/>
+      <p:grpSpPr>
+        <a:xfrm>
+          <a:off x="0" y="0"/>
+          <a:ext cx="0" cy="0"/>
+          <a:chOff x="0" y="0"/>
+          <a:chExt cx="0" cy="0"/>
+        </a:xfrm>
+      </p:grpSpPr>
       <p:pic>
         <p:nvPicPr>
           <p:cNvPr id="3" name="Picture 2"/>
@@ -5070,7 +5023,7 @@
           <p:nvPr/>
         </p:nvPicPr>
         <p:blipFill>
-          <a:blip r:embed="rId1"/>
+          <a:blip r:embed="rId2"/>
           <a:stretch>
             <a:fillRect/>
           </a:stretch>
@@ -5105,6 +5058,7 @@
           <a:bodyPr wrap="square" rtlCol="0" anchor="t">
             <a:spAutoFit/>
           </a:bodyPr>
+          <a:lstStyle/>
           <a:p>
             <a:r>
               <a:rPr lang="en-US" altLang="en-US"/>
@@ -5133,6 +5087,7 @@
           <a:bodyPr wrap="square">
             <a:spAutoFit/>
           </a:bodyPr>
+          <a:lstStyle/>
           <a:p>
             <a:r>
               <a:rPr sz="2900" b="1">
@@ -5144,13 +5099,6 @@
               </a:rPr>
               <a:t>Artificial Neural Network </a:t>
             </a:r>
-            <a:endParaRPr sz="2900" b="1">
-              <a:solidFill>
-                <a:srgbClr val="231F20"/>
-              </a:solidFill>
-              <a:latin typeface="RctvjbXddlcgHrcvdjHelveticaNeueLTStd-BdCn"/>
-              <a:ea typeface="RctvjbXddlcgHrcvdjHelveticaNeueLTStd-BdCn"/>
-            </a:endParaRPr>
           </a:p>
           <a:p>
             <a:pPr algn="just"/>
@@ -5204,13 +5152,6 @@
               </a:rPr>
               <a:t>computational network (a system of nodes and the interconnection between nodes) inspired by biological neural networks, which are the complex networks of neurons in human brains (see Figure). </a:t>
             </a:r>
-            <a:endParaRPr sz="2000">
-              <a:solidFill>
-                <a:srgbClr val="231F20"/>
-              </a:solidFill>
-              <a:ea typeface="QkdyncPgkddySjtfmrUtopiaStd"/>
-              <a:cs typeface="+mn-lt"/>
-            </a:endParaRPr>
           </a:p>
           <a:p>
             <a:pPr algn="just"/>
@@ -5234,13 +5175,6 @@
               </a:rPr>
               <a:t>The nodes created in the ANN are supposedly programmed to behave like actual neurons, and hence they are artificial neurons.</a:t>
             </a:r>
-            <a:endParaRPr sz="2000">
-              <a:solidFill>
-                <a:srgbClr val="231F20"/>
-              </a:solidFill>
-              <a:ea typeface="QkdyncPgkddySjtfmrUtopiaStd"/>
-              <a:cs typeface="+mn-lt"/>
-            </a:endParaRPr>
           </a:p>
         </p:txBody>
       </p:sp>
@@ -5264,6 +5198,7 @@
           <a:bodyPr wrap="square" rtlCol="0" anchor="t">
             <a:spAutoFit/>
           </a:bodyPr>
+          <a:lstStyle/>
           <a:p>
             <a:r>
               <a:rPr lang="en-US" altLang="en-US"/>
@@ -5293,6 +5228,7 @@
           <a:bodyPr wrap="square" rtlCol="0" anchor="t">
             <a:spAutoFit/>
           </a:bodyPr>
+          <a:lstStyle/>
           <a:p>
             <a:r>
               <a:rPr lang="en-US" altLang="en-US">
@@ -5300,9 +5236,6 @@
               </a:rPr>
               <a:t>https://medium.com/towards-data-science/what-the-hell-is-perceptron-626217814f53</a:t>
             </a:r>
-            <a:endParaRPr lang="en-US" altLang="en-US">
-              <a:sym typeface="+mn-ea"/>
-            </a:endParaRPr>
           </a:p>
         </p:txBody>
       </p:sp>
@@ -5323,7 +5256,14 @@
         <p:cNvGrpSpPr/>
         <p:nvPr/>
       </p:nvGrpSpPr>
-      <p:grpSpPr/>
+      <p:grpSpPr>
+        <a:xfrm>
+          <a:off x="0" y="0"/>
+          <a:ext cx="0" cy="0"/>
+          <a:chOff x="0" y="0"/>
+          <a:chExt cx="0" cy="0"/>
+        </a:xfrm>
+      </p:grpSpPr>
       <p:sp>
         <p:nvSpPr>
           <p:cNvPr id="2" name="Text Box 1"/>
@@ -5343,6 +5283,7 @@
           <a:bodyPr wrap="square">
             <a:spAutoFit/>
           </a:bodyPr>
+          <a:lstStyle/>
           <a:p>
             <a:r>
               <a:rPr sz="2400" b="1">
@@ -5359,25 +5300,12 @@
               </a:rPr>
               <a:t>Types of Neural Networks</a:t>
             </a:r>
-            <a:endParaRPr sz="2400" b="1">
-              <a:solidFill>
-                <a:srgbClr val="FF0000"/>
-              </a:solidFill>
-              <a:effectLst>
-                <a:outerShdw blurRad="38100" dist="38100" dir="2700000" algn="tl">
-                  <a:srgbClr val="000000">
-                    <a:alpha val="43137"/>
-                  </a:srgbClr>
-                </a:outerShdw>
-              </a:effectLst>
-            </a:endParaRPr>
           </a:p>
           <a:p>
             <a:r>
               <a:rPr sz="1600"/>
               <a:t>Deep learning includes various types of neural networks optimized for specific tasks:</a:t>
             </a:r>
-            <a:endParaRPr sz="1600"/>
           </a:p>
           <a:p>
             <a:endParaRPr sz="1600"/>
@@ -5390,7 +5318,6 @@
               <a:rPr lang="en-US" sz="1600" b="1"/>
               <a:t>Perceptron (Single Neuron )</a:t>
             </a:r>
-            <a:endParaRPr lang="en-US" sz="1600" b="1"/>
           </a:p>
           <a:p>
             <a:pPr>
@@ -5400,7 +5327,6 @@
               <a:rPr lang="en-US" sz="1600" b="1"/>
               <a:t>Multi Layer Perceptron (Multiple Neuron)</a:t>
             </a:r>
-            <a:endParaRPr lang="en-US" sz="1600" b="1"/>
           </a:p>
           <a:p>
             <a:pPr>
@@ -5420,7 +5346,6 @@
               <a:rPr sz="1600" b="1"/>
               <a:t>Feedforward Neural Networks (FNN):</a:t>
             </a:r>
-            <a:endParaRPr sz="1600" b="1"/>
           </a:p>
           <a:p>
             <a:pPr lvl="1">
@@ -5431,7 +5356,6 @@
               <a:rPr sz="1600"/>
               <a:t>Basic architecture where information moves in one direction.</a:t>
             </a:r>
-            <a:endParaRPr sz="1600"/>
           </a:p>
           <a:p>
             <a:pPr lvl="1">
@@ -5442,7 +5366,6 @@
               <a:rPr sz="1600"/>
               <a:t>Used in classification and regression tasks.</a:t>
             </a:r>
-            <a:endParaRPr sz="1600"/>
           </a:p>
           <a:p>
             <a:pPr lvl="1">
@@ -5459,7 +5382,6 @@
               <a:rPr sz="1600" b="1"/>
               <a:t>Convolutional Neural Networks (CNN):</a:t>
             </a:r>
-            <a:endParaRPr sz="1600" b="1"/>
           </a:p>
           <a:p>
             <a:pPr lvl="1">
@@ -5470,7 +5392,6 @@
               <a:rPr sz="1600"/>
               <a:t>Specialized for image processing tasks.</a:t>
             </a:r>
-            <a:endParaRPr sz="1600"/>
           </a:p>
           <a:p>
             <a:pPr lvl="1">
@@ -5481,7 +5402,6 @@
               <a:rPr sz="1600"/>
               <a:t>Uses convolutional layers to detect spatial features.</a:t>
             </a:r>
-            <a:endParaRPr sz="1600"/>
           </a:p>
           <a:p>
             <a:pPr>
@@ -5491,7 +5411,6 @@
               <a:rPr sz="1600" b="1"/>
               <a:t>Recurrent Neural Networks (RNN):</a:t>
             </a:r>
-            <a:endParaRPr sz="1600" b="1"/>
           </a:p>
           <a:p>
             <a:pPr lvl="1">
@@ -5502,7 +5421,6 @@
               <a:rPr sz="1600"/>
               <a:t>Designed for sequential data like time series and speech.</a:t>
             </a:r>
-            <a:endParaRPr sz="1600"/>
           </a:p>
           <a:p>
             <a:pPr lvl="1">
@@ -5513,7 +5431,6 @@
               <a:rPr sz="1600"/>
               <a:t>Uses loops and memory to retain information from previous inputs.</a:t>
             </a:r>
-            <a:endParaRPr sz="1600"/>
           </a:p>
           <a:p>
             <a:pPr>
@@ -5523,7 +5440,6 @@
               <a:rPr sz="1600" b="1"/>
               <a:t>Long Short-Term Memory (LSTM):</a:t>
             </a:r>
-            <a:endParaRPr sz="1600" b="1"/>
           </a:p>
           <a:p>
             <a:pPr lvl="1">
@@ -5534,7 +5450,6 @@
               <a:rPr sz="1600"/>
               <a:t>A type of RNN that solves the vanishing gradient problem.</a:t>
             </a:r>
-            <a:endParaRPr sz="1600"/>
           </a:p>
           <a:p>
             <a:pPr lvl="1">
@@ -5545,7 +5460,6 @@
               <a:rPr sz="1600"/>
               <a:t>Used in text generation, language modeling, and speech recognition.</a:t>
             </a:r>
-            <a:endParaRPr sz="1600"/>
           </a:p>
           <a:p>
             <a:pPr>
@@ -5575,6 +5489,7 @@
           <a:bodyPr wrap="square" rtlCol="0" anchor="t">
             <a:spAutoFit/>
           </a:bodyPr>
+          <a:lstStyle/>
           <a:p>
             <a:pPr lvl="1"/>
             <a:endParaRPr lang="en-IN" altLang="en-US" b="1"/>
@@ -5601,6 +5516,7 @@
           <a:bodyPr wrap="square" rtlCol="0" anchor="t">
             <a:spAutoFit/>
           </a:bodyPr>
+          <a:lstStyle/>
           <a:p>
             <a:pPr>
               <a:buAutoNum type="arabicPeriod"/>
@@ -5670,6 +5586,7 @@
           <a:bodyPr wrap="square" rtlCol="0" anchor="t">
             <a:spAutoFit/>
           </a:bodyPr>
+          <a:lstStyle/>
           <a:p>
             <a:pPr lvl="0">
               <a:buFont typeface="Arial" panose="020B0604020202020204"/>
@@ -5681,9 +5598,6 @@
               </a:rPr>
               <a:t>Backword Propagations</a:t>
             </a:r>
-            <a:endParaRPr lang="en-US" sz="1600">
-              <a:sym typeface="+mn-ea"/>
-            </a:endParaRPr>
           </a:p>
         </p:txBody>
       </p:sp>
@@ -5704,7 +5618,14 @@
         <p:cNvGrpSpPr/>
         <p:nvPr/>
       </p:nvGrpSpPr>
-      <p:grpSpPr/>
+      <p:grpSpPr>
+        <a:xfrm>
+          <a:off x="0" y="0"/>
+          <a:ext cx="0" cy="0"/>
+          <a:chOff x="0" y="0"/>
+          <a:chExt cx="0" cy="0"/>
+        </a:xfrm>
+      </p:grpSpPr>
       <p:pic>
         <p:nvPicPr>
           <p:cNvPr id="3" name="Picture 2"/>
@@ -5712,7 +5633,7 @@
           <p:nvPr/>
         </p:nvPicPr>
         <p:blipFill>
-          <a:blip r:embed="rId1"/>
+          <a:blip r:embed="rId2"/>
           <a:stretch>
             <a:fillRect/>
           </a:stretch>
@@ -5746,6 +5667,7 @@
           <a:bodyPr wrap="square">
             <a:noAutofit/>
           </a:bodyPr>
+          <a:lstStyle/>
           <a:p>
             <a:r>
               <a:rPr b="1">
@@ -5762,18 +5684,6 @@
               </a:rPr>
               <a:t>Perceptron Model</a:t>
             </a:r>
-            <a:endParaRPr b="1">
-              <a:solidFill>
-                <a:srgbClr val="FF0000"/>
-              </a:solidFill>
-              <a:effectLst>
-                <a:outerShdw blurRad="38100" dist="38100" dir="2700000" algn="tl">
-                  <a:srgbClr val="000000">
-                    <a:alpha val="43137"/>
-                  </a:srgbClr>
-                </a:outerShdw>
-              </a:effectLst>
-            </a:endParaRPr>
           </a:p>
           <a:p>
             <a:r>
@@ -5800,18 +5710,6 @@
               </a:rPr>
               <a:t>Components of a Perceptron:</a:t>
             </a:r>
-            <a:endParaRPr b="1">
-              <a:solidFill>
-                <a:srgbClr val="FF0000"/>
-              </a:solidFill>
-              <a:effectLst>
-                <a:outerShdw blurRad="38100" dist="38100" dir="2700000" algn="tl">
-                  <a:srgbClr val="000000">
-                    <a:alpha val="43137"/>
-                  </a:srgbClr>
-                </a:outerShdw>
-              </a:effectLst>
-            </a:endParaRPr>
           </a:p>
           <a:p>
             <a:pPr lvl="1">
@@ -5870,6 +5768,7 @@
               <a:buFont typeface="Arial" panose="020B0604020202020204"/>
               <a:buNone/>
             </a:pPr>
+            <a:endParaRPr/>
           </a:p>
         </p:txBody>
       </p:sp>
@@ -5892,6 +5791,7 @@
           <a:bodyPr wrap="square">
             <a:spAutoFit/>
           </a:bodyPr>
+          <a:lstStyle/>
           <a:p>
             <a:pPr marL="25400" indent="0"/>
             <a:r>
@@ -5956,14 +5856,6 @@
               </a:rPr>
               <a:t>“.</a:t>
             </a:r>
-            <a:endParaRPr sz="1400" b="0" i="0">
-              <a:solidFill>
-                <a:srgbClr val="000000"/>
-              </a:solidFill>
-              <a:latin typeface="Calibri" panose="020F0502020204030204" charset="0"/>
-              <a:ea typeface="Rubik"/>
-              <a:cs typeface="Calibri" panose="020F0502020204030204" charset="0"/>
-            </a:endParaRPr>
           </a:p>
         </p:txBody>
       </p:sp>
@@ -5984,7 +5876,14 @@
         <p:cNvGrpSpPr/>
         <p:nvPr/>
       </p:nvGrpSpPr>
-      <p:grpSpPr/>
+      <p:grpSpPr>
+        <a:xfrm>
+          <a:off x="0" y="0"/>
+          <a:ext cx="0" cy="0"/>
+          <a:chOff x="0" y="0"/>
+          <a:chExt cx="0" cy="0"/>
+        </a:xfrm>
+      </p:grpSpPr>
       <p:pic>
         <p:nvPicPr>
           <p:cNvPr id="4" name="Picture 3"/>
@@ -5992,14 +5891,14 @@
           <p:nvPr/>
         </p:nvPicPr>
         <p:blipFill>
-          <a:blip r:embed="rId1"/>
+          <a:blip r:embed="rId2"/>
           <a:stretch>
             <a:fillRect/>
           </a:stretch>
         </p:blipFill>
         <p:spPr>
           <a:xfrm>
-            <a:off x="5799455" y="3391535"/>
+            <a:off x="5799455" y="3401263"/>
             <a:ext cx="6313805" cy="3466465"/>
           </a:xfrm>
           <a:prstGeom prst="rect">
@@ -6015,7 +5914,7 @@
         </p:nvSpPr>
         <p:spPr>
           <a:xfrm>
-            <a:off x="250190" y="391160"/>
+            <a:off x="250190" y="400888"/>
             <a:ext cx="6096000" cy="2984500"/>
           </a:xfrm>
           <a:prstGeom prst="rect">
@@ -6027,6 +5926,7 @@
           <a:bodyPr wrap="square" rtlCol="0" anchor="t">
             <a:spAutoFit/>
           </a:bodyPr>
+          <a:lstStyle/>
           <a:p>
             <a:pPr indent="0">
               <a:buFont typeface="Arial" panose="020B0604020202020204"/>
@@ -6048,19 +5948,6 @@
               </a:rPr>
               <a:t>Types of Perceptron Models:</a:t>
             </a:r>
-            <a:endParaRPr sz="2400" b="1">
-              <a:solidFill>
-                <a:srgbClr val="FF0000"/>
-              </a:solidFill>
-              <a:effectLst>
-                <a:outerShdw blurRad="38100" dist="38100" dir="2700000" algn="tl">
-                  <a:srgbClr val="000000">
-                    <a:alpha val="43137"/>
-                  </a:srgbClr>
-                </a:outerShdw>
-              </a:effectLst>
-              <a:sym typeface="+mn-ea"/>
-            </a:endParaRPr>
           </a:p>
           <a:p>
             <a:pPr indent="0">
@@ -6152,7 +6039,7 @@
           <p:nvPr/>
         </p:nvPicPr>
         <p:blipFill>
-          <a:blip r:embed="rId2"/>
+          <a:blip r:embed="rId3"/>
           <a:srcRect l="16227" t="19455" r="15667" b="20687"/>
           <a:stretch>
             <a:fillRect/>
@@ -6160,7 +6047,7 @@
         </p:blipFill>
         <p:spPr>
           <a:xfrm>
-            <a:off x="6572250" y="-70485"/>
+            <a:off x="6572250" y="-60757"/>
             <a:ext cx="5031105" cy="3305175"/>
           </a:xfrm>
           <a:prstGeom prst="rect">
@@ -6176,7 +6063,7 @@
         </p:nvSpPr>
         <p:spPr>
           <a:xfrm>
-            <a:off x="347980" y="4417695"/>
+            <a:off x="347980" y="4427423"/>
             <a:ext cx="5080000" cy="2287270"/>
           </a:xfrm>
           <a:prstGeom prst="rect">
@@ -6187,6 +6074,7 @@
           <a:bodyPr>
             <a:spAutoFit/>
           </a:bodyPr>
+          <a:lstStyle/>
           <a:p>
             <a:pPr marL="0" indent="0">
               <a:spcAft>
@@ -6218,10 +6106,6 @@
               </a:rPr>
               <a:t> </a:t>
             </a:r>
-            <a:endParaRPr sz="1600" b="0" i="0">
-              <a:latin typeface="Manrope"/>
-              <a:ea typeface="Manrope"/>
-            </a:endParaRPr>
           </a:p>
           <a:p>
             <a:pPr marL="0" indent="0"/>
@@ -6235,13 +6119,6 @@
               </a:rPr>
               <a:t>the basic elements of the network's architecture. </a:t>
             </a:r>
-            <a:endParaRPr b="0" i="0">
-              <a:solidFill>
-                <a:srgbClr val="292929"/>
-              </a:solidFill>
-              <a:latin typeface="Inter"/>
-              <a:ea typeface="Inter"/>
-            </a:endParaRPr>
           </a:p>
           <a:p>
             <a:pPr marL="0" indent="0"/>
@@ -6255,13 +6132,6 @@
               </a:rPr>
               <a:t> made of three core layers:</a:t>
             </a:r>
-            <a:endParaRPr b="1" i="0">
-              <a:solidFill>
-                <a:srgbClr val="292929"/>
-              </a:solidFill>
-              <a:latin typeface="Inter"/>
-              <a:ea typeface="Inter"/>
-            </a:endParaRPr>
           </a:p>
           <a:p>
             <a:pPr marL="0" indent="0">
@@ -6277,13 +6147,6 @@
               </a:rPr>
               <a:t>Input layer</a:t>
             </a:r>
-            <a:endParaRPr b="0" i="0">
-              <a:solidFill>
-                <a:srgbClr val="292929"/>
-              </a:solidFill>
-              <a:latin typeface="Inter"/>
-              <a:ea typeface="Inter"/>
-            </a:endParaRPr>
           </a:p>
           <a:p>
             <a:pPr marL="0" indent="0">
@@ -6299,13 +6162,6 @@
               </a:rPr>
               <a:t>Hidden layers </a:t>
             </a:r>
-            <a:endParaRPr b="0" i="0">
-              <a:solidFill>
-                <a:srgbClr val="292929"/>
-              </a:solidFill>
-              <a:latin typeface="Inter"/>
-              <a:ea typeface="Inter"/>
-            </a:endParaRPr>
           </a:p>
           <a:p>
             <a:pPr marL="0" indent="0">
@@ -6321,13 +6177,6 @@
               </a:rPr>
               <a:t>Output layer </a:t>
             </a:r>
-            <a:endParaRPr b="0" i="0">
-              <a:solidFill>
-                <a:srgbClr val="292929"/>
-              </a:solidFill>
-              <a:latin typeface="Inter"/>
-              <a:ea typeface="Inter"/>
-            </a:endParaRPr>
           </a:p>
         </p:txBody>
       </p:sp>
@@ -6348,7 +6197,14 @@
         <p:cNvGrpSpPr/>
         <p:nvPr/>
       </p:nvGrpSpPr>
-      <p:grpSpPr/>
+      <p:grpSpPr>
+        <a:xfrm>
+          <a:off x="0" y="0"/>
+          <a:ext cx="0" cy="0"/>
+          <a:chOff x="0" y="0"/>
+          <a:chExt cx="0" cy="0"/>
+        </a:xfrm>
+      </p:grpSpPr>
       <p:sp>
         <p:nvSpPr>
           <p:cNvPr id="4" name="Text Box 3"/>
@@ -6369,6 +6225,7 @@
           <a:bodyPr wrap="square" rtlCol="0" anchor="t">
             <a:spAutoFit/>
           </a:bodyPr>
+          <a:lstStyle/>
           <a:p>
             <a:pPr>
               <a:buAutoNum type="arabicPeriod"/>
@@ -6425,6 +6282,7 @@
           <a:bodyPr wrap="square" rtlCol="0" anchor="t">
             <a:spAutoFit/>
           </a:bodyPr>
+          <a:lstStyle/>
           <a:p>
             <a:pPr lvl="1"/>
             <a:r>
@@ -6433,9 +6291,6 @@
               </a:rPr>
               <a:t>Implement the FNN</a:t>
             </a:r>
-            <a:endParaRPr lang="en-IN" altLang="en-US" b="1">
-              <a:sym typeface="+mn-ea"/>
-            </a:endParaRPr>
           </a:p>
           <a:p>
             <a:pPr lvl="1"/>
@@ -6470,6 +6325,7 @@
           <a:bodyPr wrap="square">
             <a:spAutoFit/>
           </a:bodyPr>
+          <a:lstStyle/>
           <a:p>
             <a:pPr marL="0" indent="0">
               <a:spcBef>
@@ -6487,11 +6343,6 @@
               </a:rPr>
               <a:t>the flow of information occurs in the forward direction. The input is used to calculate some intermediate function in the hidden layer, which is then used to calculate an output. </a:t>
             </a:r>
-            <a:endParaRPr sz="1600" b="0" i="0">
-              <a:latin typeface="Arial" panose="020B0604020202020204" pitchFamily="34" charset="0"/>
-              <a:ea typeface="var(--framer-blockquote-font-family"/>
-              <a:cs typeface="Arial" panose="020B0604020202020204" pitchFamily="34" charset="0"/>
-            </a:endParaRPr>
           </a:p>
         </p:txBody>
       </p:sp>
@@ -6502,7 +6353,7 @@
           <p:nvPr/>
         </p:nvPicPr>
         <p:blipFill>
-          <a:blip r:embed="rId1"/>
+          <a:blip r:embed="rId2"/>
           <a:stretch>
             <a:fillRect/>
           </a:stretch>
@@ -6524,7 +6375,7 @@
           <p:nvPr/>
         </p:nvPicPr>
         <p:blipFill>
-          <a:blip r:embed="rId2"/>
+          <a:blip r:embed="rId3"/>
           <a:stretch>
             <a:fillRect/>
           </a:stretch>
@@ -6559,6 +6410,7 @@
           <a:bodyPr wrap="square" rtlCol="0" anchor="t">
             <a:spAutoFit/>
           </a:bodyPr>
+          <a:lstStyle/>
           <a:p>
             <a:r>
               <a:rPr lang="en-US" altLang="en-US" sz="2800" b="1">
@@ -6641,9 +6493,6 @@
               </a:rPr>
               <a:t>output</a:t>
             </a:r>
-            <a:endParaRPr lang="en-US" altLang="en-US">
-              <a:sym typeface="+mn-ea"/>
-            </a:endParaRPr>
           </a:p>
         </p:txBody>
       </p:sp>
@@ -6664,7 +6513,14 @@
         <p:cNvGrpSpPr/>
         <p:nvPr/>
       </p:nvGrpSpPr>
-      <p:grpSpPr/>
+      <p:grpSpPr>
+        <a:xfrm>
+          <a:off x="0" y="0"/>
+          <a:ext cx="0" cy="0"/>
+          <a:chOff x="0" y="0"/>
+          <a:chExt cx="0" cy="0"/>
+        </a:xfrm>
+      </p:grpSpPr>
       <p:sp>
         <p:nvSpPr>
           <p:cNvPr id="2" name="Text Box 1"/>
@@ -6685,6 +6541,7 @@
           <a:bodyPr wrap="square" rtlCol="0">
             <a:spAutoFit/>
           </a:bodyPr>
+          <a:lstStyle/>
           <a:p>
             <a:pPr indent="0">
               <a:buNone/>
@@ -6776,7 +6633,6 @@
               <a:rPr lang="en-US" altLang="en-US"/>
               <a:t>Backpropagation</a:t>
             </a:r>
-            <a:endParaRPr lang="en-US" altLang="en-US"/>
           </a:p>
           <a:p>
             <a:pPr marL="800100" lvl="1" indent="-342900">
@@ -6786,7 +6642,6 @@
               <a:rPr lang="en-US" altLang="en-US"/>
               <a:t>Loss Calculation</a:t>
             </a:r>
-            <a:endParaRPr lang="en-US" altLang="en-US"/>
           </a:p>
           <a:p>
             <a:pPr marL="800100" lvl="1" indent="-342900">
@@ -6796,7 +6651,6 @@
               <a:rPr lang="en-US" altLang="en-US"/>
               <a:t>Gradient Calculation</a:t>
             </a:r>
-            <a:endParaRPr lang="en-US" altLang="en-US"/>
           </a:p>
           <a:p>
             <a:pPr marL="800100" lvl="1" indent="-342900">
@@ -6806,7 +6660,6 @@
               <a:rPr lang="en-US" altLang="en-US"/>
               <a:t>Weight Update</a:t>
             </a:r>
-            <a:endParaRPr lang="en-US" altLang="en-US"/>
           </a:p>
         </p:txBody>
       </p:sp>
@@ -6830,6 +6683,7 @@
           <a:bodyPr wrap="square" rtlCol="0">
             <a:spAutoFit/>
           </a:bodyPr>
+          <a:lstStyle/>
           <a:p>
             <a:endParaRPr lang="en-US"/>
           </a:p>
@@ -6847,7 +6701,7 @@
           <p:nvPr/>
         </p:nvPicPr>
         <p:blipFill>
-          <a:blip r:embed="rId1"/>
+          <a:blip r:embed="rId2"/>
           <a:stretch>
             <a:fillRect/>
           </a:stretch>
@@ -6881,6 +6735,7 @@
           <a:bodyPr>
             <a:spAutoFit/>
           </a:bodyPr>
+          <a:lstStyle/>
           <a:p>
             <a:pPr marL="0" indent="0">
               <a:spcAft>
@@ -6894,10 +6749,6 @@
               </a:rPr>
               <a:t>Feedforward vs. Backpropagation</a:t>
             </a:r>
-            <a:endParaRPr sz="1600" b="0" i="0">
-              <a:latin typeface="Manrope"/>
-              <a:ea typeface="Manrope"/>
-            </a:endParaRPr>
           </a:p>
         </p:txBody>
       </p:sp>
@@ -6921,6 +6772,7 @@
           <a:bodyPr wrap="square" rtlCol="0" anchor="t">
             <a:spAutoFit/>
           </a:bodyPr>
+          <a:lstStyle/>
           <a:p>
             <a:r>
               <a:rPr lang="en-US" altLang="en-US"/>
@@ -6950,12 +6802,12 @@
           <a:bodyPr wrap="square" rtlCol="0" anchor="t">
             <a:spAutoFit/>
           </a:bodyPr>
+          <a:lstStyle/>
           <a:p>
             <a:r>
               <a:rPr lang="en-US" altLang="en-US" sz="1400"/>
               <a:t>https://www.guru99.com/backpropogation-neural-network.html</a:t>
             </a:r>
-            <a:endParaRPr lang="en-US" altLang="en-US" sz="1400"/>
           </a:p>
         </p:txBody>
       </p:sp>
@@ -6976,7 +6828,14 @@
         <p:cNvGrpSpPr/>
         <p:nvPr/>
       </p:nvGrpSpPr>
-      <p:grpSpPr/>
+      <p:grpSpPr>
+        <a:xfrm>
+          <a:off x="0" y="0"/>
+          <a:ext cx="0" cy="0"/>
+          <a:chOff x="0" y="0"/>
+          <a:chExt cx="0" cy="0"/>
+        </a:xfrm>
+      </p:grpSpPr>
       <p:pic>
         <p:nvPicPr>
           <p:cNvPr id="9" name="Picture 8" descr="Screenshot (282)"/>
@@ -6986,7 +6845,7 @@
           <p:nvPr/>
         </p:nvPicPr>
         <p:blipFill>
-          <a:blip r:embed="rId1"/>
+          <a:blip r:embed="rId2"/>
           <a:srcRect t="11287" r="47089" b="5620"/>
           <a:stretch>
             <a:fillRect/>
@@ -7022,6 +6881,7 @@
           <a:bodyPr wrap="square" rtlCol="0">
             <a:spAutoFit/>
           </a:bodyPr>
+          <a:lstStyle/>
           <a:p>
             <a:pPr indent="0"/>
             <a:r>
@@ -7043,7 +6903,6 @@
               <a:rPr lang="en-US" altLang="en-US"/>
               <a:t>Neural Networks Architecture:</a:t>
             </a:r>
-            <a:endParaRPr lang="en-US" altLang="en-US"/>
           </a:p>
           <a:p>
             <a:pPr marL="285750" indent="-285750">
@@ -7054,7 +6913,6 @@
               <a:rPr lang="en-US" sz="2400"/>
               <a:t>features</a:t>
             </a:r>
-            <a:endParaRPr lang="en-US" sz="2400"/>
           </a:p>
           <a:p>
             <a:pPr marL="285750" indent="-285750">
@@ -7065,7 +6923,6 @@
               <a:rPr lang="en-US" sz="2400"/>
               <a:t>weights</a:t>
             </a:r>
-            <a:endParaRPr lang="en-US" sz="2400"/>
           </a:p>
           <a:p>
             <a:pPr marL="285750" indent="-285750">
@@ -7076,7 +6933,6 @@
               <a:rPr lang="en-US" sz="2400"/>
               <a:t>bias</a:t>
             </a:r>
-            <a:endParaRPr lang="en-US" sz="2400"/>
           </a:p>
         </p:txBody>
       </p:sp>
@@ -7100,6 +6956,7 @@
           <a:bodyPr wrap="square" rtlCol="0">
             <a:noAutofit/>
           </a:bodyPr>
+          <a:lstStyle/>
           <a:p>
             <a:r>
               <a:rPr lang="en-US" sz="2800" b="1">
@@ -7129,7 +6986,6 @@
               <a:rPr lang="en-IN" altLang="en-US" sz="2000"/>
               <a:t>Perceptron</a:t>
             </a:r>
-            <a:endParaRPr lang="en-IN" altLang="en-US" sz="2000"/>
           </a:p>
           <a:p>
             <a:pPr marL="800100" lvl="1" indent="-342900">
@@ -7139,7 +6995,6 @@
               <a:rPr lang="en-IN" altLang="en-US" sz="2000"/>
               <a:t>Hidden layers</a:t>
             </a:r>
-            <a:endParaRPr lang="en-IN" altLang="en-US" sz="2000"/>
           </a:p>
           <a:p>
             <a:pPr marL="800100" lvl="1" indent="-342900">
@@ -7149,7 +7004,6 @@
               <a:rPr lang="en-IN" altLang="en-US" sz="2000"/>
               <a:t>neurons</a:t>
             </a:r>
-            <a:endParaRPr lang="en-IN" altLang="en-US" sz="2000"/>
           </a:p>
           <a:p>
             <a:pPr marL="800100" lvl="1" indent="-342900">
@@ -7182,7 +7036,6 @@
               <a:rPr lang="en-US" sz="2000"/>
               <a:t>activation functions</a:t>
             </a:r>
-            <a:endParaRPr lang="en-US" sz="2000"/>
           </a:p>
           <a:p>
             <a:pPr marL="342900" indent="-342900">
@@ -7192,7 +7045,6 @@
               <a:rPr lang="en-US" sz="2000"/>
               <a:t>for error calculations</a:t>
             </a:r>
-            <a:endParaRPr lang="en-US" sz="2000"/>
           </a:p>
           <a:p>
             <a:pPr marL="800100" lvl="1" indent="-342900">
@@ -7203,7 +7055,6 @@
               <a:rPr lang="en-US" sz="2000"/>
               <a:t>mse,mae, logloss</a:t>
             </a:r>
-            <a:endParaRPr lang="en-US" sz="2000"/>
           </a:p>
           <a:p>
             <a:pPr marL="342900" indent="-342900">
@@ -7213,7 +7064,6 @@
               <a:rPr lang="en-US" sz="2000"/>
               <a:t>for optimizations </a:t>
             </a:r>
-            <a:endParaRPr lang="en-US" sz="2000"/>
           </a:p>
           <a:p>
             <a:pPr marL="800100" lvl="1" indent="-342900">
@@ -7224,7 +7074,6 @@
               <a:rPr lang="en-US" sz="2000"/>
               <a:t>gradient descent/ optimzer</a:t>
             </a:r>
-            <a:endParaRPr lang="en-US" sz="2000"/>
           </a:p>
           <a:p>
             <a:pPr lvl="0" indent="0">
@@ -7235,7 +7084,6 @@
               <a:rPr lang="en-US" sz="2000"/>
               <a:t>4.  Evaluation Matrix</a:t>
             </a:r>
-            <a:endParaRPr lang="en-US" sz="2000"/>
           </a:p>
           <a:p>
             <a:pPr marL="800100" lvl="1" indent="-342900">
@@ -7246,7 +7094,6 @@
               <a:rPr lang="en-US" sz="2000"/>
               <a:t>classification</a:t>
             </a:r>
-            <a:endParaRPr lang="en-US" sz="2000"/>
           </a:p>
           <a:p>
             <a:pPr marL="800100" lvl="1" indent="-342900">
@@ -7257,7 +7104,6 @@
               <a:rPr lang="en-US" sz="2000"/>
               <a:t>regression</a:t>
             </a:r>
-            <a:endParaRPr lang="en-US" sz="2000"/>
           </a:p>
           <a:p>
             <a:pPr indent="457200"/>
@@ -7282,7 +7128,14 @@
         <p:cNvGrpSpPr/>
         <p:nvPr/>
       </p:nvGrpSpPr>
-      <p:grpSpPr/>
+      <p:grpSpPr>
+        <a:xfrm>
+          <a:off x="0" y="0"/>
+          <a:ext cx="0" cy="0"/>
+          <a:chOff x="0" y="0"/>
+          <a:chExt cx="0" cy="0"/>
+        </a:xfrm>
+      </p:grpSpPr>
       <p:pic>
         <p:nvPicPr>
           <p:cNvPr id="4" name="Picture 3"/>
@@ -7290,7 +7143,7 @@
           <p:nvPr/>
         </p:nvPicPr>
         <p:blipFill>
-          <a:blip r:embed="rId1"/>
+          <a:blip r:embed="rId2"/>
           <a:srcRect t="8297" b="1980"/>
           <a:stretch>
             <a:fillRect/>
@@ -7298,7 +7151,7 @@
         </p:blipFill>
         <p:spPr>
           <a:xfrm>
-            <a:off x="675005" y="307340"/>
+            <a:off x="675005" y="317068"/>
             <a:ext cx="10526395" cy="6460490"/>
           </a:xfrm>
           <a:prstGeom prst="rect">
@@ -7323,7 +7176,14 @@
         <p:cNvGrpSpPr/>
         <p:nvPr/>
       </p:nvGrpSpPr>
-      <p:grpSpPr/>
+      <p:grpSpPr>
+        <a:xfrm>
+          <a:off x="0" y="0"/>
+          <a:ext cx="0" cy="0"/>
+          <a:chOff x="0" y="0"/>
+          <a:chExt cx="0" cy="0"/>
+        </a:xfrm>
+      </p:grpSpPr>
       <p:pic>
         <p:nvPicPr>
           <p:cNvPr id="2" name="Picture 1"/>
@@ -7331,7 +7191,7 @@
           <p:nvPr/>
         </p:nvPicPr>
         <p:blipFill>
-          <a:blip r:embed="rId1"/>
+          <a:blip r:embed="rId2"/>
           <a:stretch>
             <a:fillRect/>
           </a:stretch>
@@ -7363,7 +7223,14 @@
         <p:cNvGrpSpPr/>
         <p:nvPr/>
       </p:nvGrpSpPr>
-      <p:grpSpPr/>
+      <p:grpSpPr>
+        <a:xfrm>
+          <a:off x="0" y="0"/>
+          <a:ext cx="0" cy="0"/>
+          <a:chOff x="0" y="0"/>
+          <a:chExt cx="0" cy="0"/>
+        </a:xfrm>
+      </p:grpSpPr>
       <p:sp>
         <p:nvSpPr>
           <p:cNvPr id="2" name="Text Box 1"/>
@@ -7384,6 +7251,7 @@
           <a:bodyPr wrap="square" rtlCol="0">
             <a:spAutoFit/>
           </a:bodyPr>
+          <a:lstStyle/>
           <a:p>
             <a:r>
               <a:rPr lang="en-US" sz="2400" b="1">
@@ -7393,11 +7261,6 @@
               </a:rPr>
               <a:t>What we learn </a:t>
             </a:r>
-            <a:endParaRPr lang="en-US" sz="2400" b="1">
-              <a:solidFill>
-                <a:srgbClr val="FF0000"/>
-              </a:solidFill>
-            </a:endParaRPr>
           </a:p>
         </p:txBody>
       </p:sp>
@@ -7420,6 +7283,7 @@
           <a:bodyPr wrap="square">
             <a:spAutoFit/>
           </a:bodyPr>
+          <a:lstStyle/>
           <a:p>
             <a:pPr marL="0" indent="0">
               <a:spcBef>
@@ -7439,13 +7303,6 @@
               </a:rPr>
               <a:t>Introduction to AI  </a:t>
             </a:r>
-            <a:endParaRPr sz="2500" b="0" i="0">
-              <a:solidFill>
-                <a:srgbClr val="333333"/>
-              </a:solidFill>
-              <a:latin typeface="Tomorrow"/>
-              <a:ea typeface="Tomorrow"/>
-            </a:endParaRPr>
           </a:p>
           <a:p>
             <a:pPr marL="0" indent="0">
@@ -7466,6 +7323,76 @@
               </a:rPr>
               <a:t>AI vs ML vs DL</a:t>
             </a:r>
+          </a:p>
+          <a:p>
+            <a:pPr marL="0" indent="0">
+              <a:spcBef>
+                <a:spcPct val="0"/>
+              </a:spcBef>
+              <a:spcAft>
+                <a:spcPct val="0"/>
+              </a:spcAft>
+            </a:pPr>
+            <a:r>
+              <a:rPr sz="1600" b="0" i="0">
+                <a:solidFill>
+                  <a:srgbClr val="333333"/>
+                </a:solidFill>
+                <a:latin typeface="Tomorrow"/>
+                <a:ea typeface="Tomorrow"/>
+              </a:rPr>
+              <a:t>Applications of AI</a:t>
+            </a:r>
+          </a:p>
+          <a:p>
+            <a:pPr marL="0" indent="0">
+              <a:spcBef>
+                <a:spcPct val="0"/>
+              </a:spcBef>
+              <a:spcAft>
+                <a:spcPct val="0"/>
+              </a:spcAft>
+            </a:pPr>
+            <a:r>
+              <a:rPr sz="1600" b="0" i="0">
+                <a:solidFill>
+                  <a:srgbClr val="333333"/>
+                </a:solidFill>
+                <a:latin typeface="Tomorrow"/>
+                <a:ea typeface="Tomorrow"/>
+              </a:rPr>
+              <a:t>Conventional AI vs GenAI</a:t>
+            </a:r>
+          </a:p>
+          <a:p>
+            <a:pPr marL="0" indent="0">
+              <a:spcBef>
+                <a:spcPct val="0"/>
+              </a:spcBef>
+              <a:spcAft>
+                <a:spcPct val="0"/>
+              </a:spcAft>
+            </a:pPr>
+            <a:r>
+              <a:rPr sz="1600" b="0" i="0">
+                <a:solidFill>
+                  <a:srgbClr val="333333"/>
+                </a:solidFill>
+                <a:latin typeface="Tomorrow"/>
+                <a:ea typeface="Tomorrow"/>
+              </a:rPr>
+              <a:t>Future of AI</a:t>
+            </a:r>
+          </a:p>
+          <a:p>
+            <a:pPr marL="0" indent="0">
+              <a:spcBef>
+                <a:spcPct val="0"/>
+              </a:spcBef>
+              <a:spcAft>
+                <a:spcPct val="0"/>
+              </a:spcAft>
+            </a:pPr>
             <a:endParaRPr sz="1600" b="0" i="0">
               <a:solidFill>
                 <a:srgbClr val="333333"/>
@@ -7484,49 +7411,25 @@
               </a:spcAft>
             </a:pPr>
             <a:r>
-              <a:rPr sz="1600" b="0" i="0">
+              <a:rPr lang="en-US" altLang="en-US" b="1" i="0">
                 <a:solidFill>
                   <a:srgbClr val="333333"/>
                 </a:solidFill>
                 <a:latin typeface="Tomorrow"/>
                 <a:ea typeface="Tomorrow"/>
               </a:rPr>
-              <a:t>Applications of AI</a:t>
-            </a:r>
-            <a:endParaRPr sz="1600" b="0" i="0">
-              <a:solidFill>
-                <a:srgbClr val="333333"/>
-              </a:solidFill>
-              <a:latin typeface="Tomorrow"/>
-              <a:ea typeface="Tomorrow"/>
-            </a:endParaRPr>
-          </a:p>
-          <a:p>
-            <a:pPr marL="0" indent="0">
-              <a:spcBef>
-                <a:spcPct val="0"/>
-              </a:spcBef>
-              <a:spcAft>
-                <a:spcPct val="0"/>
-              </a:spcAft>
-            </a:pPr>
-            <a:r>
-              <a:rPr sz="1600" b="0" i="0">
+              <a:t>Introduction to DL</a:t>
+            </a:r>
+            <a:r>
+              <a:rPr lang="en-US" altLang="en-US" sz="1600" b="0" i="0">
                 <a:solidFill>
                   <a:srgbClr val="333333"/>
                 </a:solidFill>
                 <a:latin typeface="Tomorrow"/>
                 <a:ea typeface="Tomorrow"/>
               </a:rPr>
-              <a:t>Conventional AI vs GenAI</a:t>
-            </a:r>
-            <a:endParaRPr sz="1600" b="0" i="0">
-              <a:solidFill>
-                <a:srgbClr val="333333"/>
-              </a:solidFill>
-              <a:latin typeface="Tomorrow"/>
-              <a:ea typeface="Tomorrow"/>
-            </a:endParaRPr>
+              <a:t>  </a:t>
+            </a:r>
           </a:p>
           <a:p>
             <a:pPr marL="0" indent="0">
@@ -7538,22 +7441,15 @@
               </a:spcAft>
             </a:pPr>
             <a:r>
-              <a:rPr sz="1600" b="0" i="0">
+              <a:rPr lang="en-US" altLang="en-US" sz="1600" b="0" i="0">
                 <a:solidFill>
                   <a:srgbClr val="333333"/>
                 </a:solidFill>
                 <a:latin typeface="Tomorrow"/>
                 <a:ea typeface="Tomorrow"/>
               </a:rPr>
-              <a:t>Future of AI</a:t>
-            </a:r>
-            <a:endParaRPr sz="1600" b="0" i="0">
-              <a:solidFill>
-                <a:srgbClr val="333333"/>
-              </a:solidFill>
-              <a:latin typeface="Tomorrow"/>
-              <a:ea typeface="Tomorrow"/>
-            </a:endParaRPr>
+              <a:t>Introduction to Deep Learning</a:t>
+            </a:r>
           </a:p>
           <a:p>
             <a:pPr marL="0" indent="0">
@@ -7564,104 +7460,16 @@
                 <a:spcPct val="0"/>
               </a:spcAft>
             </a:pPr>
-            <a:endParaRPr sz="1600" b="0" i="0">
-              <a:solidFill>
-                <a:srgbClr val="333333"/>
-              </a:solidFill>
-              <a:latin typeface="Tomorrow"/>
-              <a:ea typeface="Tomorrow"/>
-            </a:endParaRPr>
-          </a:p>
-          <a:p>
-            <a:pPr marL="0" indent="0">
-              <a:spcBef>
-                <a:spcPct val="0"/>
-              </a:spcBef>
-              <a:spcAft>
-                <a:spcPct val="0"/>
-              </a:spcAft>
-            </a:pPr>
-            <a:r>
-              <a:rPr lang="en-US" altLang="en-US" b="1" i="0">
+            <a:r>
+              <a:rPr lang="en-US" altLang="en-US" sz="1600" b="0" i="0">
                 <a:solidFill>
                   <a:srgbClr val="333333"/>
                 </a:solidFill>
                 <a:latin typeface="Tomorrow"/>
                 <a:ea typeface="Tomorrow"/>
               </a:rPr>
-              <a:t>Introduction to DL</a:t>
-            </a:r>
-            <a:r>
-              <a:rPr lang="en-US" altLang="en-US" sz="1600" b="0" i="0">
-                <a:solidFill>
-                  <a:srgbClr val="333333"/>
-                </a:solidFill>
-                <a:latin typeface="Tomorrow"/>
-                <a:ea typeface="Tomorrow"/>
-              </a:rPr>
-              <a:t>  </a:t>
-            </a:r>
-            <a:endParaRPr lang="en-US" altLang="en-US" sz="1600" b="0" i="0">
-              <a:solidFill>
-                <a:srgbClr val="333333"/>
-              </a:solidFill>
-              <a:latin typeface="Tomorrow"/>
-              <a:ea typeface="Tomorrow"/>
-            </a:endParaRPr>
-          </a:p>
-          <a:p>
-            <a:pPr marL="0" indent="0">
-              <a:spcBef>
-                <a:spcPct val="0"/>
-              </a:spcBef>
-              <a:spcAft>
-                <a:spcPct val="0"/>
-              </a:spcAft>
-            </a:pPr>
-            <a:r>
-              <a:rPr lang="en-US" altLang="en-US" sz="1600" b="0" i="0">
-                <a:solidFill>
-                  <a:srgbClr val="333333"/>
-                </a:solidFill>
-                <a:latin typeface="Tomorrow"/>
-                <a:ea typeface="Tomorrow"/>
-              </a:rPr>
-              <a:t>Introduction to Deep Learning</a:t>
-            </a:r>
-            <a:endParaRPr lang="en-US" altLang="en-US" sz="1600" b="0" i="0">
-              <a:solidFill>
-                <a:srgbClr val="333333"/>
-              </a:solidFill>
-              <a:latin typeface="Tomorrow"/>
-              <a:ea typeface="Tomorrow"/>
-            </a:endParaRPr>
-          </a:p>
-          <a:p>
-            <a:pPr marL="0" indent="0">
-              <a:spcBef>
-                <a:spcPct val="0"/>
-              </a:spcBef>
-              <a:spcAft>
-                <a:spcPct val="0"/>
-              </a:spcAft>
-            </a:pPr>
-            <a:r>
-              <a:rPr lang="en-US" altLang="en-US" sz="1600" b="0" i="0">
-                <a:solidFill>
-                  <a:srgbClr val="333333"/>
-                </a:solidFill>
-                <a:latin typeface="Tomorrow"/>
-                <a:ea typeface="Tomorrow"/>
-              </a:rPr>
               <a:t>Perceptron Model</a:t>
             </a:r>
-            <a:endParaRPr lang="en-US" altLang="en-US" sz="1600" b="0" i="0">
-              <a:solidFill>
-                <a:srgbClr val="333333"/>
-              </a:solidFill>
-              <a:latin typeface="Tomorrow"/>
-              <a:ea typeface="Tomorrow"/>
-            </a:endParaRPr>
           </a:p>
           <a:p>
             <a:pPr marL="0" indent="0">
@@ -7689,20 +7497,6 @@
               </a:rPr>
               <a:t>Introduction to Tensorflow and Keras</a:t>
             </a:r>
-            <a:endParaRPr lang="en-US" altLang="en-US" sz="1600" b="1" i="0">
-              <a:solidFill>
-                <a:srgbClr val="333333"/>
-              </a:solidFill>
-              <a:effectLst>
-                <a:outerShdw blurRad="38100" dist="38100" dir="2700000" algn="tl">
-                  <a:srgbClr val="000000">
-                    <a:alpha val="43137"/>
-                  </a:srgbClr>
-                </a:outerShdw>
-              </a:effectLst>
-              <a:latin typeface="Tomorrow"/>
-              <a:ea typeface="Tomorrow"/>
-            </a:endParaRPr>
           </a:p>
           <a:p>
             <a:pPr marL="0" indent="0">
@@ -7723,13 +7517,6 @@
               </a:rPr>
               <a:t>Introduction to Types of Neural Networks</a:t>
             </a:r>
-            <a:endParaRPr lang="en-US" altLang="en-US" sz="1600" b="0" i="0">
-              <a:solidFill>
-                <a:srgbClr val="333333"/>
-              </a:solidFill>
-              <a:latin typeface="Tomorrow"/>
-              <a:ea typeface="Tomorrow"/>
-            </a:endParaRPr>
           </a:p>
           <a:p>
             <a:pPr marL="0" indent="0">
@@ -7777,13 +7564,6 @@
               </a:rPr>
               <a:t> </a:t>
             </a:r>
-            <a:endParaRPr lang="en-US" altLang="en-US" sz="1600" b="0" i="0">
-              <a:solidFill>
-                <a:srgbClr val="333333"/>
-              </a:solidFill>
-              <a:latin typeface="Tomorrow"/>
-              <a:ea typeface="Tomorrow"/>
-            </a:endParaRPr>
           </a:p>
           <a:p>
             <a:pPr marL="0" indent="0">
@@ -7804,13 +7584,6 @@
               </a:rPr>
               <a:t>Activation Functions in NN</a:t>
             </a:r>
-            <a:endParaRPr lang="en-US" altLang="en-US" sz="1600" b="0" i="0">
-              <a:solidFill>
-                <a:srgbClr val="333333"/>
-              </a:solidFill>
-              <a:latin typeface="Tomorrow"/>
-              <a:ea typeface="Tomorrow"/>
-            </a:endParaRPr>
           </a:p>
           <a:p>
             <a:pPr marL="0" indent="0">
@@ -7831,13 +7604,6 @@
               </a:rPr>
               <a:t>Loss Functions</a:t>
             </a:r>
-            <a:endParaRPr lang="en-US" altLang="en-US" sz="1600" b="0" i="0">
-              <a:solidFill>
-                <a:srgbClr val="333333"/>
-              </a:solidFill>
-              <a:latin typeface="Tomorrow"/>
-              <a:ea typeface="Tomorrow"/>
-            </a:endParaRPr>
           </a:p>
           <a:p>
             <a:pPr marL="0" indent="0">
@@ -7858,13 +7624,6 @@
               </a:rPr>
               <a:t>Optimization Technique</a:t>
             </a:r>
-            <a:endParaRPr lang="en-US" altLang="en-US" sz="1600" b="0" i="0">
-              <a:solidFill>
-                <a:srgbClr val="333333"/>
-              </a:solidFill>
-              <a:latin typeface="Tomorrow"/>
-              <a:ea typeface="Tomorrow"/>
-            </a:endParaRPr>
           </a:p>
           <a:p>
             <a:pPr marL="0" indent="0">
@@ -7885,13 +7644,6 @@
               </a:rPr>
               <a:t>Regularization Techniques</a:t>
             </a:r>
-            <a:endParaRPr lang="en-US" altLang="en-US" sz="1600" b="0" i="0">
-              <a:solidFill>
-                <a:srgbClr val="333333"/>
-              </a:solidFill>
-              <a:latin typeface="Tomorrow"/>
-              <a:ea typeface="Tomorrow"/>
-            </a:endParaRPr>
           </a:p>
           <a:p>
             <a:pPr marL="0" indent="0">
@@ -7912,13 +7664,6 @@
               </a:rPr>
               <a:t>CallBacks</a:t>
             </a:r>
-            <a:endParaRPr lang="en-US" altLang="en-US" sz="1600" b="0" i="0">
-              <a:solidFill>
-                <a:srgbClr val="333333"/>
-              </a:solidFill>
-              <a:latin typeface="Tomorrow"/>
-              <a:ea typeface="Tomorrow"/>
-            </a:endParaRPr>
           </a:p>
         </p:txBody>
       </p:sp>
@@ -7941,6 +7686,7 @@
           <a:bodyPr wrap="square">
             <a:spAutoFit/>
           </a:bodyPr>
+          <a:lstStyle/>
           <a:p>
             <a:pPr marL="0" indent="0">
               <a:spcBef>
@@ -7960,13 +7706,6 @@
               </a:rPr>
               <a:t>Computer Vision  </a:t>
             </a:r>
-            <a:endParaRPr sz="2500" b="0" i="0">
-              <a:solidFill>
-                <a:srgbClr val="333333"/>
-              </a:solidFill>
-              <a:latin typeface="Tomorrow"/>
-              <a:ea typeface="Tomorrow"/>
-            </a:endParaRPr>
           </a:p>
           <a:p>
             <a:pPr marL="0" indent="0">
@@ -7987,6 +7726,56 @@
               </a:rPr>
               <a:t>Object Detection</a:t>
             </a:r>
+          </a:p>
+          <a:p>
+            <a:pPr marL="0" indent="0">
+              <a:spcBef>
+                <a:spcPct val="0"/>
+              </a:spcBef>
+              <a:spcAft>
+                <a:spcPct val="0"/>
+              </a:spcAft>
+            </a:pPr>
+            <a:r>
+              <a:rPr sz="1600" b="0" i="0">
+                <a:solidFill>
+                  <a:srgbClr val="333333"/>
+                </a:solidFill>
+                <a:latin typeface="Tomorrow"/>
+                <a:ea typeface="Tomorrow"/>
+              </a:rPr>
+              <a:t>Region Proposal Techniques</a:t>
+            </a:r>
+          </a:p>
+          <a:p>
+            <a:pPr marL="0" indent="0">
+              <a:spcBef>
+                <a:spcPct val="0"/>
+              </a:spcBef>
+              <a:spcAft>
+                <a:spcPct val="0"/>
+              </a:spcAft>
+            </a:pPr>
+            <a:r>
+              <a:rPr sz="1600" b="0" i="0">
+                <a:solidFill>
+                  <a:srgbClr val="333333"/>
+                </a:solidFill>
+                <a:latin typeface="Tomorrow"/>
+                <a:ea typeface="Tomorrow"/>
+              </a:rPr>
+              <a:t>Semantic Segmentation</a:t>
+            </a:r>
+          </a:p>
+          <a:p>
+            <a:pPr marL="0" indent="0">
+              <a:spcBef>
+                <a:spcPct val="0"/>
+              </a:spcBef>
+              <a:spcAft>
+                <a:spcPct val="0"/>
+              </a:spcAft>
+            </a:pPr>
             <a:endParaRPr sz="1600" b="0" i="0">
               <a:solidFill>
                 <a:srgbClr val="333333"/>
@@ -8005,22 +7794,15 @@
               </a:spcAft>
             </a:pPr>
             <a:r>
-              <a:rPr sz="1600" b="0" i="0">
+              <a:rPr lang="en-US" altLang="en-US" sz="2000" b="1" i="0">
                 <a:solidFill>
                   <a:srgbClr val="333333"/>
                 </a:solidFill>
                 <a:latin typeface="Tomorrow"/>
                 <a:ea typeface="Tomorrow"/>
               </a:rPr>
-              <a:t>Region Proposal Techniques</a:t>
-            </a:r>
-            <a:endParaRPr sz="1600" b="0" i="0">
-              <a:solidFill>
-                <a:srgbClr val="333333"/>
-              </a:solidFill>
-              <a:latin typeface="Tomorrow"/>
-              <a:ea typeface="Tomorrow"/>
-            </a:endParaRPr>
+              <a:t>Computer Vision with OpenCV  </a:t>
+            </a:r>
           </a:p>
           <a:p>
             <a:pPr marL="0" indent="0">
@@ -8032,22 +7814,15 @@
               </a:spcAft>
             </a:pPr>
             <a:r>
-              <a:rPr sz="1600" b="0" i="0">
+              <a:rPr lang="en-US" altLang="en-US" sz="1600" b="0" i="0">
                 <a:solidFill>
                   <a:srgbClr val="333333"/>
                 </a:solidFill>
                 <a:latin typeface="Tomorrow"/>
                 <a:ea typeface="Tomorrow"/>
               </a:rPr>
-              <a:t>Semantic Segmentation</a:t>
-            </a:r>
-            <a:endParaRPr sz="1600" b="0" i="0">
-              <a:solidFill>
-                <a:srgbClr val="333333"/>
-              </a:solidFill>
-              <a:latin typeface="Tomorrow"/>
-              <a:ea typeface="Tomorrow"/>
-            </a:endParaRPr>
+              <a:t>Working with images</a:t>
+            </a:r>
           </a:p>
           <a:p>
             <a:pPr marL="0" indent="0">
@@ -8058,40 +7833,16 @@
                 <a:spcPct val="0"/>
               </a:spcAft>
             </a:pPr>
-            <a:endParaRPr sz="1600" b="0" i="0">
-              <a:solidFill>
-                <a:srgbClr val="333333"/>
-              </a:solidFill>
-              <a:latin typeface="Tomorrow"/>
-              <a:ea typeface="Tomorrow"/>
-            </a:endParaRPr>
-          </a:p>
-          <a:p>
-            <a:pPr marL="0" indent="0">
-              <a:spcBef>
-                <a:spcPct val="0"/>
-              </a:spcBef>
-              <a:spcAft>
-                <a:spcPct val="0"/>
-              </a:spcAft>
-            </a:pPr>
-            <a:r>
-              <a:rPr lang="en-US" altLang="en-US" sz="2000" b="1" i="0">
+            <a:r>
+              <a:rPr lang="en-US" altLang="en-US" sz="1600" b="0" i="0">
                 <a:solidFill>
                   <a:srgbClr val="333333"/>
                 </a:solidFill>
                 <a:latin typeface="Tomorrow"/>
                 <a:ea typeface="Tomorrow"/>
               </a:rPr>
-              <a:t>Computer Vision with OpenCV  </a:t>
-            </a:r>
-            <a:endParaRPr lang="en-US" altLang="en-US" sz="2000" b="1" i="0">
-              <a:solidFill>
-                <a:srgbClr val="333333"/>
-              </a:solidFill>
-              <a:latin typeface="Tomorrow"/>
-              <a:ea typeface="Tomorrow"/>
-            </a:endParaRPr>
+              <a:t>Working with Videos</a:t>
+            </a:r>
           </a:p>
           <a:p>
             <a:pPr marL="0" indent="0">
@@ -8110,8 +7861,38 @@
                 <a:latin typeface="Tomorrow"/>
                 <a:ea typeface="Tomorrow"/>
               </a:rPr>
-              <a:t>Working with images</a:t>
-            </a:r>
+              <a:t>OCR</a:t>
+            </a:r>
+          </a:p>
+          <a:p>
+            <a:pPr marL="0" indent="0">
+              <a:spcBef>
+                <a:spcPct val="0"/>
+              </a:spcBef>
+              <a:spcAft>
+                <a:spcPct val="0"/>
+              </a:spcAft>
+            </a:pPr>
+            <a:r>
+              <a:rPr lang="en-US" altLang="en-US" sz="1600" b="0" i="0">
+                <a:solidFill>
+                  <a:srgbClr val="333333"/>
+                </a:solidFill>
+                <a:latin typeface="Tomorrow"/>
+                <a:ea typeface="Tomorrow"/>
+              </a:rPr>
+              <a:t>Media Pipe - FaceMesh, Pose Detection</a:t>
+            </a:r>
+          </a:p>
+          <a:p>
+            <a:pPr marL="0" indent="0">
+              <a:spcBef>
+                <a:spcPct val="0"/>
+              </a:spcBef>
+              <a:spcAft>
+                <a:spcPct val="0"/>
+              </a:spcAft>
+            </a:pPr>
             <a:endParaRPr lang="en-US" altLang="en-US" sz="1600" b="0" i="0">
               <a:solidFill>
                 <a:srgbClr val="333333"/>
@@ -8130,15 +7911,55 @@
               </a:spcAft>
             </a:pPr>
             <a:r>
-              <a:rPr lang="en-US" altLang="en-US" sz="1600" b="0" i="0">
+              <a:rPr lang="en-US" altLang="en-US" sz="2000" b="1" i="0">
                 <a:solidFill>
                   <a:srgbClr val="333333"/>
                 </a:solidFill>
                 <a:latin typeface="Tomorrow"/>
                 <a:ea typeface="Tomorrow"/>
               </a:rPr>
-              <a:t>Working with Videos</a:t>
-            </a:r>
+              <a:t>Convolution Neural Network </a:t>
+            </a:r>
+            <a:r>
+              <a:rPr lang="en-US" altLang="en-US" sz="1600" b="0" i="0">
+                <a:solidFill>
+                  <a:srgbClr val="333333"/>
+                </a:solidFill>
+                <a:latin typeface="Tomorrow"/>
+                <a:ea typeface="Tomorrow"/>
+              </a:rPr>
+              <a:t> </a:t>
+            </a:r>
+          </a:p>
+          <a:p>
+            <a:pPr marL="0" indent="0">
+              <a:spcBef>
+                <a:spcPct val="0"/>
+              </a:spcBef>
+              <a:spcAft>
+                <a:spcPct val="0"/>
+              </a:spcAft>
+            </a:pPr>
+            <a:r>
+              <a:rPr lang="en-US" altLang="en-US" sz="1600" b="0" i="0">
+                <a:solidFill>
+                  <a:srgbClr val="333333"/>
+                </a:solidFill>
+                <a:latin typeface="Tomorrow"/>
+                <a:ea typeface="Tomorrow"/>
+              </a:rPr>
+              <a:t>Introduction to CNN</a:t>
+            </a:r>
+          </a:p>
+          <a:p>
+            <a:pPr marL="0" indent="0">
+              <a:spcBef>
+                <a:spcPct val="0"/>
+              </a:spcBef>
+              <a:spcAft>
+                <a:spcPct val="0"/>
+              </a:spcAft>
+            </a:pPr>
             <a:endParaRPr lang="en-US" altLang="en-US" sz="1600" b="0" i="0">
               <a:solidFill>
                 <a:srgbClr val="333333"/>
@@ -8164,167 +7985,8 @@
                 <a:latin typeface="Tomorrow"/>
                 <a:ea typeface="Tomorrow"/>
               </a:rPr>
-              <a:t>OCR</a:t>
-            </a:r>
-            <a:endParaRPr lang="en-US" altLang="en-US" sz="1600" b="0" i="0">
-              <a:solidFill>
-                <a:srgbClr val="333333"/>
-              </a:solidFill>
-              <a:latin typeface="Tomorrow"/>
-              <a:ea typeface="Tomorrow"/>
-            </a:endParaRPr>
-          </a:p>
-          <a:p>
-            <a:pPr marL="0" indent="0">
-              <a:spcBef>
-                <a:spcPct val="0"/>
-              </a:spcBef>
-              <a:spcAft>
-                <a:spcPct val="0"/>
-              </a:spcAft>
-            </a:pPr>
-            <a:r>
-              <a:rPr lang="en-US" altLang="en-US" sz="1600" b="0" i="0">
-                <a:solidFill>
-                  <a:srgbClr val="333333"/>
-                </a:solidFill>
-                <a:latin typeface="Tomorrow"/>
-                <a:ea typeface="Tomorrow"/>
-              </a:rPr>
-              <a:t>Media Pipe - FaceMesh, Pose Detection</a:t>
-            </a:r>
-            <a:endParaRPr lang="en-US" altLang="en-US" sz="1600" b="0" i="0">
-              <a:solidFill>
-                <a:srgbClr val="333333"/>
-              </a:solidFill>
-              <a:latin typeface="Tomorrow"/>
-              <a:ea typeface="Tomorrow"/>
-            </a:endParaRPr>
-          </a:p>
-          <a:p>
-            <a:pPr marL="0" indent="0">
-              <a:spcBef>
-                <a:spcPct val="0"/>
-              </a:spcBef>
-              <a:spcAft>
-                <a:spcPct val="0"/>
-              </a:spcAft>
-            </a:pPr>
-            <a:endParaRPr lang="en-US" altLang="en-US" sz="1600" b="0" i="0">
-              <a:solidFill>
-                <a:srgbClr val="333333"/>
-              </a:solidFill>
-              <a:latin typeface="Tomorrow"/>
-              <a:ea typeface="Tomorrow"/>
-            </a:endParaRPr>
-          </a:p>
-          <a:p>
-            <a:pPr marL="0" indent="0">
-              <a:spcBef>
-                <a:spcPct val="0"/>
-              </a:spcBef>
-              <a:spcAft>
-                <a:spcPct val="0"/>
-              </a:spcAft>
-            </a:pPr>
-            <a:r>
-              <a:rPr lang="en-US" altLang="en-US" sz="2000" b="1" i="0">
-                <a:solidFill>
-                  <a:srgbClr val="333333"/>
-                </a:solidFill>
-                <a:latin typeface="Tomorrow"/>
-                <a:ea typeface="Tomorrow"/>
-              </a:rPr>
-              <a:t>Convolution Neural Network </a:t>
-            </a:r>
-            <a:r>
-              <a:rPr lang="en-US" altLang="en-US" sz="1600" b="0" i="0">
-                <a:solidFill>
-                  <a:srgbClr val="333333"/>
-                </a:solidFill>
-                <a:latin typeface="Tomorrow"/>
-                <a:ea typeface="Tomorrow"/>
-              </a:rPr>
-              <a:t> </a:t>
-            </a:r>
-            <a:endParaRPr lang="en-US" altLang="en-US" sz="1600" b="0" i="0">
-              <a:solidFill>
-                <a:srgbClr val="333333"/>
-              </a:solidFill>
-              <a:latin typeface="Tomorrow"/>
-              <a:ea typeface="Tomorrow"/>
-            </a:endParaRPr>
-          </a:p>
-          <a:p>
-            <a:pPr marL="0" indent="0">
-              <a:spcBef>
-                <a:spcPct val="0"/>
-              </a:spcBef>
-              <a:spcAft>
-                <a:spcPct val="0"/>
-              </a:spcAft>
-            </a:pPr>
-            <a:r>
-              <a:rPr lang="en-US" altLang="en-US" sz="1600" b="0" i="0">
-                <a:solidFill>
-                  <a:srgbClr val="333333"/>
-                </a:solidFill>
-                <a:latin typeface="Tomorrow"/>
-                <a:ea typeface="Tomorrow"/>
-              </a:rPr>
-              <a:t>Introduction to CNN</a:t>
-            </a:r>
-            <a:endParaRPr lang="en-US" altLang="en-US" sz="1600" b="0" i="0">
-              <a:solidFill>
-                <a:srgbClr val="333333"/>
-              </a:solidFill>
-              <a:latin typeface="Tomorrow"/>
-              <a:ea typeface="Tomorrow"/>
-            </a:endParaRPr>
-          </a:p>
-          <a:p>
-            <a:pPr marL="0" indent="0">
-              <a:spcBef>
-                <a:spcPct val="0"/>
-              </a:spcBef>
-              <a:spcAft>
-                <a:spcPct val="0"/>
-              </a:spcAft>
-            </a:pPr>
-            <a:endParaRPr lang="en-US" altLang="en-US" sz="1600" b="0" i="0">
-              <a:solidFill>
-                <a:srgbClr val="333333"/>
-              </a:solidFill>
-              <a:latin typeface="Tomorrow"/>
-              <a:ea typeface="Tomorrow"/>
-            </a:endParaRPr>
-          </a:p>
-          <a:p>
-            <a:pPr marL="0" indent="0">
-              <a:spcBef>
-                <a:spcPct val="0"/>
-              </a:spcBef>
-              <a:spcAft>
-                <a:spcPct val="0"/>
-              </a:spcAft>
-            </a:pPr>
-            <a:r>
-              <a:rPr lang="en-US" altLang="en-US" sz="1600" b="0" i="0">
-                <a:solidFill>
-                  <a:srgbClr val="333333"/>
-                </a:solidFill>
-                <a:latin typeface="Tomorrow"/>
-                <a:ea typeface="Tomorrow"/>
-              </a:rPr>
               <a:t>Architecture of CNN - Kernel / Filter, Stride, Padding, Activation Function Max Pooling and Avg Pooling</a:t>
             </a:r>
-            <a:endParaRPr lang="en-US" altLang="en-US" sz="1600" b="0" i="0">
-              <a:solidFill>
-                <a:srgbClr val="333333"/>
-              </a:solidFill>
-              <a:latin typeface="Tomorrow"/>
-              <a:ea typeface="Tomorrow"/>
-            </a:endParaRPr>
           </a:p>
         </p:txBody>
       </p:sp>
@@ -8347,6 +8009,7 @@
           <a:bodyPr wrap="square">
             <a:spAutoFit/>
           </a:bodyPr>
+          <a:lstStyle/>
           <a:p>
             <a:pPr marL="0" indent="0">
               <a:spcBef>
@@ -8366,13 +8029,6 @@
               </a:rPr>
               <a:t>Natural Language Processing  </a:t>
             </a:r>
-            <a:endParaRPr sz="2500" b="0" i="0">
-              <a:solidFill>
-                <a:srgbClr val="333333"/>
-              </a:solidFill>
-              <a:latin typeface="Tomorrow"/>
-              <a:ea typeface="Tomorrow"/>
-            </a:endParaRPr>
           </a:p>
           <a:p>
             <a:pPr marL="0" indent="0">
@@ -8393,6 +8049,156 @@
               </a:rPr>
               <a:t>Introduction to NLP</a:t>
             </a:r>
+          </a:p>
+          <a:p>
+            <a:pPr marL="0" indent="0">
+              <a:spcBef>
+                <a:spcPct val="0"/>
+              </a:spcBef>
+              <a:spcAft>
+                <a:spcPct val="0"/>
+              </a:spcAft>
+            </a:pPr>
+            <a:r>
+              <a:rPr sz="1600" b="0" i="0">
+                <a:solidFill>
+                  <a:srgbClr val="333333"/>
+                </a:solidFill>
+                <a:latin typeface="Tomorrow"/>
+                <a:ea typeface="Tomorrow"/>
+              </a:rPr>
+              <a:t>Text Preprocessing</a:t>
+            </a:r>
+          </a:p>
+          <a:p>
+            <a:pPr marL="0" indent="0">
+              <a:spcBef>
+                <a:spcPct val="0"/>
+              </a:spcBef>
+              <a:spcAft>
+                <a:spcPct val="0"/>
+              </a:spcAft>
+            </a:pPr>
+            <a:r>
+              <a:rPr sz="1600" b="0" i="0">
+                <a:solidFill>
+                  <a:srgbClr val="333333"/>
+                </a:solidFill>
+                <a:latin typeface="Tomorrow"/>
+                <a:ea typeface="Tomorrow"/>
+              </a:rPr>
+              <a:t>Text Vecorization and Classification</a:t>
+            </a:r>
+          </a:p>
+          <a:p>
+            <a:pPr marL="0" indent="0">
+              <a:spcBef>
+                <a:spcPct val="0"/>
+              </a:spcBef>
+              <a:spcAft>
+                <a:spcPct val="0"/>
+              </a:spcAft>
+            </a:pPr>
+            <a:r>
+              <a:rPr sz="1600" b="0" i="0">
+                <a:solidFill>
+                  <a:srgbClr val="333333"/>
+                </a:solidFill>
+                <a:latin typeface="Tomorrow"/>
+                <a:ea typeface="Tomorrow"/>
+              </a:rPr>
+              <a:t>Embedding Layer in Natural Language Processing</a:t>
+            </a:r>
+          </a:p>
+          <a:p>
+            <a:pPr marL="0" indent="0">
+              <a:spcBef>
+                <a:spcPct val="0"/>
+              </a:spcBef>
+              <a:spcAft>
+                <a:spcPct val="0"/>
+              </a:spcAft>
+            </a:pPr>
+            <a:r>
+              <a:rPr sz="1600" b="0" i="0">
+                <a:solidFill>
+                  <a:srgbClr val="333333"/>
+                </a:solidFill>
+                <a:latin typeface="Tomorrow"/>
+                <a:ea typeface="Tomorrow"/>
+              </a:rPr>
+              <a:t>Sentiment Analysis</a:t>
+            </a:r>
+          </a:p>
+          <a:p>
+            <a:pPr marL="0" indent="0">
+              <a:spcBef>
+                <a:spcPct val="0"/>
+              </a:spcBef>
+              <a:spcAft>
+                <a:spcPct val="0"/>
+              </a:spcAft>
+            </a:pPr>
+            <a:r>
+              <a:rPr sz="1600" b="0" i="0">
+                <a:solidFill>
+                  <a:srgbClr val="333333"/>
+                </a:solidFill>
+                <a:latin typeface="Tomorrow"/>
+                <a:ea typeface="Tomorrow"/>
+              </a:rPr>
+              <a:t>Sequence Model</a:t>
+            </a:r>
+          </a:p>
+          <a:p>
+            <a:pPr marL="0" indent="0">
+              <a:spcBef>
+                <a:spcPct val="0"/>
+              </a:spcBef>
+              <a:spcAft>
+                <a:spcPct val="0"/>
+              </a:spcAft>
+            </a:pPr>
+            <a:r>
+              <a:rPr sz="1600" b="0" i="0">
+                <a:solidFill>
+                  <a:srgbClr val="333333"/>
+                </a:solidFill>
+                <a:latin typeface="Tomorrow"/>
+                <a:ea typeface="Tomorrow"/>
+              </a:rPr>
+              <a:t>Machine Translation</a:t>
+            </a:r>
+          </a:p>
+          <a:p>
+            <a:pPr marL="0" indent="0">
+              <a:spcBef>
+                <a:spcPct val="0"/>
+              </a:spcBef>
+              <a:spcAft>
+                <a:spcPct val="0"/>
+              </a:spcAft>
+            </a:pPr>
+            <a:r>
+              <a:rPr sz="1600" b="0" i="0">
+                <a:solidFill>
+                  <a:srgbClr val="333333"/>
+                </a:solidFill>
+                <a:latin typeface="Tomorrow"/>
+                <a:ea typeface="Tomorrow"/>
+              </a:rPr>
+              <a:t>Introduction to LLM</a:t>
+            </a:r>
+          </a:p>
+          <a:p>
+            <a:pPr marL="0" indent="0">
+              <a:spcBef>
+                <a:spcPct val="0"/>
+              </a:spcBef>
+              <a:spcAft>
+                <a:spcPct val="0"/>
+              </a:spcAft>
+            </a:pPr>
             <a:endParaRPr sz="1600" b="0" i="0">
               <a:solidFill>
                 <a:srgbClr val="333333"/>
@@ -8411,22 +8217,15 @@
               </a:spcAft>
             </a:pPr>
             <a:r>
-              <a:rPr sz="1600" b="0" i="0">
+              <a:rPr lang="en-US" altLang="en-US" sz="2000" b="1" i="0">
                 <a:solidFill>
                   <a:srgbClr val="333333"/>
                 </a:solidFill>
                 <a:latin typeface="Tomorrow"/>
                 <a:ea typeface="Tomorrow"/>
               </a:rPr>
-              <a:t>Text Preprocessing</a:t>
-            </a:r>
-            <a:endParaRPr sz="1600" b="0" i="0">
-              <a:solidFill>
-                <a:srgbClr val="333333"/>
-              </a:solidFill>
-              <a:latin typeface="Tomorrow"/>
-              <a:ea typeface="Tomorrow"/>
-            </a:endParaRPr>
+              <a:t>Recurrent Neural Network  </a:t>
+            </a:r>
           </a:p>
           <a:p>
             <a:pPr marL="0" indent="0">
@@ -8438,228 +8237,15 @@
               </a:spcAft>
             </a:pPr>
             <a:r>
-              <a:rPr sz="1600" b="0" i="0">
+              <a:rPr lang="en-US" altLang="en-US" sz="2000" b="1" i="0">
                 <a:solidFill>
                   <a:srgbClr val="333333"/>
                 </a:solidFill>
                 <a:latin typeface="Tomorrow"/>
                 <a:ea typeface="Tomorrow"/>
               </a:rPr>
-              <a:t>Text Vecorization and Classification</a:t>
-            </a:r>
-            <a:endParaRPr sz="1600" b="0" i="0">
-              <a:solidFill>
-                <a:srgbClr val="333333"/>
-              </a:solidFill>
-              <a:latin typeface="Tomorrow"/>
-              <a:ea typeface="Tomorrow"/>
-            </a:endParaRPr>
-          </a:p>
-          <a:p>
-            <a:pPr marL="0" indent="0">
-              <a:spcBef>
-                <a:spcPct val="0"/>
-              </a:spcBef>
-              <a:spcAft>
-                <a:spcPct val="0"/>
-              </a:spcAft>
-            </a:pPr>
-            <a:r>
-              <a:rPr sz="1600" b="0" i="0">
-                <a:solidFill>
-                  <a:srgbClr val="333333"/>
-                </a:solidFill>
-                <a:latin typeface="Tomorrow"/>
-                <a:ea typeface="Tomorrow"/>
-              </a:rPr>
-              <a:t>Embedding Layer in Natural Language Processing</a:t>
-            </a:r>
-            <a:endParaRPr sz="1600" b="0" i="0">
-              <a:solidFill>
-                <a:srgbClr val="333333"/>
-              </a:solidFill>
-              <a:latin typeface="Tomorrow"/>
-              <a:ea typeface="Tomorrow"/>
-            </a:endParaRPr>
-          </a:p>
-          <a:p>
-            <a:pPr marL="0" indent="0">
-              <a:spcBef>
-                <a:spcPct val="0"/>
-              </a:spcBef>
-              <a:spcAft>
-                <a:spcPct val="0"/>
-              </a:spcAft>
-            </a:pPr>
-            <a:r>
-              <a:rPr sz="1600" b="0" i="0">
-                <a:solidFill>
-                  <a:srgbClr val="333333"/>
-                </a:solidFill>
-                <a:latin typeface="Tomorrow"/>
-                <a:ea typeface="Tomorrow"/>
-              </a:rPr>
-              <a:t>Sentiment Analysis</a:t>
-            </a:r>
-            <a:endParaRPr sz="1600" b="0" i="0">
-              <a:solidFill>
-                <a:srgbClr val="333333"/>
-              </a:solidFill>
-              <a:latin typeface="Tomorrow"/>
-              <a:ea typeface="Tomorrow"/>
-            </a:endParaRPr>
-          </a:p>
-          <a:p>
-            <a:pPr marL="0" indent="0">
-              <a:spcBef>
-                <a:spcPct val="0"/>
-              </a:spcBef>
-              <a:spcAft>
-                <a:spcPct val="0"/>
-              </a:spcAft>
-            </a:pPr>
-            <a:r>
-              <a:rPr sz="1600" b="0" i="0">
-                <a:solidFill>
-                  <a:srgbClr val="333333"/>
-                </a:solidFill>
-                <a:latin typeface="Tomorrow"/>
-                <a:ea typeface="Tomorrow"/>
-              </a:rPr>
-              <a:t>Sequence Model</a:t>
-            </a:r>
-            <a:endParaRPr sz="1600" b="0" i="0">
-              <a:solidFill>
-                <a:srgbClr val="333333"/>
-              </a:solidFill>
-              <a:latin typeface="Tomorrow"/>
-              <a:ea typeface="Tomorrow"/>
-            </a:endParaRPr>
-          </a:p>
-          <a:p>
-            <a:pPr marL="0" indent="0">
-              <a:spcBef>
-                <a:spcPct val="0"/>
-              </a:spcBef>
-              <a:spcAft>
-                <a:spcPct val="0"/>
-              </a:spcAft>
-            </a:pPr>
-            <a:r>
-              <a:rPr sz="1600" b="0" i="0">
-                <a:solidFill>
-                  <a:srgbClr val="333333"/>
-                </a:solidFill>
-                <a:latin typeface="Tomorrow"/>
-                <a:ea typeface="Tomorrow"/>
-              </a:rPr>
-              <a:t>Machine Translation</a:t>
-            </a:r>
-            <a:endParaRPr sz="1600" b="0" i="0">
-              <a:solidFill>
-                <a:srgbClr val="333333"/>
-              </a:solidFill>
-              <a:latin typeface="Tomorrow"/>
-              <a:ea typeface="Tomorrow"/>
-            </a:endParaRPr>
-          </a:p>
-          <a:p>
-            <a:pPr marL="0" indent="0">
-              <a:spcBef>
-                <a:spcPct val="0"/>
-              </a:spcBef>
-              <a:spcAft>
-                <a:spcPct val="0"/>
-              </a:spcAft>
-            </a:pPr>
-            <a:r>
-              <a:rPr sz="1600" b="0" i="0">
-                <a:solidFill>
-                  <a:srgbClr val="333333"/>
-                </a:solidFill>
-                <a:latin typeface="Tomorrow"/>
-                <a:ea typeface="Tomorrow"/>
-              </a:rPr>
-              <a:t>Introduction to LLM</a:t>
-            </a:r>
-            <a:endParaRPr sz="1600" b="0" i="0">
-              <a:solidFill>
-                <a:srgbClr val="333333"/>
-              </a:solidFill>
-              <a:latin typeface="Tomorrow"/>
-              <a:ea typeface="Tomorrow"/>
-            </a:endParaRPr>
-          </a:p>
-          <a:p>
-            <a:pPr marL="0" indent="0">
-              <a:spcBef>
-                <a:spcPct val="0"/>
-              </a:spcBef>
-              <a:spcAft>
-                <a:spcPct val="0"/>
-              </a:spcAft>
-            </a:pPr>
-            <a:endParaRPr sz="1600" b="0" i="0">
-              <a:solidFill>
-                <a:srgbClr val="333333"/>
-              </a:solidFill>
-              <a:latin typeface="Tomorrow"/>
-              <a:ea typeface="Tomorrow"/>
-            </a:endParaRPr>
-          </a:p>
-          <a:p>
-            <a:pPr marL="0" indent="0">
-              <a:spcBef>
-                <a:spcPct val="0"/>
-              </a:spcBef>
-              <a:spcAft>
-                <a:spcPct val="0"/>
-              </a:spcAft>
-            </a:pPr>
-            <a:r>
-              <a:rPr lang="en-US" altLang="en-US" sz="2000" b="1" i="0">
-                <a:solidFill>
-                  <a:srgbClr val="333333"/>
-                </a:solidFill>
-                <a:latin typeface="Tomorrow"/>
-                <a:ea typeface="Tomorrow"/>
-              </a:rPr>
-              <a:t>Recurrent Neural Network  </a:t>
-            </a:r>
-            <a:endParaRPr lang="en-US" altLang="en-US" sz="2000" b="1" i="0">
-              <a:solidFill>
-                <a:srgbClr val="333333"/>
-              </a:solidFill>
-              <a:latin typeface="Tomorrow"/>
-              <a:ea typeface="Tomorrow"/>
-            </a:endParaRPr>
-          </a:p>
-          <a:p>
-            <a:pPr marL="0" indent="0">
-              <a:spcBef>
-                <a:spcPct val="0"/>
-              </a:spcBef>
-              <a:spcAft>
-                <a:spcPct val="0"/>
-              </a:spcAft>
-            </a:pPr>
-            <a:r>
-              <a:rPr lang="en-US" altLang="en-US" sz="2000" b="1" i="0">
-                <a:solidFill>
-                  <a:srgbClr val="333333"/>
-                </a:solidFill>
-                <a:latin typeface="Tomorrow"/>
-                <a:ea typeface="Tomorrow"/>
-              </a:rPr>
               <a:t>Introduction to RNN</a:t>
             </a:r>
-            <a:endParaRPr lang="en-US" altLang="en-US" sz="2000" b="1" i="0">
-              <a:solidFill>
-                <a:srgbClr val="333333"/>
-              </a:solidFill>
-              <a:latin typeface="Tomorrow"/>
-              <a:ea typeface="Tomorrow"/>
-            </a:endParaRPr>
           </a:p>
           <a:p>
             <a:pPr marL="0" indent="0">
@@ -8697,13 +8283,6 @@
               </a:rPr>
               <a:t>LSTM</a:t>
             </a:r>
-            <a:endParaRPr lang="en-US" altLang="en-US" sz="1600" b="0" i="0">
-              <a:solidFill>
-                <a:srgbClr val="333333"/>
-              </a:solidFill>
-              <a:latin typeface="Tomorrow"/>
-              <a:ea typeface="Tomorrow"/>
-            </a:endParaRPr>
           </a:p>
           <a:p>
             <a:pPr marL="0" indent="0">
@@ -8724,13 +8303,6 @@
               </a:rPr>
               <a:t>Bi-directional LSTM</a:t>
             </a:r>
-            <a:endParaRPr lang="en-US" altLang="en-US" sz="1600" b="0" i="0">
-              <a:solidFill>
-                <a:srgbClr val="333333"/>
-              </a:solidFill>
-              <a:latin typeface="Tomorrow"/>
-              <a:ea typeface="Tomorrow"/>
-            </a:endParaRPr>
           </a:p>
           <a:p>
             <a:pPr marL="0" indent="0">
@@ -8751,13 +8323,6 @@
               </a:rPr>
               <a:t>GRU</a:t>
             </a:r>
-            <a:endParaRPr lang="en-US" altLang="en-US" sz="1600" b="0" i="0">
-              <a:solidFill>
-                <a:srgbClr val="333333"/>
-              </a:solidFill>
-              <a:latin typeface="Tomorrow"/>
-              <a:ea typeface="Tomorrow"/>
-            </a:endParaRPr>
           </a:p>
         </p:txBody>
       </p:sp>
@@ -8778,7 +8343,14 @@
         <p:cNvGrpSpPr/>
         <p:nvPr/>
       </p:nvGrpSpPr>
-      <p:grpSpPr/>
+      <p:grpSpPr>
+        <a:xfrm>
+          <a:off x="0" y="0"/>
+          <a:ext cx="0" cy="0"/>
+          <a:chOff x="0" y="0"/>
+          <a:chExt cx="0" cy="0"/>
+        </a:xfrm>
+      </p:grpSpPr>
       <p:sp>
         <p:nvSpPr>
           <p:cNvPr id="2" name="Text Box 1"/>
@@ -8798,6 +8370,7 @@
           <a:bodyPr>
             <a:spAutoFit/>
           </a:bodyPr>
+          <a:lstStyle/>
           <a:p>
             <a:pPr marL="0" indent="0">
               <a:spcBef>
@@ -8827,13 +8400,6 @@
               </a:rPr>
               <a:t> </a:t>
             </a:r>
-            <a:endParaRPr sz="2500" b="0" i="0">
-              <a:solidFill>
-                <a:srgbClr val="333333"/>
-              </a:solidFill>
-              <a:latin typeface="Tomorrow"/>
-              <a:ea typeface="Tomorrow"/>
-            </a:endParaRPr>
           </a:p>
           <a:p>
             <a:pPr marL="285750" indent="-285750">
@@ -8856,13 +8422,6 @@
               </a:rPr>
               <a:t>What is RASA</a:t>
             </a:r>
-            <a:endParaRPr sz="1600" b="0" i="0">
-              <a:solidFill>
-                <a:srgbClr val="333333"/>
-              </a:solidFill>
-              <a:latin typeface="Tomorrow"/>
-              <a:ea typeface="Tomorrow"/>
-            </a:endParaRPr>
           </a:p>
           <a:p>
             <a:pPr marL="285750" indent="-285750">
@@ -8885,13 +8444,6 @@
               </a:rPr>
               <a:t>RASA Installation</a:t>
             </a:r>
-            <a:endParaRPr sz="1600" b="0" i="0">
-              <a:solidFill>
-                <a:srgbClr val="333333"/>
-              </a:solidFill>
-              <a:latin typeface="Tomorrow"/>
-              <a:ea typeface="Tomorrow"/>
-            </a:endParaRPr>
           </a:p>
           <a:p>
             <a:pPr marL="285750" indent="-285750">
@@ -8914,13 +8466,6 @@
               </a:rPr>
               <a:t>RASA Initialization</a:t>
             </a:r>
-            <a:endParaRPr sz="1600" b="0" i="0">
-              <a:solidFill>
-                <a:srgbClr val="333333"/>
-              </a:solidFill>
-              <a:latin typeface="Tomorrow"/>
-              <a:ea typeface="Tomorrow"/>
-            </a:endParaRPr>
           </a:p>
           <a:p>
             <a:pPr marL="285750" indent="-285750">
@@ -8943,13 +8488,6 @@
               </a:rPr>
               <a:t>RASA Configuration and File System</a:t>
             </a:r>
-            <a:endParaRPr sz="1600" b="0" i="0">
-              <a:solidFill>
-                <a:srgbClr val="333333"/>
-              </a:solidFill>
-              <a:latin typeface="Tomorrow"/>
-              <a:ea typeface="Tomorrow"/>
-            </a:endParaRPr>
           </a:p>
           <a:p>
             <a:pPr marL="285750" indent="-285750">
@@ -8972,13 +8510,6 @@
               </a:rPr>
               <a:t>Intents, Entity,Response and Story</a:t>
             </a:r>
-            <a:endParaRPr sz="1600" b="0" i="0">
-              <a:solidFill>
-                <a:srgbClr val="333333"/>
-              </a:solidFill>
-              <a:latin typeface="Tomorrow"/>
-              <a:ea typeface="Tomorrow"/>
-            </a:endParaRPr>
           </a:p>
           <a:p>
             <a:pPr marL="285750" indent="-285750">
@@ -9001,13 +8532,6 @@
               </a:rPr>
               <a:t>Actions</a:t>
             </a:r>
-            <a:endParaRPr sz="1600" b="0" i="0">
-              <a:solidFill>
-                <a:srgbClr val="333333"/>
-              </a:solidFill>
-              <a:latin typeface="Tomorrow"/>
-              <a:ea typeface="Tomorrow"/>
-            </a:endParaRPr>
           </a:p>
         </p:txBody>
       </p:sp>
@@ -9030,6 +8554,7 @@
           <a:bodyPr>
             <a:spAutoFit/>
           </a:bodyPr>
+          <a:lstStyle/>
           <a:p>
             <a:pPr marL="0" indent="0">
               <a:spcBef>
@@ -9059,13 +8584,6 @@
               </a:rPr>
               <a:t> </a:t>
             </a:r>
-            <a:endParaRPr sz="2500" b="0" i="0">
-              <a:solidFill>
-                <a:srgbClr val="333333"/>
-              </a:solidFill>
-              <a:latin typeface="Tomorrow"/>
-              <a:ea typeface="Tomorrow"/>
-            </a:endParaRPr>
           </a:p>
           <a:p>
             <a:pPr marL="285750" indent="-285750">
@@ -9088,13 +8606,6 @@
               </a:rPr>
               <a:t>What is Sequential Data &amp; Time Series</a:t>
             </a:r>
-            <a:endParaRPr sz="1600" b="0" i="0">
-              <a:solidFill>
-                <a:srgbClr val="333333"/>
-              </a:solidFill>
-              <a:latin typeface="Tomorrow"/>
-              <a:ea typeface="Tomorrow"/>
-            </a:endParaRPr>
           </a:p>
           <a:p>
             <a:pPr marL="285750" indent="-285750">
@@ -9117,13 +8628,6 @@
               </a:rPr>
               <a:t>Functional Relationship</a:t>
             </a:r>
-            <a:endParaRPr sz="1600" b="0" i="0">
-              <a:solidFill>
-                <a:srgbClr val="333333"/>
-              </a:solidFill>
-              <a:latin typeface="Tomorrow"/>
-              <a:ea typeface="Tomorrow"/>
-            </a:endParaRPr>
           </a:p>
           <a:p>
             <a:pPr marL="285750" indent="-285750">
@@ -9146,13 +8650,6 @@
               </a:rPr>
               <a:t>Components of Time Series</a:t>
             </a:r>
-            <a:endParaRPr sz="1600" b="0" i="0">
-              <a:solidFill>
-                <a:srgbClr val="333333"/>
-              </a:solidFill>
-              <a:latin typeface="Tomorrow"/>
-              <a:ea typeface="Tomorrow"/>
-            </a:endParaRPr>
           </a:p>
           <a:p>
             <a:pPr marL="285750" indent="-285750">
@@ -9175,13 +8672,6 @@
               </a:rPr>
               <a:t>Mathemetical Representation of Time Series</a:t>
             </a:r>
-            <a:endParaRPr sz="1600" b="0" i="0">
-              <a:solidFill>
-                <a:srgbClr val="333333"/>
-              </a:solidFill>
-              <a:latin typeface="Tomorrow"/>
-              <a:ea typeface="Tomorrow"/>
-            </a:endParaRPr>
           </a:p>
           <a:p>
             <a:pPr marL="285750" indent="-285750">
@@ -9204,13 +8694,6 @@
               </a:rPr>
               <a:t>ETS Decompositon</a:t>
             </a:r>
-            <a:endParaRPr sz="1600" b="0" i="0">
-              <a:solidFill>
-                <a:srgbClr val="333333"/>
-              </a:solidFill>
-              <a:latin typeface="Tomorrow"/>
-              <a:ea typeface="Tomorrow"/>
-            </a:endParaRPr>
           </a:p>
           <a:p>
             <a:pPr marL="285750" indent="-285750">
@@ -9233,13 +8716,6 @@
               </a:rPr>
               <a:t>Classification of Time Series</a:t>
             </a:r>
-            <a:endParaRPr sz="1600" b="0" i="0">
-              <a:solidFill>
-                <a:srgbClr val="333333"/>
-              </a:solidFill>
-              <a:latin typeface="Tomorrow"/>
-              <a:ea typeface="Tomorrow"/>
-            </a:endParaRPr>
           </a:p>
           <a:p>
             <a:pPr marL="285750" indent="-285750">
@@ -9262,13 +8738,6 @@
               </a:rPr>
               <a:t>Defference between ACF &amp; PACF</a:t>
             </a:r>
-            <a:endParaRPr sz="1600" b="0" i="0">
-              <a:solidFill>
-                <a:srgbClr val="333333"/>
-              </a:solidFill>
-              <a:latin typeface="Tomorrow"/>
-              <a:ea typeface="Tomorrow"/>
-            </a:endParaRPr>
           </a:p>
           <a:p>
             <a:pPr marL="285750" indent="-285750">
@@ -9291,13 +8760,6 @@
               </a:rPr>
               <a:t>Assignment</a:t>
             </a:r>
-            <a:endParaRPr sz="1600" b="0" i="0">
-              <a:solidFill>
-                <a:srgbClr val="333333"/>
-              </a:solidFill>
-              <a:latin typeface="Tomorrow"/>
-              <a:ea typeface="Tomorrow"/>
-            </a:endParaRPr>
           </a:p>
         </p:txBody>
       </p:sp>
@@ -9320,6 +8782,7 @@
           <a:bodyPr>
             <a:spAutoFit/>
           </a:bodyPr>
+          <a:lstStyle/>
           <a:p>
             <a:pPr marL="0" indent="0">
               <a:spcBef>
@@ -9349,13 +8812,6 @@
               </a:rPr>
               <a:t> </a:t>
             </a:r>
-            <a:endParaRPr sz="2500" b="0" i="0">
-              <a:solidFill>
-                <a:srgbClr val="333333"/>
-              </a:solidFill>
-              <a:latin typeface="Tomorrow"/>
-              <a:ea typeface="Tomorrow"/>
-            </a:endParaRPr>
           </a:p>
           <a:p>
             <a:pPr marL="285750" indent="-285750">
@@ -9378,13 +8834,6 @@
               </a:rPr>
               <a:t>Introduction to AR and MA model</a:t>
             </a:r>
-            <a:endParaRPr sz="1600" b="0" i="0">
-              <a:solidFill>
-                <a:srgbClr val="333333"/>
-              </a:solidFill>
-              <a:latin typeface="Tomorrow"/>
-              <a:ea typeface="Tomorrow"/>
-            </a:endParaRPr>
           </a:p>
           <a:p>
             <a:pPr marL="285750" indent="-285750">
@@ -9407,13 +8856,6 @@
               </a:rPr>
               <a:t>Stationarity &amp; Differencing</a:t>
             </a:r>
-            <a:endParaRPr sz="1600" b="0" i="0">
-              <a:solidFill>
-                <a:srgbClr val="333333"/>
-              </a:solidFill>
-              <a:latin typeface="Tomorrow"/>
-              <a:ea typeface="Tomorrow"/>
-            </a:endParaRPr>
           </a:p>
           <a:p>
             <a:pPr marL="285750" indent="-285750">
@@ -9436,13 +8878,6 @@
               </a:rPr>
               <a:t>SariMax of Seasonal Data</a:t>
             </a:r>
-            <a:endParaRPr sz="1600" b="0" i="0">
-              <a:solidFill>
-                <a:srgbClr val="333333"/>
-              </a:solidFill>
-              <a:latin typeface="Tomorrow"/>
-              <a:ea typeface="Tomorrow"/>
-            </a:endParaRPr>
           </a:p>
           <a:p>
             <a:pPr marL="285750" indent="-285750">
@@ -9465,13 +8900,6 @@
               </a:rPr>
               <a:t>Identifying order AR(p), I(d), MA(q)</a:t>
             </a:r>
-            <a:endParaRPr sz="1600" b="0" i="0">
-              <a:solidFill>
-                <a:srgbClr val="333333"/>
-              </a:solidFill>
-              <a:latin typeface="Tomorrow"/>
-              <a:ea typeface="Tomorrow"/>
-            </a:endParaRPr>
           </a:p>
           <a:p>
             <a:pPr marL="285750" indent="-285750">
@@ -9494,13 +8922,6 @@
               </a:rPr>
               <a:t>Implementation of ARIMA</a:t>
             </a:r>
-            <a:endParaRPr sz="1600" b="0" i="0">
-              <a:solidFill>
-                <a:srgbClr val="333333"/>
-              </a:solidFill>
-              <a:latin typeface="Tomorrow"/>
-              <a:ea typeface="Tomorrow"/>
-            </a:endParaRPr>
           </a:p>
           <a:p>
             <a:pPr marL="285750" indent="-285750">
@@ -9523,13 +8944,6 @@
               </a:rPr>
               <a:t>Assignment</a:t>
             </a:r>
-            <a:endParaRPr sz="1600" b="0" i="0">
-              <a:solidFill>
-                <a:srgbClr val="333333"/>
-              </a:solidFill>
-              <a:latin typeface="Tomorrow"/>
-              <a:ea typeface="Tomorrow"/>
-            </a:endParaRPr>
           </a:p>
         </p:txBody>
       </p:sp>
@@ -9552,6 +8966,7 @@
           <a:bodyPr>
             <a:spAutoFit/>
           </a:bodyPr>
+          <a:lstStyle/>
           <a:p>
             <a:pPr marL="0" indent="0">
               <a:spcBef>
@@ -9571,13 +8986,6 @@
               </a:rPr>
               <a:t>Stock Price Prediction using Sequence Model  </a:t>
             </a:r>
-            <a:endParaRPr sz="2500" b="0" i="0">
-              <a:solidFill>
-                <a:srgbClr val="333333"/>
-              </a:solidFill>
-              <a:latin typeface="Tomorrow"/>
-              <a:ea typeface="Tomorrow"/>
-            </a:endParaRPr>
           </a:p>
           <a:p>
             <a:pPr marL="285750" indent="-285750">
@@ -9600,13 +9008,6 @@
               </a:rPr>
               <a:t>Introduction to Sequence Models RNN, LSTM</a:t>
             </a:r>
-            <a:endParaRPr sz="1600" b="0" i="0">
-              <a:solidFill>
-                <a:srgbClr val="333333"/>
-              </a:solidFill>
-              <a:latin typeface="Tomorrow"/>
-              <a:ea typeface="Tomorrow"/>
-            </a:endParaRPr>
           </a:p>
           <a:p>
             <a:pPr marL="285750" indent="-285750">
@@ -9629,13 +9030,6 @@
               </a:rPr>
               <a:t>Preparing Time Series Data for LSTM</a:t>
             </a:r>
-            <a:endParaRPr sz="1600" b="0" i="0">
-              <a:solidFill>
-                <a:srgbClr val="333333"/>
-              </a:solidFill>
-              <a:latin typeface="Tomorrow"/>
-              <a:ea typeface="Tomorrow"/>
-            </a:endParaRPr>
           </a:p>
           <a:p>
             <a:pPr marL="285750" indent="-285750">
@@ -9658,13 +9052,6 @@
               </a:rPr>
               <a:t>Forecasting using LSTM</a:t>
             </a:r>
-            <a:endParaRPr sz="1600" b="0" i="0">
-              <a:solidFill>
-                <a:srgbClr val="333333"/>
-              </a:solidFill>
-              <a:latin typeface="Tomorrow"/>
-              <a:ea typeface="Tomorrow"/>
-            </a:endParaRPr>
           </a:p>
           <a:p>
             <a:pPr marL="285750" indent="-285750">
@@ -9687,13 +9074,6 @@
               </a:rPr>
               <a:t>Future Forecast</a:t>
             </a:r>
-            <a:endParaRPr sz="1600" b="0" i="0">
-              <a:solidFill>
-                <a:srgbClr val="333333"/>
-              </a:solidFill>
-              <a:latin typeface="Tomorrow"/>
-              <a:ea typeface="Tomorrow"/>
-            </a:endParaRPr>
           </a:p>
           <a:p>
             <a:pPr marL="285750" indent="-285750">
@@ -9716,13 +9096,6 @@
               </a:rPr>
               <a:t>Assignment</a:t>
             </a:r>
-            <a:endParaRPr sz="1600" b="0" i="0">
-              <a:solidFill>
-                <a:srgbClr val="333333"/>
-              </a:solidFill>
-              <a:latin typeface="Tomorrow"/>
-              <a:ea typeface="Tomorrow"/>
-            </a:endParaRPr>
           </a:p>
         </p:txBody>
       </p:sp>
@@ -9743,7 +9116,14 @@
         <p:cNvGrpSpPr/>
         <p:nvPr/>
       </p:nvGrpSpPr>
-      <p:grpSpPr/>
+      <p:grpSpPr>
+        <a:xfrm>
+          <a:off x="0" y="0"/>
+          <a:ext cx="0" cy="0"/>
+          <a:chOff x="0" y="0"/>
+          <a:chExt cx="0" cy="0"/>
+        </a:xfrm>
+      </p:grpSpPr>
       <p:sp>
         <p:nvSpPr>
           <p:cNvPr id="2" name="Text Box 1"/>
@@ -9764,6 +9144,7 @@
           <a:bodyPr wrap="square" rtlCol="0" anchor="t">
             <a:noAutofit/>
           </a:bodyPr>
+          <a:lstStyle/>
           <a:p>
             <a:pPr lvl="1" indent="0">
               <a:buNone/>
@@ -9786,21 +9167,6 @@
               </a:rPr>
               <a:t>Next Activation functions</a:t>
             </a:r>
-            <a:endParaRPr lang="en-US" sz="4800" b="1">
-              <a:solidFill>
-                <a:srgbClr val="FF0000"/>
-              </a:solidFill>
-              <a:effectLst>
-                <a:outerShdw blurRad="38100" dist="38100" dir="2700000" algn="tl">
-                  <a:srgbClr val="000000">
-                    <a:alpha val="43137"/>
-                  </a:srgbClr>
-                </a:outerShdw>
-              </a:effectLst>
-              <a:latin typeface="Arial Black" panose="020B0A04020102020204" charset="0"/>
-              <a:cs typeface="Arial Black" panose="020B0A04020102020204" charset="0"/>
-              <a:sym typeface="+mn-ea"/>
-            </a:endParaRPr>
           </a:p>
         </p:txBody>
       </p:sp>
@@ -9824,6 +9190,7 @@
           <a:bodyPr wrap="square" rtlCol="0" anchor="t">
             <a:spAutoFit/>
           </a:bodyPr>
+          <a:lstStyle/>
           <a:p>
             <a:pPr marL="0" indent="0">
               <a:spcBef>
@@ -9850,7 +9217,7 @@
           <p:nvPr/>
         </p:nvPicPr>
         <p:blipFill>
-          <a:blip r:embed="rId1"/>
+          <a:blip r:embed="rId2"/>
           <a:stretch>
             <a:fillRect/>
           </a:stretch>
@@ -9885,6 +9252,7 @@
           <a:bodyPr wrap="square" rtlCol="0" anchor="t">
             <a:spAutoFit/>
           </a:bodyPr>
+          <a:lstStyle/>
           <a:p>
             <a:r>
               <a:rPr lang="en-US" altLang="en-US"/>
@@ -9903,7 +9271,7 @@
           <p:nvPr/>
         </p:nvPicPr>
         <p:blipFill>
-          <a:blip r:embed="rId2"/>
+          <a:blip r:embed="rId3"/>
           <a:stretch>
             <a:fillRect/>
           </a:stretch>
@@ -9935,7 +9303,14 @@
         <p:cNvGrpSpPr/>
         <p:nvPr/>
       </p:nvGrpSpPr>
-      <p:grpSpPr/>
+      <p:grpSpPr>
+        <a:xfrm>
+          <a:off x="0" y="0"/>
+          <a:ext cx="0" cy="0"/>
+          <a:chOff x="0" y="0"/>
+          <a:chExt cx="0" cy="0"/>
+        </a:xfrm>
+      </p:grpSpPr>
       <p:pic>
         <p:nvPicPr>
           <p:cNvPr id="7" name="Picture 6"/>
@@ -9943,7 +9318,7 @@
           <p:nvPr/>
         </p:nvPicPr>
         <p:blipFill>
-          <a:blip r:embed="rId1"/>
+          <a:blip r:embed="rId2"/>
           <a:srcRect b="56070"/>
           <a:stretch>
             <a:fillRect/>
@@ -9951,7 +9326,7 @@
         </p:blipFill>
         <p:spPr>
           <a:xfrm>
-            <a:off x="0" y="0"/>
+            <a:off x="0" y="9728"/>
             <a:ext cx="11989435" cy="6858635"/>
           </a:xfrm>
           <a:prstGeom prst="rect">
@@ -9976,7 +9351,14 @@
         <p:cNvGrpSpPr/>
         <p:nvPr/>
       </p:nvGrpSpPr>
-      <p:grpSpPr/>
+      <p:grpSpPr>
+        <a:xfrm>
+          <a:off x="0" y="0"/>
+          <a:ext cx="0" cy="0"/>
+          <a:chOff x="0" y="0"/>
+          <a:chExt cx="0" cy="0"/>
+        </a:xfrm>
+      </p:grpSpPr>
       <p:pic>
         <p:nvPicPr>
           <p:cNvPr id="3" name="Picture 2"/>
@@ -9984,7 +9366,7 @@
           <p:nvPr/>
         </p:nvPicPr>
         <p:blipFill>
-          <a:blip r:embed="rId1"/>
+          <a:blip r:embed="rId2"/>
           <a:srcRect t="40592"/>
           <a:stretch>
             <a:fillRect/>
@@ -10017,7 +9399,14 @@
         <p:cNvGrpSpPr/>
         <p:nvPr/>
       </p:nvGrpSpPr>
-      <p:grpSpPr/>
+      <p:grpSpPr>
+        <a:xfrm>
+          <a:off x="0" y="0"/>
+          <a:ext cx="0" cy="0"/>
+          <a:chOff x="0" y="0"/>
+          <a:chExt cx="0" cy="0"/>
+        </a:xfrm>
+      </p:grpSpPr>
       <p:sp>
         <p:nvSpPr>
           <p:cNvPr id="2" name="Text Box 1"/>
@@ -10037,6 +9426,7 @@
           <a:bodyPr>
             <a:spAutoFit/>
           </a:bodyPr>
+          <a:lstStyle/>
           <a:p>
             <a:pPr marL="0" indent="0">
               <a:spcBef>
@@ -10073,13 +9463,6 @@
               </a:rPr>
               <a:t>  </a:t>
             </a:r>
-            <a:endParaRPr sz="2500" b="0" i="0">
-              <a:solidFill>
-                <a:srgbClr val="333333"/>
-              </a:solidFill>
-              <a:latin typeface="Tomorrow"/>
-              <a:ea typeface="Tomorrow"/>
-            </a:endParaRPr>
           </a:p>
           <a:p>
             <a:pPr marL="285750" indent="-285750">
@@ -10105,13 +9488,6 @@
               </a:rPr>
               <a:t>Introduction to Deep Learning</a:t>
             </a:r>
-            <a:endParaRPr sz="1600" b="0" i="0">
-              <a:solidFill>
-                <a:srgbClr val="333333"/>
-              </a:solidFill>
-              <a:latin typeface="Tomorrow"/>
-              <a:ea typeface="Tomorrow"/>
-            </a:endParaRPr>
           </a:p>
           <a:p>
             <a:pPr marL="285750" indent="-285750">
@@ -10137,13 +9513,6 @@
               </a:rPr>
               <a:t>Perceptron Model</a:t>
             </a:r>
-            <a:endParaRPr sz="1600" b="0" i="0">
-              <a:solidFill>
-                <a:srgbClr val="333333"/>
-              </a:solidFill>
-              <a:latin typeface="Tomorrow"/>
-              <a:ea typeface="Tomorrow"/>
-            </a:endParaRPr>
           </a:p>
           <a:p>
             <a:pPr marL="285750" indent="-285750">
@@ -10169,13 +9538,6 @@
               </a:rPr>
               <a:t>Introduction to Tensorflow and Keras</a:t>
             </a:r>
-            <a:endParaRPr sz="1600" b="0" i="0">
-              <a:solidFill>
-                <a:srgbClr val="333333"/>
-              </a:solidFill>
-              <a:latin typeface="Tomorrow"/>
-              <a:ea typeface="Tomorrow"/>
-            </a:endParaRPr>
           </a:p>
           <a:p>
             <a:pPr marL="285750" indent="-285750">
@@ -10201,13 +9563,6 @@
               </a:rPr>
               <a:t>Introduction to Types of Neural Networks</a:t>
             </a:r>
-            <a:endParaRPr sz="1600" b="0" i="0">
-              <a:solidFill>
-                <a:srgbClr val="333333"/>
-              </a:solidFill>
-              <a:latin typeface="Tomorrow"/>
-              <a:ea typeface="Tomorrow"/>
-            </a:endParaRPr>
           </a:p>
         </p:txBody>
       </p:sp>
@@ -10231,6 +9586,7 @@
           <a:bodyPr wrap="square" rtlCol="0" anchor="t">
             <a:spAutoFit/>
           </a:bodyPr>
+          <a:lstStyle/>
           <a:p>
             <a:r>
               <a:rPr lang="en-US" altLang="en-US"/>
@@ -10260,6 +9616,7 @@
           <a:bodyPr wrap="square" rtlCol="0" anchor="t">
             <a:spAutoFit/>
           </a:bodyPr>
+          <a:lstStyle/>
           <a:p>
             <a:r>
               <a:rPr lang="en-US" altLang="en-US"/>
@@ -10289,6 +9646,7 @@
           <a:bodyPr wrap="square" rtlCol="0" anchor="t">
             <a:spAutoFit/>
           </a:bodyPr>
+          <a:lstStyle/>
           <a:p>
             <a:r>
               <a:rPr lang="en-US" altLang="en-US"/>
@@ -10315,7 +9673,14 @@
         <p:cNvGrpSpPr/>
         <p:nvPr/>
       </p:nvGrpSpPr>
-      <p:grpSpPr/>
+      <p:grpSpPr>
+        <a:xfrm>
+          <a:off x="0" y="0"/>
+          <a:ext cx="0" cy="0"/>
+          <a:chOff x="0" y="0"/>
+          <a:chExt cx="0" cy="0"/>
+        </a:xfrm>
+      </p:grpSpPr>
       <p:pic>
         <p:nvPicPr>
           <p:cNvPr id="4" name="Picture 3"/>
@@ -10323,7 +9688,7 @@
           <p:nvPr/>
         </p:nvPicPr>
         <p:blipFill>
-          <a:blip r:embed="rId1"/>
+          <a:blip r:embed="rId2"/>
           <a:stretch>
             <a:fillRect/>
           </a:stretch>
@@ -10358,6 +9723,7 @@
           <a:bodyPr wrap="square" rtlCol="0" anchor="t">
             <a:spAutoFit/>
           </a:bodyPr>
+          <a:lstStyle/>
           <a:p>
             <a:r>
               <a:rPr lang="en-US" altLang="en-US"/>
@@ -10374,7 +9740,7 @@
           <p:nvPr/>
         </p:nvPicPr>
         <p:blipFill>
-          <a:blip r:embed="rId2"/>
+          <a:blip r:embed="rId3"/>
           <a:stretch>
             <a:fillRect/>
           </a:stretch>
@@ -10406,7 +9772,14 @@
         <p:cNvGrpSpPr/>
         <p:nvPr/>
       </p:nvGrpSpPr>
-      <p:grpSpPr/>
+      <p:grpSpPr>
+        <a:xfrm>
+          <a:off x="0" y="0"/>
+          <a:ext cx="0" cy="0"/>
+          <a:chOff x="0" y="0"/>
+          <a:chExt cx="0" cy="0"/>
+        </a:xfrm>
+      </p:grpSpPr>
       <p:sp>
         <p:nvSpPr>
           <p:cNvPr id="3" name="Text Box 2"/>
@@ -10427,6 +9800,7 @@
           <a:bodyPr wrap="square" rtlCol="0">
             <a:spAutoFit/>
           </a:bodyPr>
+          <a:lstStyle/>
           <a:p>
             <a:r>
               <a:rPr lang="en-US" sz="4400" b="1">
@@ -10443,18 +9817,6 @@
               </a:rPr>
               <a:t>Algorithms and models </a:t>
             </a:r>
-            <a:endParaRPr lang="en-US" sz="4400" b="1">
-              <a:solidFill>
-                <a:srgbClr val="FF0000"/>
-              </a:solidFill>
-              <a:effectLst>
-                <a:outerShdw blurRad="38100" dist="38100" dir="2700000" algn="tl">
-                  <a:srgbClr val="000000">
-                    <a:alpha val="43137"/>
-                  </a:srgbClr>
-                </a:outerShdw>
-              </a:effectLst>
-            </a:endParaRPr>
           </a:p>
         </p:txBody>
       </p:sp>
@@ -10465,7 +9827,7 @@
           <p:nvPr/>
         </p:nvPicPr>
         <p:blipFill>
-          <a:blip r:embed="rId1"/>
+          <a:blip r:embed="rId2"/>
           <a:srcRect t="7325"/>
           <a:stretch>
             <a:fillRect/>
@@ -10488,15 +9850,15 @@
           <p:nvPr/>
         </p:nvPicPr>
         <p:blipFill>
-          <a:blip r:embed="rId2"/>
+          <a:blip r:embed="rId3"/>
           <a:stretch>
             <a:fillRect/>
           </a:stretch>
         </p:blipFill>
         <p:spPr>
           <a:xfrm>
-            <a:off x="-247650" y="2246630"/>
-            <a:ext cx="5125085" cy="4774565"/>
+            <a:off x="-1" y="2246630"/>
+            <a:ext cx="4877435" cy="4504365"/>
           </a:xfrm>
           <a:prstGeom prst="rect">
             <a:avLst/>
@@ -10520,7 +9882,14 @@
         <p:cNvGrpSpPr/>
         <p:nvPr/>
       </p:nvGrpSpPr>
-      <p:grpSpPr/>
+      <p:grpSpPr>
+        <a:xfrm>
+          <a:off x="0" y="0"/>
+          <a:ext cx="0" cy="0"/>
+          <a:chOff x="0" y="0"/>
+          <a:chExt cx="0" cy="0"/>
+        </a:xfrm>
+      </p:grpSpPr>
       <p:sp>
         <p:nvSpPr>
           <p:cNvPr id="4" name="Text Box 3"/>
@@ -10540,6 +9909,7 @@
           <a:bodyPr>
             <a:noAutofit/>
           </a:bodyPr>
+          <a:lstStyle/>
           <a:p>
             <a:r>
               <a:rPr sz="2400">
@@ -10560,7 +9930,6 @@
               <a:rPr sz="2400"/>
               <a:t> refers to the simulation of human intelligence in machines that are designed to think, learn, and make decisions. AI encompasses a wide range of technologies, including rule-based systems, expert systems, and machine learning algorithms.</a:t>
             </a:r>
-            <a:endParaRPr sz="2400"/>
           </a:p>
           <a:p>
             <a:endParaRPr sz="2400"/>
@@ -10581,18 +9950,6 @@
               </a:rPr>
               <a:t>Key Features of AI:</a:t>
             </a:r>
-            <a:endParaRPr sz="2400" b="1">
-              <a:solidFill>
-                <a:srgbClr val="FF0000"/>
-              </a:solidFill>
-              <a:effectLst>
-                <a:outerShdw blurRad="38100" dist="38100" dir="2700000" algn="tl">
-                  <a:srgbClr val="000000">
-                    <a:alpha val="43137"/>
-                  </a:srgbClr>
-                </a:outerShdw>
-              </a:effectLst>
-            </a:endParaRPr>
           </a:p>
           <a:p>
             <a:pPr>
@@ -10603,7 +9960,6 @@
               <a:rPr sz="2400"/>
               <a:t>Automation of tasks that require human intelligence.</a:t>
             </a:r>
-            <a:endParaRPr sz="2400"/>
           </a:p>
           <a:p>
             <a:pPr>
@@ -10614,7 +9970,6 @@
               <a:rPr sz="2400"/>
               <a:t>Ability to learn from data and improve over time.</a:t>
             </a:r>
-            <a:endParaRPr sz="2400"/>
           </a:p>
           <a:p>
             <a:pPr>
@@ -10625,7 +9980,6 @@
               <a:rPr sz="2400"/>
               <a:t>Applications across various domains, including healthcare, finance, and robotics.</a:t>
             </a:r>
-            <a:endParaRPr sz="2400"/>
           </a:p>
         </p:txBody>
       </p:sp>
@@ -10646,7 +10000,14 @@
         <p:cNvGrpSpPr/>
         <p:nvPr/>
       </p:nvGrpSpPr>
-      <p:grpSpPr/>
+      <p:grpSpPr>
+        <a:xfrm>
+          <a:off x="0" y="0"/>
+          <a:ext cx="0" cy="0"/>
+          <a:chOff x="0" y="0"/>
+          <a:chExt cx="0" cy="0"/>
+        </a:xfrm>
+      </p:grpSpPr>
       <p:sp>
         <p:nvSpPr>
           <p:cNvPr id="4" name="Text Box 3"/>
@@ -10666,6 +10027,7 @@
           <a:bodyPr wrap="square">
             <a:spAutoFit/>
           </a:bodyPr>
+          <a:lstStyle/>
           <a:p>
             <a:r>
               <a:rPr sz="2800" b="1">
@@ -10682,18 +10044,6 @@
               </a:rPr>
               <a:t>AI vs ML vs DL</a:t>
             </a:r>
-            <a:endParaRPr sz="2800" b="1">
-              <a:solidFill>
-                <a:srgbClr val="FF0000"/>
-              </a:solidFill>
-              <a:effectLst>
-                <a:outerShdw blurRad="38100" dist="38100" dir="2700000" algn="tl">
-                  <a:srgbClr val="000000">
-                    <a:alpha val="43137"/>
-                  </a:srgbClr>
-                </a:outerShdw>
-              </a:effectLst>
-            </a:endParaRPr>
           </a:p>
           <a:p>
             <a:pPr>
@@ -10703,7 +10053,6 @@
               <a:rPr sz="1600"/>
               <a:t>Artificial Intelligence (AI):</a:t>
             </a:r>
-            <a:endParaRPr sz="1600"/>
           </a:p>
           <a:p>
             <a:pPr lvl="1">
@@ -10714,7 +10063,6 @@
               <a:rPr sz="1600"/>
               <a:t>The broadest concept, referring to machines that can perform cognitive functions similar to humans.</a:t>
             </a:r>
-            <a:endParaRPr sz="1600"/>
           </a:p>
           <a:p>
             <a:pPr lvl="1">
@@ -10725,7 +10073,6 @@
               <a:rPr sz="1600"/>
               <a:t>Encompasses ML, DL, and rule-based systems.</a:t>
             </a:r>
-            <a:endParaRPr sz="1600"/>
           </a:p>
           <a:p>
             <a:pPr lvl="1">
@@ -10736,7 +10083,6 @@
               <a:rPr sz="1600"/>
               <a:t>Examples: Virtual assistants, autonomous vehicles, and recommendation systems.</a:t>
             </a:r>
-            <a:endParaRPr sz="1600"/>
           </a:p>
           <a:p>
             <a:pPr>
@@ -10746,7 +10092,6 @@
               <a:rPr sz="1600"/>
               <a:t>Machine Learning (ML):</a:t>
             </a:r>
-            <a:endParaRPr sz="1600"/>
           </a:p>
           <a:p>
             <a:pPr lvl="1">
@@ -10757,7 +10102,6 @@
               <a:rPr sz="1600"/>
               <a:t>A subset of AI that enables machines to learn patterns from data without explicit programming.</a:t>
             </a:r>
-            <a:endParaRPr sz="1600"/>
           </a:p>
           <a:p>
             <a:pPr lvl="1">
@@ -10768,7 +10112,6 @@
               <a:rPr sz="1600"/>
               <a:t>Uses statistical models and algorithms like decision trees, regression, and clustering.</a:t>
             </a:r>
-            <a:endParaRPr sz="1600"/>
           </a:p>
           <a:p>
             <a:pPr lvl="1">
@@ -10779,7 +10122,6 @@
               <a:rPr sz="1600"/>
               <a:t>Examples: Fraud detection, predictive analytics, and spam filters.</a:t>
             </a:r>
-            <a:endParaRPr sz="1600"/>
           </a:p>
           <a:p>
             <a:pPr>
@@ -10789,7 +10131,6 @@
               <a:rPr sz="1600"/>
               <a:t>Deep Learning (DL):</a:t>
             </a:r>
-            <a:endParaRPr sz="1600"/>
           </a:p>
           <a:p>
             <a:pPr lvl="1">
@@ -10800,7 +10141,6 @@
               <a:rPr sz="1600"/>
               <a:t>A specialized subset of ML that relies on deep neural networks.</a:t>
             </a:r>
-            <a:endParaRPr sz="1600"/>
           </a:p>
           <a:p>
             <a:pPr lvl="1">
@@ -10811,7 +10151,6 @@
               <a:rPr sz="1600"/>
               <a:t>Requires large datasets and computational power.</a:t>
             </a:r>
-            <a:endParaRPr sz="1600"/>
           </a:p>
           <a:p>
             <a:pPr lvl="1">
@@ -10822,7 +10161,6 @@
               <a:rPr sz="1600"/>
               <a:t>Examples: Image recognition, natural language processing, and speech recognition.</a:t>
             </a:r>
-            <a:endParaRPr sz="1600"/>
           </a:p>
         </p:txBody>
       </p:sp>
@@ -10845,6 +10183,7 @@
           <a:bodyPr wrap="square">
             <a:spAutoFit/>
           </a:bodyPr>
+          <a:lstStyle/>
           <a:p>
             <a:r>
               <a:rPr sz="2800" b="1">
@@ -10861,25 +10200,12 @@
               </a:rPr>
               <a:t>Applications of AI</a:t>
             </a:r>
-            <a:endParaRPr sz="2800" b="1">
-              <a:solidFill>
-                <a:srgbClr val="FF0000"/>
-              </a:solidFill>
-              <a:effectLst>
-                <a:outerShdw blurRad="38100" dist="38100" dir="2700000" algn="tl">
-                  <a:srgbClr val="000000">
-                    <a:alpha val="43137"/>
-                  </a:srgbClr>
-                </a:outerShdw>
-              </a:effectLst>
-            </a:endParaRPr>
           </a:p>
           <a:p>
             <a:r>
               <a:rPr sz="1600"/>
               <a:t>AI has transformed multiple industries by enabling automation and improving decision-making. Some major applications include:</a:t>
             </a:r>
-            <a:endParaRPr sz="1600"/>
           </a:p>
           <a:p>
             <a:pPr>
@@ -10890,7 +10216,6 @@
               <a:rPr sz="1600"/>
               <a:t>Healthcare: Disease diagnosis, personalized medicine, robotic surgeries.</a:t>
             </a:r>
-            <a:endParaRPr sz="1600"/>
           </a:p>
           <a:p>
             <a:pPr>
@@ -10901,7 +10226,6 @@
               <a:rPr sz="1600"/>
               <a:t>Finance: Fraud detection, algorithmic trading, risk assessment.</a:t>
             </a:r>
-            <a:endParaRPr sz="1600"/>
           </a:p>
           <a:p>
             <a:pPr>
@@ -10912,7 +10236,6 @@
               <a:rPr sz="1600"/>
               <a:t>Retail: Recommendation systems, demand forecasting, customer sentiment analysis.</a:t>
             </a:r>
-            <a:endParaRPr sz="1600"/>
           </a:p>
           <a:p>
             <a:pPr>
@@ -10923,7 +10246,6 @@
               <a:rPr sz="1600"/>
               <a:t>Autonomous Systems: Self-driving cars, drones, robotics.</a:t>
             </a:r>
-            <a:endParaRPr sz="1600"/>
           </a:p>
           <a:p>
             <a:pPr>
@@ -10934,7 +10256,6 @@
               <a:rPr sz="1600"/>
               <a:t>Natural Language Processing: Chatbots, virtual assistants, language translation.</a:t>
             </a:r>
-            <a:endParaRPr sz="1600"/>
           </a:p>
         </p:txBody>
       </p:sp>
@@ -10955,7 +10276,14 @@
         <p:cNvGrpSpPr/>
         <p:nvPr/>
       </p:nvGrpSpPr>
-      <p:grpSpPr/>
+      <p:grpSpPr>
+        <a:xfrm>
+          <a:off x="0" y="0"/>
+          <a:ext cx="0" cy="0"/>
+          <a:chOff x="0" y="0"/>
+          <a:chExt cx="0" cy="0"/>
+        </a:xfrm>
+      </p:grpSpPr>
       <p:sp>
         <p:nvSpPr>
           <p:cNvPr id="2" name="Text Box 1"/>
@@ -10975,6 +10303,7 @@
           <a:bodyPr wrap="square">
             <a:spAutoFit/>
           </a:bodyPr>
+          <a:lstStyle/>
           <a:p>
             <a:r>
               <a:rPr sz="2400" b="1">
@@ -10984,11 +10313,6 @@
               </a:rPr>
               <a:t>Conventional AI vs Generative AI (GenAI)</a:t>
             </a:r>
-            <a:endParaRPr sz="2400" b="1">
-              <a:solidFill>
-                <a:srgbClr val="FF0000"/>
-              </a:solidFill>
-            </a:endParaRPr>
           </a:p>
           <a:p>
             <a:pPr>
@@ -11002,11 +10326,6 @@
               </a:rPr>
               <a:t>Conventional AI:</a:t>
             </a:r>
-            <a:endParaRPr sz="1600" b="1">
-              <a:solidFill>
-                <a:srgbClr val="FF0000"/>
-              </a:solidFill>
-            </a:endParaRPr>
           </a:p>
           <a:p>
             <a:pPr lvl="1">
@@ -11017,7 +10336,6 @@
               <a:rPr sz="1600"/>
               <a:t>Focuses on classification, prediction, and rule-based decision-making.</a:t>
             </a:r>
-            <a:endParaRPr sz="1600"/>
           </a:p>
           <a:p>
             <a:pPr lvl="1">
@@ -11028,7 +10346,6 @@
               <a:rPr sz="1600"/>
               <a:t>Uses structured datasets for training.</a:t>
             </a:r>
-            <a:endParaRPr sz="1600"/>
           </a:p>
           <a:p>
             <a:pPr lvl="1">
@@ -11039,7 +10356,6 @@
               <a:rPr sz="1600"/>
               <a:t>Examples: Spam filters, customer service chatbots, recommendation engines.</a:t>
             </a:r>
-            <a:endParaRPr sz="1600"/>
           </a:p>
           <a:p>
             <a:pPr>
@@ -11053,11 +10369,6 @@
               </a:rPr>
               <a:t>Generative AI (GenAI):</a:t>
             </a:r>
-            <a:endParaRPr sz="1600" b="1">
-              <a:solidFill>
-                <a:srgbClr val="FF0000"/>
-              </a:solidFill>
-            </a:endParaRPr>
           </a:p>
           <a:p>
             <a:pPr lvl="1">
@@ -11068,7 +10379,6 @@
               <a:rPr sz="1600"/>
               <a:t>A type of AI that creates new content, such as text, images, and music.</a:t>
             </a:r>
-            <a:endParaRPr sz="1600"/>
           </a:p>
           <a:p>
             <a:pPr lvl="1">
@@ -11079,7 +10389,6 @@
               <a:rPr sz="1600"/>
               <a:t>Uses models like GANs (Generative Adversarial Networks) and transformers (e.g., GPT, DALL-E).</a:t>
             </a:r>
-            <a:endParaRPr sz="1600"/>
           </a:p>
           <a:p>
             <a:pPr lvl="1">
@@ -11090,7 +10399,6 @@
               <a:rPr sz="1600"/>
               <a:t>Examples: AI-generated art, chat-based content generation, and text-to-image synthesis.</a:t>
             </a:r>
-            <a:endParaRPr sz="1600"/>
           </a:p>
         </p:txBody>
       </p:sp>
@@ -11113,6 +10421,7 @@
           <a:bodyPr wrap="square">
             <a:spAutoFit/>
           </a:bodyPr>
+          <a:lstStyle/>
           <a:p>
             <a:r>
               <a:rPr sz="3600" b="1">
@@ -11129,25 +10438,12 @@
               </a:rPr>
               <a:t>Future of AI</a:t>
             </a:r>
-            <a:endParaRPr sz="3600" b="1">
-              <a:solidFill>
-                <a:srgbClr val="FF0000"/>
-              </a:solidFill>
-              <a:effectLst>
-                <a:outerShdw blurRad="38100" dist="38100" dir="2700000" algn="tl">
-                  <a:srgbClr val="000000">
-                    <a:alpha val="43137"/>
-                  </a:srgbClr>
-                </a:outerShdw>
-              </a:effectLst>
-            </a:endParaRPr>
           </a:p>
           <a:p>
             <a:r>
               <a:rPr sz="2000"/>
               <a:t>The future of AI is expected to bring significant advancements and challenges:</a:t>
             </a:r>
-            <a:endParaRPr sz="2000"/>
           </a:p>
           <a:p>
             <a:pPr>
@@ -11162,7 +10458,6 @@
               <a:rPr sz="2000"/>
               <a:t> More sophisticated generative models for content creation.</a:t>
             </a:r>
-            <a:endParaRPr sz="2000"/>
           </a:p>
           <a:p>
             <a:pPr>
@@ -11177,7 +10472,6 @@
               <a:rPr sz="2000"/>
               <a:t> Enhancing transparency and trust in AI decision-making.</a:t>
             </a:r>
-            <a:endParaRPr sz="2000"/>
           </a:p>
           <a:p>
             <a:pPr>
@@ -11192,7 +10486,6 @@
               <a:rPr sz="2000"/>
               <a:t>Addressing biases, privacy concerns, and responsible AI use.</a:t>
             </a:r>
-            <a:endParaRPr sz="2000"/>
           </a:p>
           <a:p>
             <a:pPr>
@@ -11207,7 +10500,6 @@
               <a:rPr sz="2000"/>
               <a:t> Deployment of AI models on edge devices for real-time processing.</a:t>
             </a:r>
-            <a:endParaRPr sz="2000"/>
           </a:p>
           <a:p>
             <a:pPr>
@@ -11222,14 +10514,12 @@
               <a:rPr sz="2000"/>
               <a:t>Theoretical advancements toward artificial general intelligence (AGI) with human-like reasoning capabilities.</a:t>
             </a:r>
-            <a:endParaRPr sz="2000"/>
           </a:p>
           <a:p>
             <a:r>
               <a:rPr sz="2000"/>
               <a:t>AI continues to evolve, driving innovation and transforming industries worldwide.</a:t>
             </a:r>
-            <a:endParaRPr sz="2000"/>
           </a:p>
         </p:txBody>
       </p:sp>
@@ -11250,7 +10540,14 @@
         <p:cNvGrpSpPr/>
         <p:nvPr/>
       </p:nvGrpSpPr>
-      <p:grpSpPr/>
+      <p:grpSpPr>
+        <a:xfrm>
+          <a:off x="0" y="0"/>
+          <a:ext cx="0" cy="0"/>
+          <a:chOff x="0" y="0"/>
+          <a:chExt cx="0" cy="0"/>
+        </a:xfrm>
+      </p:grpSpPr>
       <p:pic>
         <p:nvPicPr>
           <p:cNvPr id="4" name="Picture 3"/>
@@ -11258,7 +10555,7 @@
           <p:nvPr/>
         </p:nvPicPr>
         <p:blipFill>
-          <a:blip r:embed="rId1"/>
+          <a:blip r:embed="rId2"/>
           <a:srcRect t="4407" b="5046"/>
           <a:stretch>
             <a:fillRect/>
@@ -11533,6 +10830,8 @@
       </a:bgFillStyleLst>
     </a:fmtScheme>
   </a:themeElements>
+  <a:objectDefaults/>
+  <a:extraClrSchemeLst/>
   <a:extLst>
     <a:ext uri="{05A4C25C-085E-4340-85A3-A5531E510DB2}">
       <thm15:themeFamily xmlns:thm15="http://schemas.microsoft.com/office/thememl/2012/main" name="Office Theme" id="{62F939B6-93AF-4DB8-9C6B-D6C7DFDC589F}" vid="{4A3C46E8-61CC-4603-A589-7422A47A8E4A}"/>
@@ -11792,6 +11091,8 @@
       </a:bgFillStyleLst>
     </a:fmtScheme>
   </a:themeElements>
+  <a:objectDefaults/>
+  <a:extraClrSchemeLst/>
   <a:extLst>
     <a:ext uri="{05A4C25C-085E-4340-85A3-A5531E510DB2}">
       <thm15:themeFamily xmlns:thm15="http://schemas.microsoft.com/office/thememl/2012/main" name="Office Theme" id="{62F939B6-93AF-4DB8-9C6B-D6C7DFDC589F}" vid="{4A3C46E8-61CC-4603-A589-7422A47A8E4A}"/>

--- a/9.Deep_learning/class_1_module_9_deep learning__introduction.pptx
+++ b/9.Deep_learning/class_1_module_9_deep learning__introduction.pptx
@@ -5,34 +5,34 @@
     <p:sldMasterId id="2147483648" r:id="rId1"/>
   </p:sldMasterIdLst>
   <p:notesMasterIdLst>
-    <p:notesMasterId r:id="rId27"/>
+    <p:notesMasterId r:id="rId28"/>
   </p:notesMasterIdLst>
   <p:sldIdLst>
-    <p:sldId id="276" r:id="rId2"/>
-    <p:sldId id="368" r:id="rId3"/>
-    <p:sldId id="398" r:id="rId4"/>
-    <p:sldId id="277" r:id="rId5"/>
-    <p:sldId id="278" r:id="rId6"/>
-    <p:sldId id="256" r:id="rId7"/>
-    <p:sldId id="258" r:id="rId8"/>
-    <p:sldId id="262" r:id="rId9"/>
-    <p:sldId id="389" r:id="rId10"/>
-    <p:sldId id="342" r:id="rId11"/>
-    <p:sldId id="279" r:id="rId12"/>
-    <p:sldId id="259" r:id="rId13"/>
-    <p:sldId id="260" r:id="rId14"/>
-    <p:sldId id="396" r:id="rId15"/>
-    <p:sldId id="397" r:id="rId16"/>
-    <p:sldId id="283" r:id="rId17"/>
-    <p:sldId id="394" r:id="rId18"/>
-    <p:sldId id="281" r:id="rId19"/>
-    <p:sldId id="282" r:id="rId20"/>
-    <p:sldId id="399" r:id="rId21"/>
-    <p:sldId id="391" r:id="rId22"/>
-    <p:sldId id="392" r:id="rId23"/>
-    <p:sldId id="301" r:id="rId24"/>
-    <p:sldId id="351" r:id="rId25"/>
-    <p:sldId id="352" r:id="rId26"/>
+    <p:sldId id="276" r:id="rId3"/>
+    <p:sldId id="368" r:id="rId4"/>
+    <p:sldId id="398" r:id="rId5"/>
+    <p:sldId id="277" r:id="rId6"/>
+    <p:sldId id="278" r:id="rId7"/>
+    <p:sldId id="256" r:id="rId8"/>
+    <p:sldId id="258" r:id="rId9"/>
+    <p:sldId id="262" r:id="rId10"/>
+    <p:sldId id="389" r:id="rId11"/>
+    <p:sldId id="342" r:id="rId12"/>
+    <p:sldId id="279" r:id="rId13"/>
+    <p:sldId id="259" r:id="rId14"/>
+    <p:sldId id="260" r:id="rId15"/>
+    <p:sldId id="396" r:id="rId16"/>
+    <p:sldId id="397" r:id="rId17"/>
+    <p:sldId id="283" r:id="rId18"/>
+    <p:sldId id="394" r:id="rId19"/>
+    <p:sldId id="281" r:id="rId20"/>
+    <p:sldId id="282" r:id="rId21"/>
+    <p:sldId id="399" r:id="rId22"/>
+    <p:sldId id="391" r:id="rId23"/>
+    <p:sldId id="392" r:id="rId24"/>
+    <p:sldId id="301" r:id="rId25"/>
+    <p:sldId id="351" r:id="rId26"/>
+    <p:sldId id="352" r:id="rId27"/>
   </p:sldIdLst>
   <p:sldSz cx="12192000" cy="6858000"/>
   <p:notesSz cx="6858000" cy="9144000"/>
@@ -131,11 +131,6 @@
       </a:defRPr>
     </a:lvl9pPr>
   </p:defaultTextStyle>
-  <p:extLst>
-    <p:ext uri="{EFAFB233-063F-42B5-8137-9DF3F51BA10A}">
-      <p15:sldGuideLst xmlns:p15="http://schemas.microsoft.com/office/powerpoint/2012/main"/>
-    </p:ext>
-  </p:extLst>
 </p:presentation>
 </file>
 
@@ -221,7 +216,6 @@
           <a:p>
             <a:fld id="{3EFD42F7-718C-4B98-AAEC-167E6DDD60A7}" type="datetimeFigureOut">
               <a:rPr lang="en-US" smtClean="0"/>
-              <a:t>9/13/2025</a:t>
             </a:fld>
             <a:endParaRPr lang="en-US"/>
           </a:p>
@@ -288,6 +282,7 @@
               <a:rPr lang="en-US"/>
               <a:t>Click to edit Master text styles</a:t>
             </a:r>
+            <a:endParaRPr lang="en-US"/>
           </a:p>
           <a:p>
             <a:pPr lvl="1"/>
@@ -295,6 +290,7 @@
               <a:rPr lang="en-US"/>
               <a:t>Second level</a:t>
             </a:r>
+            <a:endParaRPr lang="en-US"/>
           </a:p>
           <a:p>
             <a:pPr lvl="2"/>
@@ -302,6 +298,7 @@
               <a:rPr lang="en-US"/>
               <a:t>Third level</a:t>
             </a:r>
+            <a:endParaRPr lang="en-US"/>
           </a:p>
           <a:p>
             <a:pPr lvl="3"/>
@@ -309,6 +306,7 @@
               <a:rPr lang="en-US"/>
               <a:t>Fourth level</a:t>
             </a:r>
+            <a:endParaRPr lang="en-US"/>
           </a:p>
           <a:p>
             <a:pPr lvl="4"/>
@@ -316,6 +314,7 @@
               <a:rPr lang="en-US"/>
               <a:t>Fifth level</a:t>
             </a:r>
+            <a:endParaRPr lang="en-US"/>
           </a:p>
         </p:txBody>
       </p:sp>
@@ -379,7 +378,6 @@
           <a:p>
             <a:fld id="{21B2AA4F-B828-4D7C-AFD3-893933DAFCB4}" type="slidenum">
               <a:rPr lang="en-US" smtClean="0"/>
-              <a:t>‹#›</a:t>
             </a:fld>
             <a:endParaRPr lang="en-US"/>
           </a:p>
@@ -528,6 +526,7 @@
               <a:rPr lang="en-US"/>
               <a:t>Click to edit Master title style</a:t>
             </a:r>
+            <a:endParaRPr lang="en-US"/>
           </a:p>
         </p:txBody>
       </p:sp>
@@ -592,6 +591,7 @@
               <a:rPr lang="en-US"/>
               <a:t>Click to edit Master subtitle style</a:t>
             </a:r>
+            <a:endParaRPr lang="en-US"/>
           </a:p>
         </p:txBody>
       </p:sp>
@@ -612,7 +612,6 @@
           <a:p>
             <a:fld id="{63A1C593-65D0-4073-BCC9-577B9352EA97}" type="datetimeFigureOut">
               <a:rPr lang="en-US" smtClean="0"/>
-              <a:t>9/13/2025</a:t>
             </a:fld>
             <a:endParaRPr lang="en-US"/>
           </a:p>
@@ -654,7 +653,6 @@
           <a:p>
             <a:fld id="{9B618960-8005-486C-9A75-10CB2AAC16F9}" type="slidenum">
               <a:rPr lang="en-US" smtClean="0"/>
-              <a:t>‹#›</a:t>
             </a:fld>
             <a:endParaRPr lang="en-US"/>
           </a:p>
@@ -704,6 +702,7 @@
               <a:rPr lang="en-US"/>
               <a:t>Click to edit Master title style</a:t>
             </a:r>
+            <a:endParaRPr lang="en-US"/>
           </a:p>
         </p:txBody>
       </p:sp>
@@ -727,6 +726,7 @@
               <a:rPr lang="en-US"/>
               <a:t>Click to edit Master text styles</a:t>
             </a:r>
+            <a:endParaRPr lang="en-US"/>
           </a:p>
           <a:p>
             <a:pPr lvl="1"/>
@@ -734,6 +734,7 @@
               <a:rPr lang="en-US"/>
               <a:t>Second level</a:t>
             </a:r>
+            <a:endParaRPr lang="en-US"/>
           </a:p>
           <a:p>
             <a:pPr lvl="2"/>
@@ -741,6 +742,7 @@
               <a:rPr lang="en-US"/>
               <a:t>Third level</a:t>
             </a:r>
+            <a:endParaRPr lang="en-US"/>
           </a:p>
           <a:p>
             <a:pPr lvl="3"/>
@@ -748,6 +750,7 @@
               <a:rPr lang="en-US"/>
               <a:t>Fourth level</a:t>
             </a:r>
+            <a:endParaRPr lang="en-US"/>
           </a:p>
           <a:p>
             <a:pPr lvl="4"/>
@@ -755,6 +758,7 @@
               <a:rPr lang="en-US"/>
               <a:t>Fifth level</a:t>
             </a:r>
+            <a:endParaRPr lang="en-US"/>
           </a:p>
         </p:txBody>
       </p:sp>
@@ -775,7 +779,6 @@
           <a:p>
             <a:fld id="{63A1C593-65D0-4073-BCC9-577B9352EA97}" type="datetimeFigureOut">
               <a:rPr lang="en-US" smtClean="0"/>
-              <a:t>9/13/2025</a:t>
             </a:fld>
             <a:endParaRPr lang="en-US"/>
           </a:p>
@@ -817,7 +820,6 @@
           <a:p>
             <a:fld id="{9B618960-8005-486C-9A75-10CB2AAC16F9}" type="slidenum">
               <a:rPr lang="en-US" smtClean="0"/>
-              <a:t>‹#›</a:t>
             </a:fld>
             <a:endParaRPr lang="en-US"/>
           </a:p>
@@ -872,6 +874,7 @@
               <a:rPr lang="en-US"/>
               <a:t>Click to edit Master title style</a:t>
             </a:r>
+            <a:endParaRPr lang="en-US"/>
           </a:p>
         </p:txBody>
       </p:sp>
@@ -900,6 +903,7 @@
               <a:rPr lang="en-US"/>
               <a:t>Click to edit Master text styles</a:t>
             </a:r>
+            <a:endParaRPr lang="en-US"/>
           </a:p>
           <a:p>
             <a:pPr lvl="1"/>
@@ -907,6 +911,7 @@
               <a:rPr lang="en-US"/>
               <a:t>Second level</a:t>
             </a:r>
+            <a:endParaRPr lang="en-US"/>
           </a:p>
           <a:p>
             <a:pPr lvl="2"/>
@@ -914,6 +919,7 @@
               <a:rPr lang="en-US"/>
               <a:t>Third level</a:t>
             </a:r>
+            <a:endParaRPr lang="en-US"/>
           </a:p>
           <a:p>
             <a:pPr lvl="3"/>
@@ -921,6 +927,7 @@
               <a:rPr lang="en-US"/>
               <a:t>Fourth level</a:t>
             </a:r>
+            <a:endParaRPr lang="en-US"/>
           </a:p>
           <a:p>
             <a:pPr lvl="4"/>
@@ -928,6 +935,7 @@
               <a:rPr lang="en-US"/>
               <a:t>Fifth level</a:t>
             </a:r>
+            <a:endParaRPr lang="en-US"/>
           </a:p>
         </p:txBody>
       </p:sp>
@@ -948,7 +956,6 @@
           <a:p>
             <a:fld id="{63A1C593-65D0-4073-BCC9-577B9352EA97}" type="datetimeFigureOut">
               <a:rPr lang="en-US" smtClean="0"/>
-              <a:t>9/13/2025</a:t>
             </a:fld>
             <a:endParaRPr lang="en-US"/>
           </a:p>
@@ -990,7 +997,6 @@
           <a:p>
             <a:fld id="{9B618960-8005-486C-9A75-10CB2AAC16F9}" type="slidenum">
               <a:rPr lang="en-US" smtClean="0"/>
-              <a:t>‹#›</a:t>
             </a:fld>
             <a:endParaRPr lang="en-US"/>
           </a:p>
@@ -1040,6 +1046,7 @@
               <a:rPr lang="en-US"/>
               <a:t>Click to edit Master title style</a:t>
             </a:r>
+            <a:endParaRPr lang="en-US"/>
           </a:p>
         </p:txBody>
       </p:sp>
@@ -1063,6 +1070,7 @@
               <a:rPr lang="en-US"/>
               <a:t>Click to edit Master text styles</a:t>
             </a:r>
+            <a:endParaRPr lang="en-US"/>
           </a:p>
           <a:p>
             <a:pPr lvl="1"/>
@@ -1070,6 +1078,7 @@
               <a:rPr lang="en-US"/>
               <a:t>Second level</a:t>
             </a:r>
+            <a:endParaRPr lang="en-US"/>
           </a:p>
           <a:p>
             <a:pPr lvl="2"/>
@@ -1077,6 +1086,7 @@
               <a:rPr lang="en-US"/>
               <a:t>Third level</a:t>
             </a:r>
+            <a:endParaRPr lang="en-US"/>
           </a:p>
           <a:p>
             <a:pPr lvl="3"/>
@@ -1084,6 +1094,7 @@
               <a:rPr lang="en-US"/>
               <a:t>Fourth level</a:t>
             </a:r>
+            <a:endParaRPr lang="en-US"/>
           </a:p>
           <a:p>
             <a:pPr lvl="4"/>
@@ -1091,6 +1102,7 @@
               <a:rPr lang="en-US"/>
               <a:t>Fifth level</a:t>
             </a:r>
+            <a:endParaRPr lang="en-US"/>
           </a:p>
         </p:txBody>
       </p:sp>
@@ -1111,7 +1123,6 @@
           <a:p>
             <a:fld id="{63A1C593-65D0-4073-BCC9-577B9352EA97}" type="datetimeFigureOut">
               <a:rPr lang="en-US" smtClean="0"/>
-              <a:t>9/13/2025</a:t>
             </a:fld>
             <a:endParaRPr lang="en-US"/>
           </a:p>
@@ -1153,7 +1164,6 @@
           <a:p>
             <a:fld id="{9B618960-8005-486C-9A75-10CB2AAC16F9}" type="slidenum">
               <a:rPr lang="en-US" smtClean="0"/>
-              <a:t>‹#›</a:t>
             </a:fld>
             <a:endParaRPr lang="en-US"/>
           </a:p>
@@ -1203,6 +1213,7 @@
               <a:rPr lang="en-US"/>
               <a:t>Click to edit Master title style</a:t>
             </a:r>
+            <a:endParaRPr lang="en-US"/>
           </a:p>
         </p:txBody>
       </p:sp>
@@ -1226,6 +1237,7 @@
               <a:rPr lang="en-US"/>
               <a:t>Click to edit Master text styles</a:t>
             </a:r>
+            <a:endParaRPr lang="en-US"/>
           </a:p>
           <a:p>
             <a:pPr lvl="1"/>
@@ -1233,6 +1245,7 @@
               <a:rPr lang="en-US"/>
               <a:t>Second level</a:t>
             </a:r>
+            <a:endParaRPr lang="en-US"/>
           </a:p>
           <a:p>
             <a:pPr lvl="2"/>
@@ -1240,6 +1253,7 @@
               <a:rPr lang="en-US"/>
               <a:t>Third level</a:t>
             </a:r>
+            <a:endParaRPr lang="en-US"/>
           </a:p>
           <a:p>
             <a:pPr lvl="3"/>
@@ -1247,6 +1261,7 @@
               <a:rPr lang="en-US"/>
               <a:t>Fourth level</a:t>
             </a:r>
+            <a:endParaRPr lang="en-US"/>
           </a:p>
           <a:p>
             <a:pPr lvl="4"/>
@@ -1254,6 +1269,7 @@
               <a:rPr lang="en-US"/>
               <a:t>Fifth level</a:t>
             </a:r>
+            <a:endParaRPr lang="en-US"/>
           </a:p>
         </p:txBody>
       </p:sp>
@@ -1274,7 +1290,6 @@
           <a:p>
             <a:fld id="{63A1C593-65D0-4073-BCC9-577B9352EA97}" type="datetimeFigureOut">
               <a:rPr lang="en-US" smtClean="0"/>
-              <a:t>9/13/2025</a:t>
             </a:fld>
             <a:endParaRPr lang="en-US"/>
           </a:p>
@@ -1316,7 +1331,6 @@
           <a:p>
             <a:fld id="{9B618960-8005-486C-9A75-10CB2AAC16F9}" type="slidenum">
               <a:rPr lang="en-US" smtClean="0"/>
-              <a:t>‹#›</a:t>
             </a:fld>
             <a:endParaRPr lang="en-US"/>
           </a:p>
@@ -1375,6 +1389,7 @@
               <a:rPr lang="en-US"/>
               <a:t>Click to edit Master title style</a:t>
             </a:r>
+            <a:endParaRPr lang="en-US"/>
           </a:p>
         </p:txBody>
       </p:sp>
@@ -1494,6 +1509,7 @@
               <a:rPr lang="en-US"/>
               <a:t>Click to edit Master text styles</a:t>
             </a:r>
+            <a:endParaRPr lang="en-US"/>
           </a:p>
         </p:txBody>
       </p:sp>
@@ -1514,7 +1530,6 @@
           <a:p>
             <a:fld id="{63A1C593-65D0-4073-BCC9-577B9352EA97}" type="datetimeFigureOut">
               <a:rPr lang="en-US" smtClean="0"/>
-              <a:t>9/13/2025</a:t>
             </a:fld>
             <a:endParaRPr lang="en-US"/>
           </a:p>
@@ -1556,7 +1571,6 @@
           <a:p>
             <a:fld id="{9B618960-8005-486C-9A75-10CB2AAC16F9}" type="slidenum">
               <a:rPr lang="en-US" smtClean="0"/>
-              <a:t>‹#›</a:t>
             </a:fld>
             <a:endParaRPr lang="en-US"/>
           </a:p>
@@ -1606,6 +1620,7 @@
               <a:rPr lang="en-US"/>
               <a:t>Click to edit Master title style</a:t>
             </a:r>
+            <a:endParaRPr lang="en-US"/>
           </a:p>
         </p:txBody>
       </p:sp>
@@ -1634,6 +1649,7 @@
               <a:rPr lang="en-US"/>
               <a:t>Click to edit Master text styles</a:t>
             </a:r>
+            <a:endParaRPr lang="en-US"/>
           </a:p>
           <a:p>
             <a:pPr lvl="1"/>
@@ -1641,6 +1657,7 @@
               <a:rPr lang="en-US"/>
               <a:t>Second level</a:t>
             </a:r>
+            <a:endParaRPr lang="en-US"/>
           </a:p>
           <a:p>
             <a:pPr lvl="2"/>
@@ -1648,6 +1665,7 @@
               <a:rPr lang="en-US"/>
               <a:t>Third level</a:t>
             </a:r>
+            <a:endParaRPr lang="en-US"/>
           </a:p>
           <a:p>
             <a:pPr lvl="3"/>
@@ -1655,6 +1673,7 @@
               <a:rPr lang="en-US"/>
               <a:t>Fourth level</a:t>
             </a:r>
+            <a:endParaRPr lang="en-US"/>
           </a:p>
           <a:p>
             <a:pPr lvl="4"/>
@@ -1662,6 +1681,7 @@
               <a:rPr lang="en-US"/>
               <a:t>Fifth level</a:t>
             </a:r>
+            <a:endParaRPr lang="en-US"/>
           </a:p>
         </p:txBody>
       </p:sp>
@@ -1690,6 +1710,7 @@
               <a:rPr lang="en-US"/>
               <a:t>Click to edit Master text styles</a:t>
             </a:r>
+            <a:endParaRPr lang="en-US"/>
           </a:p>
           <a:p>
             <a:pPr lvl="1"/>
@@ -1697,6 +1718,7 @@
               <a:rPr lang="en-US"/>
               <a:t>Second level</a:t>
             </a:r>
+            <a:endParaRPr lang="en-US"/>
           </a:p>
           <a:p>
             <a:pPr lvl="2"/>
@@ -1704,6 +1726,7 @@
               <a:rPr lang="en-US"/>
               <a:t>Third level</a:t>
             </a:r>
+            <a:endParaRPr lang="en-US"/>
           </a:p>
           <a:p>
             <a:pPr lvl="3"/>
@@ -1711,6 +1734,7 @@
               <a:rPr lang="en-US"/>
               <a:t>Fourth level</a:t>
             </a:r>
+            <a:endParaRPr lang="en-US"/>
           </a:p>
           <a:p>
             <a:pPr lvl="4"/>
@@ -1718,6 +1742,7 @@
               <a:rPr lang="en-US"/>
               <a:t>Fifth level</a:t>
             </a:r>
+            <a:endParaRPr lang="en-US"/>
           </a:p>
         </p:txBody>
       </p:sp>
@@ -1738,7 +1763,6 @@
           <a:p>
             <a:fld id="{63A1C593-65D0-4073-BCC9-577B9352EA97}" type="datetimeFigureOut">
               <a:rPr lang="en-US" smtClean="0"/>
-              <a:t>9/13/2025</a:t>
             </a:fld>
             <a:endParaRPr lang="en-US"/>
           </a:p>
@@ -1780,7 +1804,6 @@
           <a:p>
             <a:fld id="{9B618960-8005-486C-9A75-10CB2AAC16F9}" type="slidenum">
               <a:rPr lang="en-US" smtClean="0"/>
-              <a:t>‹#›</a:t>
             </a:fld>
             <a:endParaRPr lang="en-US"/>
           </a:p>
@@ -1835,6 +1858,7 @@
               <a:rPr lang="en-US"/>
               <a:t>Click to edit Master title style</a:t>
             </a:r>
+            <a:endParaRPr lang="en-US"/>
           </a:p>
         </p:txBody>
       </p:sp>
@@ -1900,6 +1924,7 @@
               <a:rPr lang="en-US"/>
               <a:t>Click to edit Master text styles</a:t>
             </a:r>
+            <a:endParaRPr lang="en-US"/>
           </a:p>
         </p:txBody>
       </p:sp>
@@ -1928,6 +1953,7 @@
               <a:rPr lang="en-US"/>
               <a:t>Click to edit Master text styles</a:t>
             </a:r>
+            <a:endParaRPr lang="en-US"/>
           </a:p>
           <a:p>
             <a:pPr lvl="1"/>
@@ -1935,6 +1961,7 @@
               <a:rPr lang="en-US"/>
               <a:t>Second level</a:t>
             </a:r>
+            <a:endParaRPr lang="en-US"/>
           </a:p>
           <a:p>
             <a:pPr lvl="2"/>
@@ -1942,6 +1969,7 @@
               <a:rPr lang="en-US"/>
               <a:t>Third level</a:t>
             </a:r>
+            <a:endParaRPr lang="en-US"/>
           </a:p>
           <a:p>
             <a:pPr lvl="3"/>
@@ -1949,6 +1977,7 @@
               <a:rPr lang="en-US"/>
               <a:t>Fourth level</a:t>
             </a:r>
+            <a:endParaRPr lang="en-US"/>
           </a:p>
           <a:p>
             <a:pPr lvl="4"/>
@@ -1956,6 +1985,7 @@
               <a:rPr lang="en-US"/>
               <a:t>Fifth level</a:t>
             </a:r>
+            <a:endParaRPr lang="en-US"/>
           </a:p>
         </p:txBody>
       </p:sp>
@@ -2021,6 +2051,7 @@
               <a:rPr lang="en-US"/>
               <a:t>Click to edit Master text styles</a:t>
             </a:r>
+            <a:endParaRPr lang="en-US"/>
           </a:p>
         </p:txBody>
       </p:sp>
@@ -2049,6 +2080,7 @@
               <a:rPr lang="en-US"/>
               <a:t>Click to edit Master text styles</a:t>
             </a:r>
+            <a:endParaRPr lang="en-US"/>
           </a:p>
           <a:p>
             <a:pPr lvl="1"/>
@@ -2056,6 +2088,7 @@
               <a:rPr lang="en-US"/>
               <a:t>Second level</a:t>
             </a:r>
+            <a:endParaRPr lang="en-US"/>
           </a:p>
           <a:p>
             <a:pPr lvl="2"/>
@@ -2063,6 +2096,7 @@
               <a:rPr lang="en-US"/>
               <a:t>Third level</a:t>
             </a:r>
+            <a:endParaRPr lang="en-US"/>
           </a:p>
           <a:p>
             <a:pPr lvl="3"/>
@@ -2070,6 +2104,7 @@
               <a:rPr lang="en-US"/>
               <a:t>Fourth level</a:t>
             </a:r>
+            <a:endParaRPr lang="en-US"/>
           </a:p>
           <a:p>
             <a:pPr lvl="4"/>
@@ -2077,6 +2112,7 @@
               <a:rPr lang="en-US"/>
               <a:t>Fifth level</a:t>
             </a:r>
+            <a:endParaRPr lang="en-US"/>
           </a:p>
         </p:txBody>
       </p:sp>
@@ -2097,7 +2133,6 @@
           <a:p>
             <a:fld id="{63A1C593-65D0-4073-BCC9-577B9352EA97}" type="datetimeFigureOut">
               <a:rPr lang="en-US" smtClean="0"/>
-              <a:t>9/13/2025</a:t>
             </a:fld>
             <a:endParaRPr lang="en-US"/>
           </a:p>
@@ -2139,7 +2174,6 @@
           <a:p>
             <a:fld id="{9B618960-8005-486C-9A75-10CB2AAC16F9}" type="slidenum">
               <a:rPr lang="en-US" smtClean="0"/>
-              <a:t>‹#›</a:t>
             </a:fld>
             <a:endParaRPr lang="en-US"/>
           </a:p>
@@ -2189,6 +2223,7 @@
               <a:rPr lang="en-US"/>
               <a:t>Click to edit Master title style</a:t>
             </a:r>
+            <a:endParaRPr lang="en-US"/>
           </a:p>
         </p:txBody>
       </p:sp>
@@ -2209,7 +2244,6 @@
           <a:p>
             <a:fld id="{63A1C593-65D0-4073-BCC9-577B9352EA97}" type="datetimeFigureOut">
               <a:rPr lang="en-US" smtClean="0"/>
-              <a:t>9/13/2025</a:t>
             </a:fld>
             <a:endParaRPr lang="en-US"/>
           </a:p>
@@ -2251,7 +2285,6 @@
           <a:p>
             <a:fld id="{9B618960-8005-486C-9A75-10CB2AAC16F9}" type="slidenum">
               <a:rPr lang="en-US" smtClean="0"/>
-              <a:t>‹#›</a:t>
             </a:fld>
             <a:endParaRPr lang="en-US"/>
           </a:p>
@@ -2299,7 +2332,6 @@
           <a:p>
             <a:fld id="{63A1C593-65D0-4073-BCC9-577B9352EA97}" type="datetimeFigureOut">
               <a:rPr lang="en-US" smtClean="0"/>
-              <a:t>9/13/2025</a:t>
             </a:fld>
             <a:endParaRPr lang="en-US"/>
           </a:p>
@@ -2341,7 +2373,6 @@
           <a:p>
             <a:fld id="{9B618960-8005-486C-9A75-10CB2AAC16F9}" type="slidenum">
               <a:rPr lang="en-US" smtClean="0"/>
-              <a:t>‹#›</a:t>
             </a:fld>
             <a:endParaRPr lang="en-US"/>
           </a:p>
@@ -2400,6 +2431,7 @@
               <a:rPr lang="en-US"/>
               <a:t>Click to edit Master title style</a:t>
             </a:r>
+            <a:endParaRPr lang="en-US"/>
           </a:p>
         </p:txBody>
       </p:sp>
@@ -2456,6 +2488,7 @@
               <a:rPr lang="en-US"/>
               <a:t>Click to edit Master text styles</a:t>
             </a:r>
+            <a:endParaRPr lang="en-US"/>
           </a:p>
           <a:p>
             <a:pPr lvl="1"/>
@@ -2463,6 +2496,7 @@
               <a:rPr lang="en-US"/>
               <a:t>Second level</a:t>
             </a:r>
+            <a:endParaRPr lang="en-US"/>
           </a:p>
           <a:p>
             <a:pPr lvl="2"/>
@@ -2470,6 +2504,7 @@
               <a:rPr lang="en-US"/>
               <a:t>Third level</a:t>
             </a:r>
+            <a:endParaRPr lang="en-US"/>
           </a:p>
           <a:p>
             <a:pPr lvl="3"/>
@@ -2477,6 +2512,7 @@
               <a:rPr lang="en-US"/>
               <a:t>Fourth level</a:t>
             </a:r>
+            <a:endParaRPr lang="en-US"/>
           </a:p>
           <a:p>
             <a:pPr lvl="4"/>
@@ -2484,6 +2520,7 @@
               <a:rPr lang="en-US"/>
               <a:t>Fifth level</a:t>
             </a:r>
+            <a:endParaRPr lang="en-US"/>
           </a:p>
         </p:txBody>
       </p:sp>
@@ -2549,6 +2586,7 @@
               <a:rPr lang="en-US"/>
               <a:t>Click to edit Master text styles</a:t>
             </a:r>
+            <a:endParaRPr lang="en-US"/>
           </a:p>
         </p:txBody>
       </p:sp>
@@ -2569,7 +2607,6 @@
           <a:p>
             <a:fld id="{63A1C593-65D0-4073-BCC9-577B9352EA97}" type="datetimeFigureOut">
               <a:rPr lang="en-US" smtClean="0"/>
-              <a:t>9/13/2025</a:t>
             </a:fld>
             <a:endParaRPr lang="en-US"/>
           </a:p>
@@ -2611,7 +2648,6 @@
           <a:p>
             <a:fld id="{9B618960-8005-486C-9A75-10CB2AAC16F9}" type="slidenum">
               <a:rPr lang="en-US" smtClean="0"/>
-              <a:t>‹#›</a:t>
             </a:fld>
             <a:endParaRPr lang="en-US"/>
           </a:p>
@@ -2670,6 +2706,7 @@
               <a:rPr lang="en-US"/>
               <a:t>Click to edit Master title style</a:t>
             </a:r>
+            <a:endParaRPr lang="en-US"/>
           </a:p>
         </p:txBody>
       </p:sp>
@@ -2796,6 +2833,7 @@
               <a:rPr lang="en-US"/>
               <a:t>Click to edit Master text styles</a:t>
             </a:r>
+            <a:endParaRPr lang="en-US"/>
           </a:p>
         </p:txBody>
       </p:sp>
@@ -2816,7 +2854,6 @@
           <a:p>
             <a:fld id="{63A1C593-65D0-4073-BCC9-577B9352EA97}" type="datetimeFigureOut">
               <a:rPr lang="en-US" smtClean="0"/>
-              <a:t>9/13/2025</a:t>
             </a:fld>
             <a:endParaRPr lang="en-US"/>
           </a:p>
@@ -2858,7 +2895,6 @@
           <a:p>
             <a:fld id="{9B618960-8005-486C-9A75-10CB2AAC16F9}" type="slidenum">
               <a:rPr lang="en-US" smtClean="0"/>
-              <a:t>‹#›</a:t>
             </a:fld>
             <a:endParaRPr lang="en-US"/>
           </a:p>
@@ -2923,6 +2959,7 @@
               <a:rPr lang="en-US"/>
               <a:t>Click to edit Master title style</a:t>
             </a:r>
+            <a:endParaRPr lang="en-US"/>
           </a:p>
         </p:txBody>
       </p:sp>
@@ -2956,6 +2993,7 @@
               <a:rPr lang="en-US"/>
               <a:t>Click to edit Master text styles</a:t>
             </a:r>
+            <a:endParaRPr lang="en-US"/>
           </a:p>
           <a:p>
             <a:pPr lvl="1"/>
@@ -2963,6 +3001,7 @@
               <a:rPr lang="en-US"/>
               <a:t>Second level</a:t>
             </a:r>
+            <a:endParaRPr lang="en-US"/>
           </a:p>
           <a:p>
             <a:pPr lvl="2"/>
@@ -2970,6 +3009,7 @@
               <a:rPr lang="en-US"/>
               <a:t>Third level</a:t>
             </a:r>
+            <a:endParaRPr lang="en-US"/>
           </a:p>
           <a:p>
             <a:pPr lvl="3"/>
@@ -2977,6 +3017,7 @@
               <a:rPr lang="en-US"/>
               <a:t>Fourth level</a:t>
             </a:r>
+            <a:endParaRPr lang="en-US"/>
           </a:p>
           <a:p>
             <a:pPr lvl="4"/>
@@ -2984,6 +3025,7 @@
               <a:rPr lang="en-US"/>
               <a:t>Fifth level</a:t>
             </a:r>
+            <a:endParaRPr lang="en-US"/>
           </a:p>
         </p:txBody>
       </p:sp>
@@ -3022,7 +3064,6 @@
           <a:p>
             <a:fld id="{63A1C593-65D0-4073-BCC9-577B9352EA97}" type="datetimeFigureOut">
               <a:rPr lang="en-US" smtClean="0"/>
-              <a:t>9/13/2025</a:t>
             </a:fld>
             <a:endParaRPr lang="en-US"/>
           </a:p>
@@ -3100,7 +3141,6 @@
           <a:p>
             <a:fld id="{9B618960-8005-486C-9A75-10CB2AAC16F9}" type="slidenum">
               <a:rPr lang="en-US" smtClean="0"/>
-              <a:t>‹#›</a:t>
             </a:fld>
             <a:endParaRPr lang="en-US"/>
           </a:p>
@@ -3468,7 +3508,7 @@
           <p:nvPr/>
         </p:nvPicPr>
         <p:blipFill>
-          <a:blip r:embed="rId2"/>
+          <a:blip r:embed="rId1"/>
           <a:stretch>
             <a:fillRect/>
           </a:stretch>
@@ -3595,6 +3635,22 @@
               </a:rPr>
               <a:t> </a:t>
             </a:r>
+            <a:endParaRPr sz="1600" b="1">
+              <a:solidFill>
+                <a:srgbClr val="FF0000"/>
+              </a:solidFill>
+              <a:effectLst>
+                <a:outerShdw blurRad="38100" dist="38100" dir="2700000" algn="tl">
+                  <a:srgbClr val="000000">
+                    <a:alpha val="43137"/>
+                  </a:srgbClr>
+                </a:outerShdw>
+              </a:effectLst>
+              <a:latin typeface="Arial" panose="020B0604020202020204" pitchFamily="34" charset="0"/>
+              <a:ea typeface="Google Sans"/>
+              <a:cs typeface="Arial" panose="020B0604020202020204" pitchFamily="34" charset="0"/>
+              <a:sym typeface="+mn-ea"/>
+            </a:endParaRPr>
           </a:p>
           <a:p>
             <a:pPr marL="0" indent="0">
@@ -4065,6 +4121,15 @@
               </a:rPr>
               <a:t>Momentum, RMSprop, Adam optimizer, and Learning rate scheduling. </a:t>
             </a:r>
+            <a:endParaRPr sz="1600">
+              <a:solidFill>
+                <a:srgbClr val="001D35"/>
+              </a:solidFill>
+              <a:latin typeface="Arial" panose="020B0604020202020204" pitchFamily="34" charset="0"/>
+              <a:ea typeface="Google Sans"/>
+              <a:cs typeface="Arial" panose="020B0604020202020204" pitchFamily="34" charset="0"/>
+              <a:sym typeface="+mn-ea"/>
+            </a:endParaRPr>
           </a:p>
           <a:p>
             <a:pPr marL="0" indent="0">
@@ -4892,14 +4957,7 @@
               </a:rPr>
               <a:t>Introduction to Deep Learning</a:t>
             </a:r>
-          </a:p>
-          <a:p>
-            <a:r>
-              <a:t>Deep Learning (DL) is a subset of Machine Learning that utilizes artificial neural networks with multiple layers to learn complex patterns in data. It enables high-level feature extraction from raw data and is the foundation for many modern </a:t>
-            </a:r>
-          </a:p>
-          <a:p>
-            <a:endParaRPr sz="2800" b="1">
+            <a:endParaRPr sz="2400" b="1">
               <a:solidFill>
                 <a:srgbClr val="FF0000"/>
               </a:solidFill>
@@ -4914,6 +4972,25 @@
           </a:p>
           <a:p>
             <a:r>
+              <a:t>Deep Learning (DL) is a subset of Machine Learning that utilizes artificial neural networks with multiple layers to learn complex patterns in data. It enables high-level feature extraction from raw data and is the foundation for many modern </a:t>
+            </a:r>
+          </a:p>
+          <a:p>
+            <a:endParaRPr sz="2800" b="1">
+              <a:solidFill>
+                <a:srgbClr val="FF0000"/>
+              </a:solidFill>
+              <a:effectLst>
+                <a:outerShdw blurRad="38100" dist="38100" dir="2700000" algn="tl">
+                  <a:srgbClr val="000000">
+                    <a:alpha val="43137"/>
+                  </a:srgbClr>
+                </a:outerShdw>
+              </a:effectLst>
+            </a:endParaRPr>
+          </a:p>
+          <a:p>
+            <a:r>
               <a:rPr sz="2800" b="1">
                 <a:solidFill>
                   <a:srgbClr val="FF0000"/>
@@ -4928,8 +5005,6 @@
               </a:rPr>
               <a:t>AI applications.</a:t>
             </a:r>
-          </a:p>
-          <a:p>
             <a:endParaRPr sz="2800" b="1">
               <a:solidFill>
                 <a:srgbClr val="FF0000"/>
@@ -4944,6 +5019,20 @@
             </a:endParaRPr>
           </a:p>
           <a:p>
+            <a:endParaRPr sz="2800" b="1">
+              <a:solidFill>
+                <a:srgbClr val="FF0000"/>
+              </a:solidFill>
+              <a:effectLst>
+                <a:outerShdw blurRad="38100" dist="38100" dir="2700000" algn="tl">
+                  <a:srgbClr val="000000">
+                    <a:alpha val="43137"/>
+                  </a:srgbClr>
+                </a:outerShdw>
+              </a:effectLst>
+            </a:endParaRPr>
+          </a:p>
+          <a:p>
             <a:r>
               <a:t>Key Aspects of Deep Learning:</a:t>
             </a:r>
@@ -4962,7 +5051,6 @@
               <a:buFont typeface="Arial" panose="020B0604020202020204"/>
               <a:buChar char="•"/>
             </a:pPr>
-            <a:endParaRPr/>
           </a:p>
           <a:p>
             <a:pPr>
@@ -4978,7 +5066,6 @@
               <a:buFont typeface="Arial" panose="020B0604020202020204"/>
               <a:buChar char="•"/>
             </a:pPr>
-            <a:endParaRPr/>
           </a:p>
           <a:p>
             <a:pPr>
@@ -5023,7 +5110,7 @@
           <p:nvPr/>
         </p:nvPicPr>
         <p:blipFill>
-          <a:blip r:embed="rId2"/>
+          <a:blip r:embed="rId1"/>
           <a:stretch>
             <a:fillRect/>
           </a:stretch>
@@ -5099,6 +5186,13 @@
               </a:rPr>
               <a:t>Artificial Neural Network </a:t>
             </a:r>
+            <a:endParaRPr sz="2900" b="1">
+              <a:solidFill>
+                <a:srgbClr val="231F20"/>
+              </a:solidFill>
+              <a:latin typeface="RctvjbXddlcgHrcvdjHelveticaNeueLTStd-BdCn"/>
+              <a:ea typeface="RctvjbXddlcgHrcvdjHelveticaNeueLTStd-BdCn"/>
+            </a:endParaRPr>
           </a:p>
           <a:p>
             <a:pPr algn="just"/>
@@ -5152,6 +5246,13 @@
               </a:rPr>
               <a:t>computational network (a system of nodes and the interconnection between nodes) inspired by biological neural networks, which are the complex networks of neurons in human brains (see Figure). </a:t>
             </a:r>
+            <a:endParaRPr sz="2000">
+              <a:solidFill>
+                <a:srgbClr val="231F20"/>
+              </a:solidFill>
+              <a:ea typeface="QkdyncPgkddySjtfmrUtopiaStd"/>
+              <a:cs typeface="+mn-lt"/>
+            </a:endParaRPr>
           </a:p>
           <a:p>
             <a:pPr algn="just"/>
@@ -5175,6 +5276,13 @@
               </a:rPr>
               <a:t>The nodes created in the ANN are supposedly programmed to behave like actual neurons, and hence they are artificial neurons.</a:t>
             </a:r>
+            <a:endParaRPr sz="2000">
+              <a:solidFill>
+                <a:srgbClr val="231F20"/>
+              </a:solidFill>
+              <a:ea typeface="QkdyncPgkddySjtfmrUtopiaStd"/>
+              <a:cs typeface="+mn-lt"/>
+            </a:endParaRPr>
           </a:p>
         </p:txBody>
       </p:sp>
@@ -5236,6 +5344,9 @@
               </a:rPr>
               <a:t>https://medium.com/towards-data-science/what-the-hell-is-perceptron-626217814f53</a:t>
             </a:r>
+            <a:endParaRPr lang="en-US" altLang="en-US">
+              <a:sym typeface="+mn-ea"/>
+            </a:endParaRPr>
           </a:p>
         </p:txBody>
       </p:sp>
@@ -5300,12 +5411,25 @@
               </a:rPr>
               <a:t>Types of Neural Networks</a:t>
             </a:r>
+            <a:endParaRPr sz="2400" b="1">
+              <a:solidFill>
+                <a:srgbClr val="FF0000"/>
+              </a:solidFill>
+              <a:effectLst>
+                <a:outerShdw blurRad="38100" dist="38100" dir="2700000" algn="tl">
+                  <a:srgbClr val="000000">
+                    <a:alpha val="43137"/>
+                  </a:srgbClr>
+                </a:outerShdw>
+              </a:effectLst>
+            </a:endParaRPr>
           </a:p>
           <a:p>
             <a:r>
               <a:rPr sz="1600"/>
               <a:t>Deep learning includes various types of neural networks optimized for specific tasks:</a:t>
             </a:r>
+            <a:endParaRPr sz="1600"/>
           </a:p>
           <a:p>
             <a:endParaRPr sz="1600"/>
@@ -5318,6 +5442,7 @@
               <a:rPr lang="en-US" sz="1600" b="1"/>
               <a:t>Perceptron (Single Neuron )</a:t>
             </a:r>
+            <a:endParaRPr lang="en-US" sz="1600" b="1"/>
           </a:p>
           <a:p>
             <a:pPr>
@@ -5327,6 +5452,7 @@
               <a:rPr lang="en-US" sz="1600" b="1"/>
               <a:t>Multi Layer Perceptron (Multiple Neuron)</a:t>
             </a:r>
+            <a:endParaRPr lang="en-US" sz="1600" b="1"/>
           </a:p>
           <a:p>
             <a:pPr>
@@ -5346,6 +5472,7 @@
               <a:rPr sz="1600" b="1"/>
               <a:t>Feedforward Neural Networks (FNN):</a:t>
             </a:r>
+            <a:endParaRPr sz="1600" b="1"/>
           </a:p>
           <a:p>
             <a:pPr lvl="1">
@@ -5356,6 +5483,7 @@
               <a:rPr sz="1600"/>
               <a:t>Basic architecture where information moves in one direction.</a:t>
             </a:r>
+            <a:endParaRPr sz="1600"/>
           </a:p>
           <a:p>
             <a:pPr lvl="1">
@@ -5366,6 +5494,7 @@
               <a:rPr sz="1600"/>
               <a:t>Used in classification and regression tasks.</a:t>
             </a:r>
+            <a:endParaRPr sz="1600"/>
           </a:p>
           <a:p>
             <a:pPr lvl="1">
@@ -5382,6 +5511,7 @@
               <a:rPr sz="1600" b="1"/>
               <a:t>Convolutional Neural Networks (CNN):</a:t>
             </a:r>
+            <a:endParaRPr sz="1600" b="1"/>
           </a:p>
           <a:p>
             <a:pPr lvl="1">
@@ -5392,6 +5522,7 @@
               <a:rPr sz="1600"/>
               <a:t>Specialized for image processing tasks.</a:t>
             </a:r>
+            <a:endParaRPr sz="1600"/>
           </a:p>
           <a:p>
             <a:pPr lvl="1">
@@ -5402,6 +5533,7 @@
               <a:rPr sz="1600"/>
               <a:t>Uses convolutional layers to detect spatial features.</a:t>
             </a:r>
+            <a:endParaRPr sz="1600"/>
           </a:p>
           <a:p>
             <a:pPr>
@@ -5411,6 +5543,7 @@
               <a:rPr sz="1600" b="1"/>
               <a:t>Recurrent Neural Networks (RNN):</a:t>
             </a:r>
+            <a:endParaRPr sz="1600" b="1"/>
           </a:p>
           <a:p>
             <a:pPr lvl="1">
@@ -5421,6 +5554,7 @@
               <a:rPr sz="1600"/>
               <a:t>Designed for sequential data like time series and speech.</a:t>
             </a:r>
+            <a:endParaRPr sz="1600"/>
           </a:p>
           <a:p>
             <a:pPr lvl="1">
@@ -5431,6 +5565,7 @@
               <a:rPr sz="1600"/>
               <a:t>Uses loops and memory to retain information from previous inputs.</a:t>
             </a:r>
+            <a:endParaRPr sz="1600"/>
           </a:p>
           <a:p>
             <a:pPr>
@@ -5440,6 +5575,7 @@
               <a:rPr sz="1600" b="1"/>
               <a:t>Long Short-Term Memory (LSTM):</a:t>
             </a:r>
+            <a:endParaRPr sz="1600" b="1"/>
           </a:p>
           <a:p>
             <a:pPr lvl="1">
@@ -5450,6 +5586,7 @@
               <a:rPr sz="1600"/>
               <a:t>A type of RNN that solves the vanishing gradient problem.</a:t>
             </a:r>
+            <a:endParaRPr sz="1600"/>
           </a:p>
           <a:p>
             <a:pPr lvl="1">
@@ -5460,6 +5597,7 @@
               <a:rPr sz="1600"/>
               <a:t>Used in text generation, language modeling, and speech recognition.</a:t>
             </a:r>
+            <a:endParaRPr sz="1600"/>
           </a:p>
           <a:p>
             <a:pPr>
@@ -5544,6 +5682,9 @@
               </a:rPr>
               <a:t>Consist of a generator and a discriminator that compete to generate realistic data.</a:t>
             </a:r>
+            <a:endParaRPr>
+              <a:sym typeface="+mn-ea"/>
+            </a:endParaRPr>
           </a:p>
           <a:p>
             <a:pPr lvl="1">
@@ -5556,6 +5697,9 @@
               </a:rPr>
               <a:t>Used in AI-generated art, deepfake videos, and data augmentation.</a:t>
             </a:r>
+            <a:endParaRPr>
+              <a:sym typeface="+mn-ea"/>
+            </a:endParaRPr>
           </a:p>
           <a:p>
             <a:r>
@@ -5598,6 +5742,9 @@
               </a:rPr>
               <a:t>Backword Propagations</a:t>
             </a:r>
+            <a:endParaRPr lang="en-US" sz="1600">
+              <a:sym typeface="+mn-ea"/>
+            </a:endParaRPr>
           </a:p>
         </p:txBody>
       </p:sp>
@@ -5633,7 +5780,7 @@
           <p:nvPr/>
         </p:nvPicPr>
         <p:blipFill>
-          <a:blip r:embed="rId2"/>
+          <a:blip r:embed="rId1"/>
           <a:stretch>
             <a:fillRect/>
           </a:stretch>
@@ -5684,6 +5831,18 @@
               </a:rPr>
               <a:t>Perceptron Model</a:t>
             </a:r>
+            <a:endParaRPr b="1">
+              <a:solidFill>
+                <a:srgbClr val="FF0000"/>
+              </a:solidFill>
+              <a:effectLst>
+                <a:outerShdw blurRad="38100" dist="38100" dir="2700000" algn="tl">
+                  <a:srgbClr val="000000">
+                    <a:alpha val="43137"/>
+                  </a:srgbClr>
+                </a:outerShdw>
+              </a:effectLst>
+            </a:endParaRPr>
           </a:p>
           <a:p>
             <a:r>
@@ -5710,6 +5869,18 @@
               </a:rPr>
               <a:t>Components of a Perceptron:</a:t>
             </a:r>
+            <a:endParaRPr b="1">
+              <a:solidFill>
+                <a:srgbClr val="FF0000"/>
+              </a:solidFill>
+              <a:effectLst>
+                <a:outerShdw blurRad="38100" dist="38100" dir="2700000" algn="tl">
+                  <a:srgbClr val="000000">
+                    <a:alpha val="43137"/>
+                  </a:srgbClr>
+                </a:outerShdw>
+              </a:effectLst>
+            </a:endParaRPr>
           </a:p>
           <a:p>
             <a:pPr lvl="1">
@@ -5768,7 +5939,6 @@
               <a:buFont typeface="Arial" panose="020B0604020202020204"/>
               <a:buNone/>
             </a:pPr>
-            <a:endParaRPr/>
           </a:p>
         </p:txBody>
       </p:sp>
@@ -5856,6 +6026,14 @@
               </a:rPr>
               <a:t>“.</a:t>
             </a:r>
+            <a:endParaRPr sz="1400" b="0" i="0">
+              <a:solidFill>
+                <a:srgbClr val="000000"/>
+              </a:solidFill>
+              <a:latin typeface="Calibri" panose="020F0502020204030204" charset="0"/>
+              <a:ea typeface="Rubik"/>
+              <a:cs typeface="Calibri" panose="020F0502020204030204" charset="0"/>
+            </a:endParaRPr>
           </a:p>
         </p:txBody>
       </p:sp>
@@ -5891,7 +6069,7 @@
           <p:nvPr/>
         </p:nvPicPr>
         <p:blipFill>
-          <a:blip r:embed="rId2"/>
+          <a:blip r:embed="rId1"/>
           <a:stretch>
             <a:fillRect/>
           </a:stretch>
@@ -5948,12 +6126,6 @@
               </a:rPr>
               <a:t>Types of Perceptron Models:</a:t>
             </a:r>
-          </a:p>
-          <a:p>
-            <a:pPr indent="0">
-              <a:buFont typeface="Arial" panose="020B0604020202020204"/>
-              <a:buNone/>
-            </a:pPr>
             <a:endParaRPr sz="2400" b="1">
               <a:solidFill>
                 <a:srgbClr val="FF0000"/>
@@ -5965,6 +6137,25 @@
                   </a:srgbClr>
                 </a:outerShdw>
               </a:effectLst>
+              <a:sym typeface="+mn-ea"/>
+            </a:endParaRPr>
+          </a:p>
+          <a:p>
+            <a:pPr indent="0">
+              <a:buFont typeface="Arial" panose="020B0604020202020204"/>
+              <a:buNone/>
+            </a:pPr>
+            <a:endParaRPr sz="2400" b="1">
+              <a:solidFill>
+                <a:srgbClr val="FF0000"/>
+              </a:solidFill>
+              <a:effectLst>
+                <a:outerShdw blurRad="38100" dist="38100" dir="2700000" algn="tl">
+                  <a:srgbClr val="000000">
+                    <a:alpha val="43137"/>
+                  </a:srgbClr>
+                </a:outerShdw>
+              </a:effectLst>
             </a:endParaRPr>
           </a:p>
           <a:p>
@@ -6039,7 +6230,7 @@
           <p:nvPr/>
         </p:nvPicPr>
         <p:blipFill>
-          <a:blip r:embed="rId3"/>
+          <a:blip r:embed="rId2"/>
           <a:srcRect l="16227" t="19455" r="15667" b="20687"/>
           <a:stretch>
             <a:fillRect/>
@@ -6106,6 +6297,10 @@
               </a:rPr>
               <a:t> </a:t>
             </a:r>
+            <a:endParaRPr sz="1600" b="0" i="0">
+              <a:latin typeface="Manrope"/>
+              <a:ea typeface="Manrope"/>
+            </a:endParaRPr>
           </a:p>
           <a:p>
             <a:pPr marL="0" indent="0"/>
@@ -6119,6 +6314,13 @@
               </a:rPr>
               <a:t>the basic elements of the network's architecture. </a:t>
             </a:r>
+            <a:endParaRPr b="0" i="0">
+              <a:solidFill>
+                <a:srgbClr val="292929"/>
+              </a:solidFill>
+              <a:latin typeface="Inter"/>
+              <a:ea typeface="Inter"/>
+            </a:endParaRPr>
           </a:p>
           <a:p>
             <a:pPr marL="0" indent="0"/>
@@ -6132,6 +6334,13 @@
               </a:rPr>
               <a:t> made of three core layers:</a:t>
             </a:r>
+            <a:endParaRPr b="1" i="0">
+              <a:solidFill>
+                <a:srgbClr val="292929"/>
+              </a:solidFill>
+              <a:latin typeface="Inter"/>
+              <a:ea typeface="Inter"/>
+            </a:endParaRPr>
           </a:p>
           <a:p>
             <a:pPr marL="0" indent="0">
@@ -6147,6 +6356,13 @@
               </a:rPr>
               <a:t>Input layer</a:t>
             </a:r>
+            <a:endParaRPr b="0" i="0">
+              <a:solidFill>
+                <a:srgbClr val="292929"/>
+              </a:solidFill>
+              <a:latin typeface="Inter"/>
+              <a:ea typeface="Inter"/>
+            </a:endParaRPr>
           </a:p>
           <a:p>
             <a:pPr marL="0" indent="0">
@@ -6162,6 +6378,13 @@
               </a:rPr>
               <a:t>Hidden layers </a:t>
             </a:r>
+            <a:endParaRPr b="0" i="0">
+              <a:solidFill>
+                <a:srgbClr val="292929"/>
+              </a:solidFill>
+              <a:latin typeface="Inter"/>
+              <a:ea typeface="Inter"/>
+            </a:endParaRPr>
           </a:p>
           <a:p>
             <a:pPr marL="0" indent="0">
@@ -6177,6 +6400,13 @@
               </a:rPr>
               <a:t>Output layer </a:t>
             </a:r>
+            <a:endParaRPr b="0" i="0">
+              <a:solidFill>
+                <a:srgbClr val="292929"/>
+              </a:solidFill>
+              <a:latin typeface="Inter"/>
+              <a:ea typeface="Inter"/>
+            </a:endParaRPr>
           </a:p>
         </p:txBody>
       </p:sp>
@@ -6291,6 +6521,9 @@
               </a:rPr>
               <a:t>Implement the FNN</a:t>
             </a:r>
+            <a:endParaRPr lang="en-IN" altLang="en-US" b="1">
+              <a:sym typeface="+mn-ea"/>
+            </a:endParaRPr>
           </a:p>
           <a:p>
             <a:pPr lvl="1"/>
@@ -6343,6 +6576,11 @@
               </a:rPr>
               <a:t>the flow of information occurs in the forward direction. The input is used to calculate some intermediate function in the hidden layer, which is then used to calculate an output. </a:t>
             </a:r>
+            <a:endParaRPr sz="1600" b="0" i="0">
+              <a:latin typeface="Arial" panose="020B0604020202020204" pitchFamily="34" charset="0"/>
+              <a:ea typeface="var(--framer-blockquote-font-family"/>
+              <a:cs typeface="Arial" panose="020B0604020202020204" pitchFamily="34" charset="0"/>
+            </a:endParaRPr>
           </a:p>
         </p:txBody>
       </p:sp>
@@ -6353,7 +6591,7 @@
           <p:nvPr/>
         </p:nvPicPr>
         <p:blipFill>
-          <a:blip r:embed="rId2"/>
+          <a:blip r:embed="rId1"/>
           <a:stretch>
             <a:fillRect/>
           </a:stretch>
@@ -6375,7 +6613,7 @@
           <p:nvPr/>
         </p:nvPicPr>
         <p:blipFill>
-          <a:blip r:embed="rId3"/>
+          <a:blip r:embed="rId2"/>
           <a:stretch>
             <a:fillRect/>
           </a:stretch>
@@ -6493,6 +6731,9 @@
               </a:rPr>
               <a:t>output</a:t>
             </a:r>
+            <a:endParaRPr lang="en-US" altLang="en-US">
+              <a:sym typeface="+mn-ea"/>
+            </a:endParaRPr>
           </a:p>
         </p:txBody>
       </p:sp>
@@ -6633,6 +6874,7 @@
               <a:rPr lang="en-US" altLang="en-US"/>
               <a:t>Backpropagation</a:t>
             </a:r>
+            <a:endParaRPr lang="en-US" altLang="en-US"/>
           </a:p>
           <a:p>
             <a:pPr marL="800100" lvl="1" indent="-342900">
@@ -6642,6 +6884,7 @@
               <a:rPr lang="en-US" altLang="en-US"/>
               <a:t>Loss Calculation</a:t>
             </a:r>
+            <a:endParaRPr lang="en-US" altLang="en-US"/>
           </a:p>
           <a:p>
             <a:pPr marL="800100" lvl="1" indent="-342900">
@@ -6651,6 +6894,7 @@
               <a:rPr lang="en-US" altLang="en-US"/>
               <a:t>Gradient Calculation</a:t>
             </a:r>
+            <a:endParaRPr lang="en-US" altLang="en-US"/>
           </a:p>
           <a:p>
             <a:pPr marL="800100" lvl="1" indent="-342900">
@@ -6660,6 +6904,7 @@
               <a:rPr lang="en-US" altLang="en-US"/>
               <a:t>Weight Update</a:t>
             </a:r>
+            <a:endParaRPr lang="en-US" altLang="en-US"/>
           </a:p>
         </p:txBody>
       </p:sp>
@@ -6701,7 +6946,7 @@
           <p:nvPr/>
         </p:nvPicPr>
         <p:blipFill>
-          <a:blip r:embed="rId2"/>
+          <a:blip r:embed="rId1"/>
           <a:stretch>
             <a:fillRect/>
           </a:stretch>
@@ -6749,6 +6994,10 @@
               </a:rPr>
               <a:t>Feedforward vs. Backpropagation</a:t>
             </a:r>
+            <a:endParaRPr sz="1600" b="0" i="0">
+              <a:latin typeface="Manrope"/>
+              <a:ea typeface="Manrope"/>
+            </a:endParaRPr>
           </a:p>
         </p:txBody>
       </p:sp>
@@ -6808,6 +7057,7 @@
               <a:rPr lang="en-US" altLang="en-US" sz="1400"/>
               <a:t>https://www.guru99.com/backpropogation-neural-network.html</a:t>
             </a:r>
+            <a:endParaRPr lang="en-US" altLang="en-US" sz="1400"/>
           </a:p>
         </p:txBody>
       </p:sp>
@@ -6845,7 +7095,7 @@
           <p:nvPr/>
         </p:nvPicPr>
         <p:blipFill>
-          <a:blip r:embed="rId2"/>
+          <a:blip r:embed="rId1"/>
           <a:srcRect t="11287" r="47089" b="5620"/>
           <a:stretch>
             <a:fillRect/>
@@ -6903,6 +7153,7 @@
               <a:rPr lang="en-US" altLang="en-US"/>
               <a:t>Neural Networks Architecture:</a:t>
             </a:r>
+            <a:endParaRPr lang="en-US" altLang="en-US"/>
           </a:p>
           <a:p>
             <a:pPr marL="285750" indent="-285750">
@@ -6913,6 +7164,7 @@
               <a:rPr lang="en-US" sz="2400"/>
               <a:t>features</a:t>
             </a:r>
+            <a:endParaRPr lang="en-US" sz="2400"/>
           </a:p>
           <a:p>
             <a:pPr marL="285750" indent="-285750">
@@ -6923,6 +7175,7 @@
               <a:rPr lang="en-US" sz="2400"/>
               <a:t>weights</a:t>
             </a:r>
+            <a:endParaRPr lang="en-US" sz="2400"/>
           </a:p>
           <a:p>
             <a:pPr marL="285750" indent="-285750">
@@ -6933,6 +7186,7 @@
               <a:rPr lang="en-US" sz="2400"/>
               <a:t>bias</a:t>
             </a:r>
+            <a:endParaRPr lang="en-US" sz="2400"/>
           </a:p>
         </p:txBody>
       </p:sp>
@@ -6986,6 +7240,7 @@
               <a:rPr lang="en-IN" altLang="en-US" sz="2000"/>
               <a:t>Perceptron</a:t>
             </a:r>
+            <a:endParaRPr lang="en-IN" altLang="en-US" sz="2000"/>
           </a:p>
           <a:p>
             <a:pPr marL="800100" lvl="1" indent="-342900">
@@ -6995,6 +7250,7 @@
               <a:rPr lang="en-IN" altLang="en-US" sz="2000"/>
               <a:t>Hidden layers</a:t>
             </a:r>
+            <a:endParaRPr lang="en-IN" altLang="en-US" sz="2000"/>
           </a:p>
           <a:p>
             <a:pPr marL="800100" lvl="1" indent="-342900">
@@ -7004,6 +7260,7 @@
               <a:rPr lang="en-IN" altLang="en-US" sz="2000"/>
               <a:t>neurons</a:t>
             </a:r>
+            <a:endParaRPr lang="en-IN" altLang="en-US" sz="2000"/>
           </a:p>
           <a:p>
             <a:pPr marL="800100" lvl="1" indent="-342900">
@@ -7036,6 +7293,7 @@
               <a:rPr lang="en-US" sz="2000"/>
               <a:t>activation functions</a:t>
             </a:r>
+            <a:endParaRPr lang="en-US" sz="2000"/>
           </a:p>
           <a:p>
             <a:pPr marL="342900" indent="-342900">
@@ -7045,6 +7303,7 @@
               <a:rPr lang="en-US" sz="2000"/>
               <a:t>for error calculations</a:t>
             </a:r>
+            <a:endParaRPr lang="en-US" sz="2000"/>
           </a:p>
           <a:p>
             <a:pPr marL="800100" lvl="1" indent="-342900">
@@ -7055,6 +7314,7 @@
               <a:rPr lang="en-US" sz="2000"/>
               <a:t>mse,mae, logloss</a:t>
             </a:r>
+            <a:endParaRPr lang="en-US" sz="2000"/>
           </a:p>
           <a:p>
             <a:pPr marL="342900" indent="-342900">
@@ -7064,6 +7324,7 @@
               <a:rPr lang="en-US" sz="2000"/>
               <a:t>for optimizations </a:t>
             </a:r>
+            <a:endParaRPr lang="en-US" sz="2000"/>
           </a:p>
           <a:p>
             <a:pPr marL="800100" lvl="1" indent="-342900">
@@ -7074,6 +7335,7 @@
               <a:rPr lang="en-US" sz="2000"/>
               <a:t>gradient descent/ optimzer</a:t>
             </a:r>
+            <a:endParaRPr lang="en-US" sz="2000"/>
           </a:p>
           <a:p>
             <a:pPr lvl="0" indent="0">
@@ -7084,6 +7346,7 @@
               <a:rPr lang="en-US" sz="2000"/>
               <a:t>4.  Evaluation Matrix</a:t>
             </a:r>
+            <a:endParaRPr lang="en-US" sz="2000"/>
           </a:p>
           <a:p>
             <a:pPr marL="800100" lvl="1" indent="-342900">
@@ -7094,6 +7357,7 @@
               <a:rPr lang="en-US" sz="2000"/>
               <a:t>classification</a:t>
             </a:r>
+            <a:endParaRPr lang="en-US" sz="2000"/>
           </a:p>
           <a:p>
             <a:pPr marL="800100" lvl="1" indent="-342900">
@@ -7104,6 +7368,7 @@
               <a:rPr lang="en-US" sz="2000"/>
               <a:t>regression</a:t>
             </a:r>
+            <a:endParaRPr lang="en-US" sz="2000"/>
           </a:p>
           <a:p>
             <a:pPr indent="457200"/>
@@ -7143,7 +7408,7 @@
           <p:nvPr/>
         </p:nvPicPr>
         <p:blipFill>
-          <a:blip r:embed="rId2"/>
+          <a:blip r:embed="rId1"/>
           <a:srcRect t="8297" b="1980"/>
           <a:stretch>
             <a:fillRect/>
@@ -7191,7 +7456,7 @@
           <p:nvPr/>
         </p:nvPicPr>
         <p:blipFill>
-          <a:blip r:embed="rId2"/>
+          <a:blip r:embed="rId1"/>
           <a:stretch>
             <a:fillRect/>
           </a:stretch>
@@ -7261,6 +7526,11 @@
               </a:rPr>
               <a:t>What we learn </a:t>
             </a:r>
+            <a:endParaRPr lang="en-US" sz="2400" b="1">
+              <a:solidFill>
+                <a:srgbClr val="FF0000"/>
+              </a:solidFill>
+            </a:endParaRPr>
           </a:p>
         </p:txBody>
       </p:sp>
@@ -7303,6 +7573,13 @@
               </a:rPr>
               <a:t>Introduction to AI  </a:t>
             </a:r>
+            <a:endParaRPr sz="2500" b="0" i="0">
+              <a:solidFill>
+                <a:srgbClr val="333333"/>
+              </a:solidFill>
+              <a:latin typeface="Tomorrow"/>
+              <a:ea typeface="Tomorrow"/>
+            </a:endParaRPr>
           </a:p>
           <a:p>
             <a:pPr marL="0" indent="0">
@@ -7323,6 +7600,13 @@
               </a:rPr>
               <a:t>AI vs ML vs DL</a:t>
             </a:r>
+            <a:endParaRPr sz="1600" b="0" i="0">
+              <a:solidFill>
+                <a:srgbClr val="333333"/>
+              </a:solidFill>
+              <a:latin typeface="Tomorrow"/>
+              <a:ea typeface="Tomorrow"/>
+            </a:endParaRPr>
           </a:p>
           <a:p>
             <a:pPr marL="0" indent="0">
@@ -7343,6 +7627,13 @@
               </a:rPr>
               <a:t>Applications of AI</a:t>
             </a:r>
+            <a:endParaRPr sz="1600" b="0" i="0">
+              <a:solidFill>
+                <a:srgbClr val="333333"/>
+              </a:solidFill>
+              <a:latin typeface="Tomorrow"/>
+              <a:ea typeface="Tomorrow"/>
+            </a:endParaRPr>
           </a:p>
           <a:p>
             <a:pPr marL="0" indent="0">
@@ -7363,6 +7654,13 @@
               </a:rPr>
               <a:t>Conventional AI vs GenAI</a:t>
             </a:r>
+            <a:endParaRPr sz="1600" b="0" i="0">
+              <a:solidFill>
+                <a:srgbClr val="333333"/>
+              </a:solidFill>
+              <a:latin typeface="Tomorrow"/>
+              <a:ea typeface="Tomorrow"/>
+            </a:endParaRPr>
           </a:p>
           <a:p>
             <a:pPr marL="0" indent="0">
@@ -7383,16 +7681,6 @@
               </a:rPr>
               <a:t>Future of AI</a:t>
             </a:r>
-          </a:p>
-          <a:p>
-            <a:pPr marL="0" indent="0">
-              <a:spcBef>
-                <a:spcPct val="0"/>
-              </a:spcBef>
-              <a:spcAft>
-                <a:spcPct val="0"/>
-              </a:spcAft>
-            </a:pPr>
             <a:endParaRPr sz="1600" b="0" i="0">
               <a:solidFill>
                 <a:srgbClr val="333333"/>
@@ -7410,6 +7698,23 @@
                 <a:spcPct val="0"/>
               </a:spcAft>
             </a:pPr>
+            <a:endParaRPr sz="1600" b="0" i="0">
+              <a:solidFill>
+                <a:srgbClr val="333333"/>
+              </a:solidFill>
+              <a:latin typeface="Tomorrow"/>
+              <a:ea typeface="Tomorrow"/>
+            </a:endParaRPr>
+          </a:p>
+          <a:p>
+            <a:pPr marL="0" indent="0">
+              <a:spcBef>
+                <a:spcPct val="0"/>
+              </a:spcBef>
+              <a:spcAft>
+                <a:spcPct val="0"/>
+              </a:spcAft>
+            </a:pPr>
             <a:r>
               <a:rPr lang="en-US" altLang="en-US" b="1" i="0">
                 <a:solidFill>
@@ -7430,6 +7735,13 @@
               </a:rPr>
               <a:t>  </a:t>
             </a:r>
+            <a:endParaRPr lang="en-US" altLang="en-US" sz="1600" b="0" i="0">
+              <a:solidFill>
+                <a:srgbClr val="333333"/>
+              </a:solidFill>
+              <a:latin typeface="Tomorrow"/>
+              <a:ea typeface="Tomorrow"/>
+            </a:endParaRPr>
           </a:p>
           <a:p>
             <a:pPr marL="0" indent="0">
@@ -7450,6 +7762,13 @@
               </a:rPr>
               <a:t>Introduction to Deep Learning</a:t>
             </a:r>
+            <a:endParaRPr lang="en-US" altLang="en-US" sz="1600" b="0" i="0">
+              <a:solidFill>
+                <a:srgbClr val="333333"/>
+              </a:solidFill>
+              <a:latin typeface="Tomorrow"/>
+              <a:ea typeface="Tomorrow"/>
+            </a:endParaRPr>
           </a:p>
           <a:p>
             <a:pPr marL="0" indent="0">
@@ -7470,6 +7789,13 @@
               </a:rPr>
               <a:t>Perceptron Model</a:t>
             </a:r>
+            <a:endParaRPr lang="en-US" altLang="en-US" sz="1600" b="0" i="0">
+              <a:solidFill>
+                <a:srgbClr val="333333"/>
+              </a:solidFill>
+              <a:latin typeface="Tomorrow"/>
+              <a:ea typeface="Tomorrow"/>
+            </a:endParaRPr>
           </a:p>
           <a:p>
             <a:pPr marL="0" indent="0">
@@ -7497,6 +7823,20 @@
               </a:rPr>
               <a:t>Introduction to Tensorflow and Keras</a:t>
             </a:r>
+            <a:endParaRPr lang="en-US" altLang="en-US" sz="1600" b="1" i="0">
+              <a:solidFill>
+                <a:srgbClr val="333333"/>
+              </a:solidFill>
+              <a:effectLst>
+                <a:outerShdw blurRad="38100" dist="38100" dir="2700000" algn="tl">
+                  <a:srgbClr val="000000">
+                    <a:alpha val="43137"/>
+                  </a:srgbClr>
+                </a:outerShdw>
+              </a:effectLst>
+              <a:latin typeface="Tomorrow"/>
+              <a:ea typeface="Tomorrow"/>
+            </a:endParaRPr>
           </a:p>
           <a:p>
             <a:pPr marL="0" indent="0">
@@ -7517,17 +7857,7 @@
               </a:rPr>
               <a:t>Introduction to Types of Neural Networks</a:t>
             </a:r>
-          </a:p>
-          <a:p>
-            <a:pPr marL="0" indent="0">
-              <a:spcBef>
-                <a:spcPct val="0"/>
-              </a:spcBef>
-              <a:spcAft>
-                <a:spcPct val="0"/>
-              </a:spcAft>
-            </a:pPr>
-            <a:endParaRPr lang="en-US" altLang="en-US" sz="1600" b="1" i="0">
+            <a:endParaRPr lang="en-US" altLang="en-US" sz="1600" b="0" i="0">
               <a:solidFill>
                 <a:srgbClr val="333333"/>
               </a:solidFill>
@@ -7544,6 +7874,23 @@
                 <a:spcPct val="0"/>
               </a:spcAft>
             </a:pPr>
+            <a:endParaRPr lang="en-US" altLang="en-US" sz="1600" b="1" i="0">
+              <a:solidFill>
+                <a:srgbClr val="333333"/>
+              </a:solidFill>
+              <a:latin typeface="Tomorrow"/>
+              <a:ea typeface="Tomorrow"/>
+            </a:endParaRPr>
+          </a:p>
+          <a:p>
+            <a:pPr marL="0" indent="0">
+              <a:spcBef>
+                <a:spcPct val="0"/>
+              </a:spcBef>
+              <a:spcAft>
+                <a:spcPct val="0"/>
+              </a:spcAft>
+            </a:pPr>
             <a:r>
               <a:rPr lang="en-US" altLang="en-US" sz="1600" b="1" i="0">
                 <a:solidFill>
@@ -7564,6 +7911,13 @@
               </a:rPr>
               <a:t> </a:t>
             </a:r>
+            <a:endParaRPr lang="en-US" altLang="en-US" sz="1600" b="0" i="0">
+              <a:solidFill>
+                <a:srgbClr val="333333"/>
+              </a:solidFill>
+              <a:latin typeface="Tomorrow"/>
+              <a:ea typeface="Tomorrow"/>
+            </a:endParaRPr>
           </a:p>
           <a:p>
             <a:pPr marL="0" indent="0">
@@ -7584,6 +7938,13 @@
               </a:rPr>
               <a:t>Activation Functions in NN</a:t>
             </a:r>
+            <a:endParaRPr lang="en-US" altLang="en-US" sz="1600" b="0" i="0">
+              <a:solidFill>
+                <a:srgbClr val="333333"/>
+              </a:solidFill>
+              <a:latin typeface="Tomorrow"/>
+              <a:ea typeface="Tomorrow"/>
+            </a:endParaRPr>
           </a:p>
           <a:p>
             <a:pPr marL="0" indent="0">
@@ -7604,6 +7965,13 @@
               </a:rPr>
               <a:t>Loss Functions</a:t>
             </a:r>
+            <a:endParaRPr lang="en-US" altLang="en-US" sz="1600" b="0" i="0">
+              <a:solidFill>
+                <a:srgbClr val="333333"/>
+              </a:solidFill>
+              <a:latin typeface="Tomorrow"/>
+              <a:ea typeface="Tomorrow"/>
+            </a:endParaRPr>
           </a:p>
           <a:p>
             <a:pPr marL="0" indent="0">
@@ -7624,6 +7992,13 @@
               </a:rPr>
               <a:t>Optimization Technique</a:t>
             </a:r>
+            <a:endParaRPr lang="en-US" altLang="en-US" sz="1600" b="0" i="0">
+              <a:solidFill>
+                <a:srgbClr val="333333"/>
+              </a:solidFill>
+              <a:latin typeface="Tomorrow"/>
+              <a:ea typeface="Tomorrow"/>
+            </a:endParaRPr>
           </a:p>
           <a:p>
             <a:pPr marL="0" indent="0">
@@ -7644,6 +8019,13 @@
               </a:rPr>
               <a:t>Regularization Techniques</a:t>
             </a:r>
+            <a:endParaRPr lang="en-US" altLang="en-US" sz="1600" b="0" i="0">
+              <a:solidFill>
+                <a:srgbClr val="333333"/>
+              </a:solidFill>
+              <a:latin typeface="Tomorrow"/>
+              <a:ea typeface="Tomorrow"/>
+            </a:endParaRPr>
           </a:p>
           <a:p>
             <a:pPr marL="0" indent="0">
@@ -7664,6 +8046,13 @@
               </a:rPr>
               <a:t>CallBacks</a:t>
             </a:r>
+            <a:endParaRPr lang="en-US" altLang="en-US" sz="1600" b="0" i="0">
+              <a:solidFill>
+                <a:srgbClr val="333333"/>
+              </a:solidFill>
+              <a:latin typeface="Tomorrow"/>
+              <a:ea typeface="Tomorrow"/>
+            </a:endParaRPr>
           </a:p>
         </p:txBody>
       </p:sp>
@@ -7706,6 +8095,13 @@
               </a:rPr>
               <a:t>Computer Vision  </a:t>
             </a:r>
+            <a:endParaRPr sz="2500" b="0" i="0">
+              <a:solidFill>
+                <a:srgbClr val="333333"/>
+              </a:solidFill>
+              <a:latin typeface="Tomorrow"/>
+              <a:ea typeface="Tomorrow"/>
+            </a:endParaRPr>
           </a:p>
           <a:p>
             <a:pPr marL="0" indent="0">
@@ -7726,6 +8122,13 @@
               </a:rPr>
               <a:t>Object Detection</a:t>
             </a:r>
+            <a:endParaRPr sz="1600" b="0" i="0">
+              <a:solidFill>
+                <a:srgbClr val="333333"/>
+              </a:solidFill>
+              <a:latin typeface="Tomorrow"/>
+              <a:ea typeface="Tomorrow"/>
+            </a:endParaRPr>
           </a:p>
           <a:p>
             <a:pPr marL="0" indent="0">
@@ -7746,6 +8149,13 @@
               </a:rPr>
               <a:t>Region Proposal Techniques</a:t>
             </a:r>
+            <a:endParaRPr sz="1600" b="0" i="0">
+              <a:solidFill>
+                <a:srgbClr val="333333"/>
+              </a:solidFill>
+              <a:latin typeface="Tomorrow"/>
+              <a:ea typeface="Tomorrow"/>
+            </a:endParaRPr>
           </a:p>
           <a:p>
             <a:pPr marL="0" indent="0">
@@ -7766,16 +8176,6 @@
               </a:rPr>
               <a:t>Semantic Segmentation</a:t>
             </a:r>
-          </a:p>
-          <a:p>
-            <a:pPr marL="0" indent="0">
-              <a:spcBef>
-                <a:spcPct val="0"/>
-              </a:spcBef>
-              <a:spcAft>
-                <a:spcPct val="0"/>
-              </a:spcAft>
-            </a:pPr>
             <a:endParaRPr sz="1600" b="0" i="0">
               <a:solidFill>
                 <a:srgbClr val="333333"/>
@@ -7793,6 +8193,23 @@
                 <a:spcPct val="0"/>
               </a:spcAft>
             </a:pPr>
+            <a:endParaRPr sz="1600" b="0" i="0">
+              <a:solidFill>
+                <a:srgbClr val="333333"/>
+              </a:solidFill>
+              <a:latin typeface="Tomorrow"/>
+              <a:ea typeface="Tomorrow"/>
+            </a:endParaRPr>
+          </a:p>
+          <a:p>
+            <a:pPr marL="0" indent="0">
+              <a:spcBef>
+                <a:spcPct val="0"/>
+              </a:spcBef>
+              <a:spcAft>
+                <a:spcPct val="0"/>
+              </a:spcAft>
+            </a:pPr>
             <a:r>
               <a:rPr lang="en-US" altLang="en-US" sz="2000" b="1" i="0">
                 <a:solidFill>
@@ -7803,6 +8220,13 @@
               </a:rPr>
               <a:t>Computer Vision with OpenCV  </a:t>
             </a:r>
+            <a:endParaRPr lang="en-US" altLang="en-US" sz="2000" b="1" i="0">
+              <a:solidFill>
+                <a:srgbClr val="333333"/>
+              </a:solidFill>
+              <a:latin typeface="Tomorrow"/>
+              <a:ea typeface="Tomorrow"/>
+            </a:endParaRPr>
           </a:p>
           <a:p>
             <a:pPr marL="0" indent="0">
@@ -7823,6 +8247,13 @@
               </a:rPr>
               <a:t>Working with images</a:t>
             </a:r>
+            <a:endParaRPr lang="en-US" altLang="en-US" sz="1600" b="0" i="0">
+              <a:solidFill>
+                <a:srgbClr val="333333"/>
+              </a:solidFill>
+              <a:latin typeface="Tomorrow"/>
+              <a:ea typeface="Tomorrow"/>
+            </a:endParaRPr>
           </a:p>
           <a:p>
             <a:pPr marL="0" indent="0">
@@ -7843,6 +8274,13 @@
               </a:rPr>
               <a:t>Working with Videos</a:t>
             </a:r>
+            <a:endParaRPr lang="en-US" altLang="en-US" sz="1600" b="0" i="0">
+              <a:solidFill>
+                <a:srgbClr val="333333"/>
+              </a:solidFill>
+              <a:latin typeface="Tomorrow"/>
+              <a:ea typeface="Tomorrow"/>
+            </a:endParaRPr>
           </a:p>
           <a:p>
             <a:pPr marL="0" indent="0">
@@ -7863,6 +8301,13 @@
               </a:rPr>
               <a:t>OCR</a:t>
             </a:r>
+            <a:endParaRPr lang="en-US" altLang="en-US" sz="1600" b="0" i="0">
+              <a:solidFill>
+                <a:srgbClr val="333333"/>
+              </a:solidFill>
+              <a:latin typeface="Tomorrow"/>
+              <a:ea typeface="Tomorrow"/>
+            </a:endParaRPr>
           </a:p>
           <a:p>
             <a:pPr marL="0" indent="0">
@@ -7883,16 +8328,6 @@
               </a:rPr>
               <a:t>Media Pipe - FaceMesh, Pose Detection</a:t>
             </a:r>
-          </a:p>
-          <a:p>
-            <a:pPr marL="0" indent="0">
-              <a:spcBef>
-                <a:spcPct val="0"/>
-              </a:spcBef>
-              <a:spcAft>
-                <a:spcPct val="0"/>
-              </a:spcAft>
-            </a:pPr>
             <a:endParaRPr lang="en-US" altLang="en-US" sz="1600" b="0" i="0">
               <a:solidFill>
                 <a:srgbClr val="333333"/>
@@ -7910,6 +8345,23 @@
                 <a:spcPct val="0"/>
               </a:spcAft>
             </a:pPr>
+            <a:endParaRPr lang="en-US" altLang="en-US" sz="1600" b="0" i="0">
+              <a:solidFill>
+                <a:srgbClr val="333333"/>
+              </a:solidFill>
+              <a:latin typeface="Tomorrow"/>
+              <a:ea typeface="Tomorrow"/>
+            </a:endParaRPr>
+          </a:p>
+          <a:p>
+            <a:pPr marL="0" indent="0">
+              <a:spcBef>
+                <a:spcPct val="0"/>
+              </a:spcBef>
+              <a:spcAft>
+                <a:spcPct val="0"/>
+              </a:spcAft>
+            </a:pPr>
             <a:r>
               <a:rPr lang="en-US" altLang="en-US" sz="2000" b="1" i="0">
                 <a:solidFill>
@@ -7930,6 +8382,13 @@
               </a:rPr>
               <a:t> </a:t>
             </a:r>
+            <a:endParaRPr lang="en-US" altLang="en-US" sz="1600" b="0" i="0">
+              <a:solidFill>
+                <a:srgbClr val="333333"/>
+              </a:solidFill>
+              <a:latin typeface="Tomorrow"/>
+              <a:ea typeface="Tomorrow"/>
+            </a:endParaRPr>
           </a:p>
           <a:p>
             <a:pPr marL="0" indent="0">
@@ -7950,16 +8409,6 @@
               </a:rPr>
               <a:t>Introduction to CNN</a:t>
             </a:r>
-          </a:p>
-          <a:p>
-            <a:pPr marL="0" indent="0">
-              <a:spcBef>
-                <a:spcPct val="0"/>
-              </a:spcBef>
-              <a:spcAft>
-                <a:spcPct val="0"/>
-              </a:spcAft>
-            </a:pPr>
             <a:endParaRPr lang="en-US" altLang="en-US" sz="1600" b="0" i="0">
               <a:solidFill>
                 <a:srgbClr val="333333"/>
@@ -7977,6 +8426,23 @@
                 <a:spcPct val="0"/>
               </a:spcAft>
             </a:pPr>
+            <a:endParaRPr lang="en-US" altLang="en-US" sz="1600" b="0" i="0">
+              <a:solidFill>
+                <a:srgbClr val="333333"/>
+              </a:solidFill>
+              <a:latin typeface="Tomorrow"/>
+              <a:ea typeface="Tomorrow"/>
+            </a:endParaRPr>
+          </a:p>
+          <a:p>
+            <a:pPr marL="0" indent="0">
+              <a:spcBef>
+                <a:spcPct val="0"/>
+              </a:spcBef>
+              <a:spcAft>
+                <a:spcPct val="0"/>
+              </a:spcAft>
+            </a:pPr>
             <a:r>
               <a:rPr lang="en-US" altLang="en-US" sz="1600" b="0" i="0">
                 <a:solidFill>
@@ -7987,6 +8453,13 @@
               </a:rPr>
               <a:t>Architecture of CNN - Kernel / Filter, Stride, Padding, Activation Function Max Pooling and Avg Pooling</a:t>
             </a:r>
+            <a:endParaRPr lang="en-US" altLang="en-US" sz="1600" b="0" i="0">
+              <a:solidFill>
+                <a:srgbClr val="333333"/>
+              </a:solidFill>
+              <a:latin typeface="Tomorrow"/>
+              <a:ea typeface="Tomorrow"/>
+            </a:endParaRPr>
           </a:p>
         </p:txBody>
       </p:sp>
@@ -8029,6 +8502,13 @@
               </a:rPr>
               <a:t>Natural Language Processing  </a:t>
             </a:r>
+            <a:endParaRPr sz="2500" b="0" i="0">
+              <a:solidFill>
+                <a:srgbClr val="333333"/>
+              </a:solidFill>
+              <a:latin typeface="Tomorrow"/>
+              <a:ea typeface="Tomorrow"/>
+            </a:endParaRPr>
           </a:p>
           <a:p>
             <a:pPr marL="0" indent="0">
@@ -8049,6 +8529,13 @@
               </a:rPr>
               <a:t>Introduction to NLP</a:t>
             </a:r>
+            <a:endParaRPr sz="1600" b="0" i="0">
+              <a:solidFill>
+                <a:srgbClr val="333333"/>
+              </a:solidFill>
+              <a:latin typeface="Tomorrow"/>
+              <a:ea typeface="Tomorrow"/>
+            </a:endParaRPr>
           </a:p>
           <a:p>
             <a:pPr marL="0" indent="0">
@@ -8069,6 +8556,13 @@
               </a:rPr>
               <a:t>Text Preprocessing</a:t>
             </a:r>
+            <a:endParaRPr sz="1600" b="0" i="0">
+              <a:solidFill>
+                <a:srgbClr val="333333"/>
+              </a:solidFill>
+              <a:latin typeface="Tomorrow"/>
+              <a:ea typeface="Tomorrow"/>
+            </a:endParaRPr>
           </a:p>
           <a:p>
             <a:pPr marL="0" indent="0">
@@ -8089,6 +8583,13 @@
               </a:rPr>
               <a:t>Text Vecorization and Classification</a:t>
             </a:r>
+            <a:endParaRPr sz="1600" b="0" i="0">
+              <a:solidFill>
+                <a:srgbClr val="333333"/>
+              </a:solidFill>
+              <a:latin typeface="Tomorrow"/>
+              <a:ea typeface="Tomorrow"/>
+            </a:endParaRPr>
           </a:p>
           <a:p>
             <a:pPr marL="0" indent="0">
@@ -8109,6 +8610,13 @@
               </a:rPr>
               <a:t>Embedding Layer in Natural Language Processing</a:t>
             </a:r>
+            <a:endParaRPr sz="1600" b="0" i="0">
+              <a:solidFill>
+                <a:srgbClr val="333333"/>
+              </a:solidFill>
+              <a:latin typeface="Tomorrow"/>
+              <a:ea typeface="Tomorrow"/>
+            </a:endParaRPr>
           </a:p>
           <a:p>
             <a:pPr marL="0" indent="0">
@@ -8129,6 +8637,13 @@
               </a:rPr>
               <a:t>Sentiment Analysis</a:t>
             </a:r>
+            <a:endParaRPr sz="1600" b="0" i="0">
+              <a:solidFill>
+                <a:srgbClr val="333333"/>
+              </a:solidFill>
+              <a:latin typeface="Tomorrow"/>
+              <a:ea typeface="Tomorrow"/>
+            </a:endParaRPr>
           </a:p>
           <a:p>
             <a:pPr marL="0" indent="0">
@@ -8149,6 +8664,13 @@
               </a:rPr>
               <a:t>Sequence Model</a:t>
             </a:r>
+            <a:endParaRPr sz="1600" b="0" i="0">
+              <a:solidFill>
+                <a:srgbClr val="333333"/>
+              </a:solidFill>
+              <a:latin typeface="Tomorrow"/>
+              <a:ea typeface="Tomorrow"/>
+            </a:endParaRPr>
           </a:p>
           <a:p>
             <a:pPr marL="0" indent="0">
@@ -8169,6 +8691,13 @@
               </a:rPr>
               <a:t>Machine Translation</a:t>
             </a:r>
+            <a:endParaRPr sz="1600" b="0" i="0">
+              <a:solidFill>
+                <a:srgbClr val="333333"/>
+              </a:solidFill>
+              <a:latin typeface="Tomorrow"/>
+              <a:ea typeface="Tomorrow"/>
+            </a:endParaRPr>
           </a:p>
           <a:p>
             <a:pPr marL="0" indent="0">
@@ -8189,16 +8718,6 @@
               </a:rPr>
               <a:t>Introduction to LLM</a:t>
             </a:r>
-          </a:p>
-          <a:p>
-            <a:pPr marL="0" indent="0">
-              <a:spcBef>
-                <a:spcPct val="0"/>
-              </a:spcBef>
-              <a:spcAft>
-                <a:spcPct val="0"/>
-              </a:spcAft>
-            </a:pPr>
             <a:endParaRPr sz="1600" b="0" i="0">
               <a:solidFill>
                 <a:srgbClr val="333333"/>
@@ -8216,6 +8735,23 @@
                 <a:spcPct val="0"/>
               </a:spcAft>
             </a:pPr>
+            <a:endParaRPr sz="1600" b="0" i="0">
+              <a:solidFill>
+                <a:srgbClr val="333333"/>
+              </a:solidFill>
+              <a:latin typeface="Tomorrow"/>
+              <a:ea typeface="Tomorrow"/>
+            </a:endParaRPr>
+          </a:p>
+          <a:p>
+            <a:pPr marL="0" indent="0">
+              <a:spcBef>
+                <a:spcPct val="0"/>
+              </a:spcBef>
+              <a:spcAft>
+                <a:spcPct val="0"/>
+              </a:spcAft>
+            </a:pPr>
             <a:r>
               <a:rPr lang="en-US" altLang="en-US" sz="2000" b="1" i="0">
                 <a:solidFill>
@@ -8226,6 +8762,13 @@
               </a:rPr>
               <a:t>Recurrent Neural Network  </a:t>
             </a:r>
+            <a:endParaRPr lang="en-US" altLang="en-US" sz="2000" b="1" i="0">
+              <a:solidFill>
+                <a:srgbClr val="333333"/>
+              </a:solidFill>
+              <a:latin typeface="Tomorrow"/>
+              <a:ea typeface="Tomorrow"/>
+            </a:endParaRPr>
           </a:p>
           <a:p>
             <a:pPr marL="0" indent="0">
@@ -8246,17 +8789,7 @@
               </a:rPr>
               <a:t>Introduction to RNN</a:t>
             </a:r>
-          </a:p>
-          <a:p>
-            <a:pPr marL="0" indent="0">
-              <a:spcBef>
-                <a:spcPct val="0"/>
-              </a:spcBef>
-              <a:spcAft>
-                <a:spcPct val="0"/>
-              </a:spcAft>
-            </a:pPr>
-            <a:endParaRPr lang="en-US" altLang="en-US" sz="1600" b="0" i="0">
+            <a:endParaRPr lang="en-US" altLang="en-US" sz="2000" b="1" i="0">
               <a:solidFill>
                 <a:srgbClr val="333333"/>
               </a:solidFill>
@@ -8273,6 +8806,23 @@
                 <a:spcPct val="0"/>
               </a:spcAft>
             </a:pPr>
+            <a:endParaRPr lang="en-US" altLang="en-US" sz="1600" b="0" i="0">
+              <a:solidFill>
+                <a:srgbClr val="333333"/>
+              </a:solidFill>
+              <a:latin typeface="Tomorrow"/>
+              <a:ea typeface="Tomorrow"/>
+            </a:endParaRPr>
+          </a:p>
+          <a:p>
+            <a:pPr marL="0" indent="0">
+              <a:spcBef>
+                <a:spcPct val="0"/>
+              </a:spcBef>
+              <a:spcAft>
+                <a:spcPct val="0"/>
+              </a:spcAft>
+            </a:pPr>
             <a:r>
               <a:rPr lang="en-US" altLang="en-US" sz="1600" b="0" i="0">
                 <a:solidFill>
@@ -8283,6 +8833,13 @@
               </a:rPr>
               <a:t>LSTM</a:t>
             </a:r>
+            <a:endParaRPr lang="en-US" altLang="en-US" sz="1600" b="0" i="0">
+              <a:solidFill>
+                <a:srgbClr val="333333"/>
+              </a:solidFill>
+              <a:latin typeface="Tomorrow"/>
+              <a:ea typeface="Tomorrow"/>
+            </a:endParaRPr>
           </a:p>
           <a:p>
             <a:pPr marL="0" indent="0">
@@ -8303,6 +8860,13 @@
               </a:rPr>
               <a:t>Bi-directional LSTM</a:t>
             </a:r>
+            <a:endParaRPr lang="en-US" altLang="en-US" sz="1600" b="0" i="0">
+              <a:solidFill>
+                <a:srgbClr val="333333"/>
+              </a:solidFill>
+              <a:latin typeface="Tomorrow"/>
+              <a:ea typeface="Tomorrow"/>
+            </a:endParaRPr>
           </a:p>
           <a:p>
             <a:pPr marL="0" indent="0">
@@ -8323,6 +8887,13 @@
               </a:rPr>
               <a:t>GRU</a:t>
             </a:r>
+            <a:endParaRPr lang="en-US" altLang="en-US" sz="1600" b="0" i="0">
+              <a:solidFill>
+                <a:srgbClr val="333333"/>
+              </a:solidFill>
+              <a:latin typeface="Tomorrow"/>
+              <a:ea typeface="Tomorrow"/>
+            </a:endParaRPr>
           </a:p>
         </p:txBody>
       </p:sp>
@@ -8400,6 +8971,13 @@
               </a:rPr>
               <a:t> </a:t>
             </a:r>
+            <a:endParaRPr sz="2500" b="0" i="0">
+              <a:solidFill>
+                <a:srgbClr val="333333"/>
+              </a:solidFill>
+              <a:latin typeface="Tomorrow"/>
+              <a:ea typeface="Tomorrow"/>
+            </a:endParaRPr>
           </a:p>
           <a:p>
             <a:pPr marL="285750" indent="-285750">
@@ -8422,6 +9000,13 @@
               </a:rPr>
               <a:t>What is RASA</a:t>
             </a:r>
+            <a:endParaRPr sz="1600" b="0" i="0">
+              <a:solidFill>
+                <a:srgbClr val="333333"/>
+              </a:solidFill>
+              <a:latin typeface="Tomorrow"/>
+              <a:ea typeface="Tomorrow"/>
+            </a:endParaRPr>
           </a:p>
           <a:p>
             <a:pPr marL="285750" indent="-285750">
@@ -8444,6 +9029,13 @@
               </a:rPr>
               <a:t>RASA Installation</a:t>
             </a:r>
+            <a:endParaRPr sz="1600" b="0" i="0">
+              <a:solidFill>
+                <a:srgbClr val="333333"/>
+              </a:solidFill>
+              <a:latin typeface="Tomorrow"/>
+              <a:ea typeface="Tomorrow"/>
+            </a:endParaRPr>
           </a:p>
           <a:p>
             <a:pPr marL="285750" indent="-285750">
@@ -8466,6 +9058,13 @@
               </a:rPr>
               <a:t>RASA Initialization</a:t>
             </a:r>
+            <a:endParaRPr sz="1600" b="0" i="0">
+              <a:solidFill>
+                <a:srgbClr val="333333"/>
+              </a:solidFill>
+              <a:latin typeface="Tomorrow"/>
+              <a:ea typeface="Tomorrow"/>
+            </a:endParaRPr>
           </a:p>
           <a:p>
             <a:pPr marL="285750" indent="-285750">
@@ -8488,6 +9087,13 @@
               </a:rPr>
               <a:t>RASA Configuration and File System</a:t>
             </a:r>
+            <a:endParaRPr sz="1600" b="0" i="0">
+              <a:solidFill>
+                <a:srgbClr val="333333"/>
+              </a:solidFill>
+              <a:latin typeface="Tomorrow"/>
+              <a:ea typeface="Tomorrow"/>
+            </a:endParaRPr>
           </a:p>
           <a:p>
             <a:pPr marL="285750" indent="-285750">
@@ -8510,6 +9116,13 @@
               </a:rPr>
               <a:t>Intents, Entity,Response and Story</a:t>
             </a:r>
+            <a:endParaRPr sz="1600" b="0" i="0">
+              <a:solidFill>
+                <a:srgbClr val="333333"/>
+              </a:solidFill>
+              <a:latin typeface="Tomorrow"/>
+              <a:ea typeface="Tomorrow"/>
+            </a:endParaRPr>
           </a:p>
           <a:p>
             <a:pPr marL="285750" indent="-285750">
@@ -8532,6 +9145,13 @@
               </a:rPr>
               <a:t>Actions</a:t>
             </a:r>
+            <a:endParaRPr sz="1600" b="0" i="0">
+              <a:solidFill>
+                <a:srgbClr val="333333"/>
+              </a:solidFill>
+              <a:latin typeface="Tomorrow"/>
+              <a:ea typeface="Tomorrow"/>
+            </a:endParaRPr>
           </a:p>
         </p:txBody>
       </p:sp>
@@ -8584,6 +9204,13 @@
               </a:rPr>
               <a:t> </a:t>
             </a:r>
+            <a:endParaRPr sz="2500" b="0" i="0">
+              <a:solidFill>
+                <a:srgbClr val="333333"/>
+              </a:solidFill>
+              <a:latin typeface="Tomorrow"/>
+              <a:ea typeface="Tomorrow"/>
+            </a:endParaRPr>
           </a:p>
           <a:p>
             <a:pPr marL="285750" indent="-285750">
@@ -8606,6 +9233,13 @@
               </a:rPr>
               <a:t>What is Sequential Data &amp; Time Series</a:t>
             </a:r>
+            <a:endParaRPr sz="1600" b="0" i="0">
+              <a:solidFill>
+                <a:srgbClr val="333333"/>
+              </a:solidFill>
+              <a:latin typeface="Tomorrow"/>
+              <a:ea typeface="Tomorrow"/>
+            </a:endParaRPr>
           </a:p>
           <a:p>
             <a:pPr marL="285750" indent="-285750">
@@ -8628,6 +9262,13 @@
               </a:rPr>
               <a:t>Functional Relationship</a:t>
             </a:r>
+            <a:endParaRPr sz="1600" b="0" i="0">
+              <a:solidFill>
+                <a:srgbClr val="333333"/>
+              </a:solidFill>
+              <a:latin typeface="Tomorrow"/>
+              <a:ea typeface="Tomorrow"/>
+            </a:endParaRPr>
           </a:p>
           <a:p>
             <a:pPr marL="285750" indent="-285750">
@@ -8650,6 +9291,13 @@
               </a:rPr>
               <a:t>Components of Time Series</a:t>
             </a:r>
+            <a:endParaRPr sz="1600" b="0" i="0">
+              <a:solidFill>
+                <a:srgbClr val="333333"/>
+              </a:solidFill>
+              <a:latin typeface="Tomorrow"/>
+              <a:ea typeface="Tomorrow"/>
+            </a:endParaRPr>
           </a:p>
           <a:p>
             <a:pPr marL="285750" indent="-285750">
@@ -8672,6 +9320,13 @@
               </a:rPr>
               <a:t>Mathemetical Representation of Time Series</a:t>
             </a:r>
+            <a:endParaRPr sz="1600" b="0" i="0">
+              <a:solidFill>
+                <a:srgbClr val="333333"/>
+              </a:solidFill>
+              <a:latin typeface="Tomorrow"/>
+              <a:ea typeface="Tomorrow"/>
+            </a:endParaRPr>
           </a:p>
           <a:p>
             <a:pPr marL="285750" indent="-285750">
@@ -8694,6 +9349,13 @@
               </a:rPr>
               <a:t>ETS Decompositon</a:t>
             </a:r>
+            <a:endParaRPr sz="1600" b="0" i="0">
+              <a:solidFill>
+                <a:srgbClr val="333333"/>
+              </a:solidFill>
+              <a:latin typeface="Tomorrow"/>
+              <a:ea typeface="Tomorrow"/>
+            </a:endParaRPr>
           </a:p>
           <a:p>
             <a:pPr marL="285750" indent="-285750">
@@ -8716,6 +9378,13 @@
               </a:rPr>
               <a:t>Classification of Time Series</a:t>
             </a:r>
+            <a:endParaRPr sz="1600" b="0" i="0">
+              <a:solidFill>
+                <a:srgbClr val="333333"/>
+              </a:solidFill>
+              <a:latin typeface="Tomorrow"/>
+              <a:ea typeface="Tomorrow"/>
+            </a:endParaRPr>
           </a:p>
           <a:p>
             <a:pPr marL="285750" indent="-285750">
@@ -8738,6 +9407,13 @@
               </a:rPr>
               <a:t>Defference between ACF &amp; PACF</a:t>
             </a:r>
+            <a:endParaRPr sz="1600" b="0" i="0">
+              <a:solidFill>
+                <a:srgbClr val="333333"/>
+              </a:solidFill>
+              <a:latin typeface="Tomorrow"/>
+              <a:ea typeface="Tomorrow"/>
+            </a:endParaRPr>
           </a:p>
           <a:p>
             <a:pPr marL="285750" indent="-285750">
@@ -8760,6 +9436,13 @@
               </a:rPr>
               <a:t>Assignment</a:t>
             </a:r>
+            <a:endParaRPr sz="1600" b="0" i="0">
+              <a:solidFill>
+                <a:srgbClr val="333333"/>
+              </a:solidFill>
+              <a:latin typeface="Tomorrow"/>
+              <a:ea typeface="Tomorrow"/>
+            </a:endParaRPr>
           </a:p>
         </p:txBody>
       </p:sp>
@@ -8812,6 +9495,13 @@
               </a:rPr>
               <a:t> </a:t>
             </a:r>
+            <a:endParaRPr sz="2500" b="0" i="0">
+              <a:solidFill>
+                <a:srgbClr val="333333"/>
+              </a:solidFill>
+              <a:latin typeface="Tomorrow"/>
+              <a:ea typeface="Tomorrow"/>
+            </a:endParaRPr>
           </a:p>
           <a:p>
             <a:pPr marL="285750" indent="-285750">
@@ -8834,6 +9524,13 @@
               </a:rPr>
               <a:t>Introduction to AR and MA model</a:t>
             </a:r>
+            <a:endParaRPr sz="1600" b="0" i="0">
+              <a:solidFill>
+                <a:srgbClr val="333333"/>
+              </a:solidFill>
+              <a:latin typeface="Tomorrow"/>
+              <a:ea typeface="Tomorrow"/>
+            </a:endParaRPr>
           </a:p>
           <a:p>
             <a:pPr marL="285750" indent="-285750">
@@ -8856,6 +9553,13 @@
               </a:rPr>
               <a:t>Stationarity &amp; Differencing</a:t>
             </a:r>
+            <a:endParaRPr sz="1600" b="0" i="0">
+              <a:solidFill>
+                <a:srgbClr val="333333"/>
+              </a:solidFill>
+              <a:latin typeface="Tomorrow"/>
+              <a:ea typeface="Tomorrow"/>
+            </a:endParaRPr>
           </a:p>
           <a:p>
             <a:pPr marL="285750" indent="-285750">
@@ -8878,6 +9582,13 @@
               </a:rPr>
               <a:t>SariMax of Seasonal Data</a:t>
             </a:r>
+            <a:endParaRPr sz="1600" b="0" i="0">
+              <a:solidFill>
+                <a:srgbClr val="333333"/>
+              </a:solidFill>
+              <a:latin typeface="Tomorrow"/>
+              <a:ea typeface="Tomorrow"/>
+            </a:endParaRPr>
           </a:p>
           <a:p>
             <a:pPr marL="285750" indent="-285750">
@@ -8900,6 +9611,13 @@
               </a:rPr>
               <a:t>Identifying order AR(p), I(d), MA(q)</a:t>
             </a:r>
+            <a:endParaRPr sz="1600" b="0" i="0">
+              <a:solidFill>
+                <a:srgbClr val="333333"/>
+              </a:solidFill>
+              <a:latin typeface="Tomorrow"/>
+              <a:ea typeface="Tomorrow"/>
+            </a:endParaRPr>
           </a:p>
           <a:p>
             <a:pPr marL="285750" indent="-285750">
@@ -8922,6 +9640,13 @@
               </a:rPr>
               <a:t>Implementation of ARIMA</a:t>
             </a:r>
+            <a:endParaRPr sz="1600" b="0" i="0">
+              <a:solidFill>
+                <a:srgbClr val="333333"/>
+              </a:solidFill>
+              <a:latin typeface="Tomorrow"/>
+              <a:ea typeface="Tomorrow"/>
+            </a:endParaRPr>
           </a:p>
           <a:p>
             <a:pPr marL="285750" indent="-285750">
@@ -8944,6 +9669,13 @@
               </a:rPr>
               <a:t>Assignment</a:t>
             </a:r>
+            <a:endParaRPr sz="1600" b="0" i="0">
+              <a:solidFill>
+                <a:srgbClr val="333333"/>
+              </a:solidFill>
+              <a:latin typeface="Tomorrow"/>
+              <a:ea typeface="Tomorrow"/>
+            </a:endParaRPr>
           </a:p>
         </p:txBody>
       </p:sp>
@@ -8986,6 +9718,13 @@
               </a:rPr>
               <a:t>Stock Price Prediction using Sequence Model  </a:t>
             </a:r>
+            <a:endParaRPr sz="2500" b="0" i="0">
+              <a:solidFill>
+                <a:srgbClr val="333333"/>
+              </a:solidFill>
+              <a:latin typeface="Tomorrow"/>
+              <a:ea typeface="Tomorrow"/>
+            </a:endParaRPr>
           </a:p>
           <a:p>
             <a:pPr marL="285750" indent="-285750">
@@ -9008,6 +9747,13 @@
               </a:rPr>
               <a:t>Introduction to Sequence Models RNN, LSTM</a:t>
             </a:r>
+            <a:endParaRPr sz="1600" b="0" i="0">
+              <a:solidFill>
+                <a:srgbClr val="333333"/>
+              </a:solidFill>
+              <a:latin typeface="Tomorrow"/>
+              <a:ea typeface="Tomorrow"/>
+            </a:endParaRPr>
           </a:p>
           <a:p>
             <a:pPr marL="285750" indent="-285750">
@@ -9030,6 +9776,13 @@
               </a:rPr>
               <a:t>Preparing Time Series Data for LSTM</a:t>
             </a:r>
+            <a:endParaRPr sz="1600" b="0" i="0">
+              <a:solidFill>
+                <a:srgbClr val="333333"/>
+              </a:solidFill>
+              <a:latin typeface="Tomorrow"/>
+              <a:ea typeface="Tomorrow"/>
+            </a:endParaRPr>
           </a:p>
           <a:p>
             <a:pPr marL="285750" indent="-285750">
@@ -9052,6 +9805,13 @@
               </a:rPr>
               <a:t>Forecasting using LSTM</a:t>
             </a:r>
+            <a:endParaRPr sz="1600" b="0" i="0">
+              <a:solidFill>
+                <a:srgbClr val="333333"/>
+              </a:solidFill>
+              <a:latin typeface="Tomorrow"/>
+              <a:ea typeface="Tomorrow"/>
+            </a:endParaRPr>
           </a:p>
           <a:p>
             <a:pPr marL="285750" indent="-285750">
@@ -9074,6 +9834,13 @@
               </a:rPr>
               <a:t>Future Forecast</a:t>
             </a:r>
+            <a:endParaRPr sz="1600" b="0" i="0">
+              <a:solidFill>
+                <a:srgbClr val="333333"/>
+              </a:solidFill>
+              <a:latin typeface="Tomorrow"/>
+              <a:ea typeface="Tomorrow"/>
+            </a:endParaRPr>
           </a:p>
           <a:p>
             <a:pPr marL="285750" indent="-285750">
@@ -9096,6 +9863,13 @@
               </a:rPr>
               <a:t>Assignment</a:t>
             </a:r>
+            <a:endParaRPr sz="1600" b="0" i="0">
+              <a:solidFill>
+                <a:srgbClr val="333333"/>
+              </a:solidFill>
+              <a:latin typeface="Tomorrow"/>
+              <a:ea typeface="Tomorrow"/>
+            </a:endParaRPr>
           </a:p>
         </p:txBody>
       </p:sp>
@@ -9167,6 +9941,21 @@
               </a:rPr>
               <a:t>Next Activation functions</a:t>
             </a:r>
+            <a:endParaRPr lang="en-US" sz="4800" b="1">
+              <a:solidFill>
+                <a:srgbClr val="FF0000"/>
+              </a:solidFill>
+              <a:effectLst>
+                <a:outerShdw blurRad="38100" dist="38100" dir="2700000" algn="tl">
+                  <a:srgbClr val="000000">
+                    <a:alpha val="43137"/>
+                  </a:srgbClr>
+                </a:outerShdw>
+              </a:effectLst>
+              <a:latin typeface="Arial Black" panose="020B0A04020102020204" charset="0"/>
+              <a:cs typeface="Arial Black" panose="020B0A04020102020204" charset="0"/>
+              <a:sym typeface="+mn-ea"/>
+            </a:endParaRPr>
           </a:p>
         </p:txBody>
       </p:sp>
@@ -9217,7 +10006,7 @@
           <p:nvPr/>
         </p:nvPicPr>
         <p:blipFill>
-          <a:blip r:embed="rId2"/>
+          <a:blip r:embed="rId1"/>
           <a:stretch>
             <a:fillRect/>
           </a:stretch>
@@ -9271,7 +10060,7 @@
           <p:nvPr/>
         </p:nvPicPr>
         <p:blipFill>
-          <a:blip r:embed="rId3"/>
+          <a:blip r:embed="rId2"/>
           <a:stretch>
             <a:fillRect/>
           </a:stretch>
@@ -9318,7 +10107,7 @@
           <p:nvPr/>
         </p:nvPicPr>
         <p:blipFill>
-          <a:blip r:embed="rId2"/>
+          <a:blip r:embed="rId1"/>
           <a:srcRect b="56070"/>
           <a:stretch>
             <a:fillRect/>
@@ -9366,7 +10155,7 @@
           <p:nvPr/>
         </p:nvPicPr>
         <p:blipFill>
-          <a:blip r:embed="rId2"/>
+          <a:blip r:embed="rId1"/>
           <a:srcRect t="40592"/>
           <a:stretch>
             <a:fillRect/>
@@ -9463,6 +10252,13 @@
               </a:rPr>
               <a:t>  </a:t>
             </a:r>
+            <a:endParaRPr sz="2500" b="0" i="0">
+              <a:solidFill>
+                <a:srgbClr val="333333"/>
+              </a:solidFill>
+              <a:latin typeface="Tomorrow"/>
+              <a:ea typeface="Tomorrow"/>
+            </a:endParaRPr>
           </a:p>
           <a:p>
             <a:pPr marL="285750" indent="-285750">
@@ -9488,6 +10284,13 @@
               </a:rPr>
               <a:t>Introduction to Deep Learning</a:t>
             </a:r>
+            <a:endParaRPr sz="1600" b="0" i="0">
+              <a:solidFill>
+                <a:srgbClr val="333333"/>
+              </a:solidFill>
+              <a:latin typeface="Tomorrow"/>
+              <a:ea typeface="Tomorrow"/>
+            </a:endParaRPr>
           </a:p>
           <a:p>
             <a:pPr marL="285750" indent="-285750">
@@ -9513,6 +10316,13 @@
               </a:rPr>
               <a:t>Perceptron Model</a:t>
             </a:r>
+            <a:endParaRPr sz="1600" b="0" i="0">
+              <a:solidFill>
+                <a:srgbClr val="333333"/>
+              </a:solidFill>
+              <a:latin typeface="Tomorrow"/>
+              <a:ea typeface="Tomorrow"/>
+            </a:endParaRPr>
           </a:p>
           <a:p>
             <a:pPr marL="285750" indent="-285750">
@@ -9538,6 +10348,13 @@
               </a:rPr>
               <a:t>Introduction to Tensorflow and Keras</a:t>
             </a:r>
+            <a:endParaRPr sz="1600" b="0" i="0">
+              <a:solidFill>
+                <a:srgbClr val="333333"/>
+              </a:solidFill>
+              <a:latin typeface="Tomorrow"/>
+              <a:ea typeface="Tomorrow"/>
+            </a:endParaRPr>
           </a:p>
           <a:p>
             <a:pPr marL="285750" indent="-285750">
@@ -9563,6 +10380,13 @@
               </a:rPr>
               <a:t>Introduction to Types of Neural Networks</a:t>
             </a:r>
+            <a:endParaRPr sz="1600" b="0" i="0">
+              <a:solidFill>
+                <a:srgbClr val="333333"/>
+              </a:solidFill>
+              <a:latin typeface="Tomorrow"/>
+              <a:ea typeface="Tomorrow"/>
+            </a:endParaRPr>
           </a:p>
         </p:txBody>
       </p:sp>
@@ -9688,7 +10512,7 @@
           <p:nvPr/>
         </p:nvPicPr>
         <p:blipFill>
-          <a:blip r:embed="rId2"/>
+          <a:blip r:embed="rId1"/>
           <a:stretch>
             <a:fillRect/>
           </a:stretch>
@@ -9740,7 +10564,7 @@
           <p:nvPr/>
         </p:nvPicPr>
         <p:blipFill>
-          <a:blip r:embed="rId3"/>
+          <a:blip r:embed="rId2"/>
           <a:stretch>
             <a:fillRect/>
           </a:stretch>
@@ -9817,6 +10641,18 @@
               </a:rPr>
               <a:t>Algorithms and models </a:t>
             </a:r>
+            <a:endParaRPr lang="en-US" sz="4400" b="1">
+              <a:solidFill>
+                <a:srgbClr val="FF0000"/>
+              </a:solidFill>
+              <a:effectLst>
+                <a:outerShdw blurRad="38100" dist="38100" dir="2700000" algn="tl">
+                  <a:srgbClr val="000000">
+                    <a:alpha val="43137"/>
+                  </a:srgbClr>
+                </a:outerShdw>
+              </a:effectLst>
+            </a:endParaRPr>
           </a:p>
         </p:txBody>
       </p:sp>
@@ -9827,7 +10663,7 @@
           <p:nvPr/>
         </p:nvPicPr>
         <p:blipFill>
-          <a:blip r:embed="rId2"/>
+          <a:blip r:embed="rId1"/>
           <a:srcRect t="7325"/>
           <a:stretch>
             <a:fillRect/>
@@ -9850,7 +10686,7 @@
           <p:nvPr/>
         </p:nvPicPr>
         <p:blipFill>
-          <a:blip r:embed="rId3"/>
+          <a:blip r:embed="rId2"/>
           <a:stretch>
             <a:fillRect/>
           </a:stretch>
@@ -9930,6 +10766,7 @@
               <a:rPr sz="2400"/>
               <a:t> refers to the simulation of human intelligence in machines that are designed to think, learn, and make decisions. AI encompasses a wide range of technologies, including rule-based systems, expert systems, and machine learning algorithms.</a:t>
             </a:r>
+            <a:endParaRPr sz="2400"/>
           </a:p>
           <a:p>
             <a:endParaRPr sz="2400"/>
@@ -9950,6 +10787,18 @@
               </a:rPr>
               <a:t>Key Features of AI:</a:t>
             </a:r>
+            <a:endParaRPr sz="2400" b="1">
+              <a:solidFill>
+                <a:srgbClr val="FF0000"/>
+              </a:solidFill>
+              <a:effectLst>
+                <a:outerShdw blurRad="38100" dist="38100" dir="2700000" algn="tl">
+                  <a:srgbClr val="000000">
+                    <a:alpha val="43137"/>
+                  </a:srgbClr>
+                </a:outerShdw>
+              </a:effectLst>
+            </a:endParaRPr>
           </a:p>
           <a:p>
             <a:pPr>
@@ -9960,6 +10809,7 @@
               <a:rPr sz="2400"/>
               <a:t>Automation of tasks that require human intelligence.</a:t>
             </a:r>
+            <a:endParaRPr sz="2400"/>
           </a:p>
           <a:p>
             <a:pPr>
@@ -9970,6 +10820,7 @@
               <a:rPr sz="2400"/>
               <a:t>Ability to learn from data and improve over time.</a:t>
             </a:r>
+            <a:endParaRPr sz="2400"/>
           </a:p>
           <a:p>
             <a:pPr>
@@ -9980,6 +10831,7 @@
               <a:rPr sz="2400"/>
               <a:t>Applications across various domains, including healthcare, finance, and robotics.</a:t>
             </a:r>
+            <a:endParaRPr sz="2400"/>
           </a:p>
         </p:txBody>
       </p:sp>
@@ -10044,6 +10896,18 @@
               </a:rPr>
               <a:t>AI vs ML vs DL</a:t>
             </a:r>
+            <a:endParaRPr sz="2800" b="1">
+              <a:solidFill>
+                <a:srgbClr val="FF0000"/>
+              </a:solidFill>
+              <a:effectLst>
+                <a:outerShdw blurRad="38100" dist="38100" dir="2700000" algn="tl">
+                  <a:srgbClr val="000000">
+                    <a:alpha val="43137"/>
+                  </a:srgbClr>
+                </a:outerShdw>
+              </a:effectLst>
+            </a:endParaRPr>
           </a:p>
           <a:p>
             <a:pPr>
@@ -10053,6 +10917,7 @@
               <a:rPr sz="1600"/>
               <a:t>Artificial Intelligence (AI):</a:t>
             </a:r>
+            <a:endParaRPr sz="1600"/>
           </a:p>
           <a:p>
             <a:pPr lvl="1">
@@ -10063,6 +10928,7 @@
               <a:rPr sz="1600"/>
               <a:t>The broadest concept, referring to machines that can perform cognitive functions similar to humans.</a:t>
             </a:r>
+            <a:endParaRPr sz="1600"/>
           </a:p>
           <a:p>
             <a:pPr lvl="1">
@@ -10073,6 +10939,7 @@
               <a:rPr sz="1600"/>
               <a:t>Encompasses ML, DL, and rule-based systems.</a:t>
             </a:r>
+            <a:endParaRPr sz="1600"/>
           </a:p>
           <a:p>
             <a:pPr lvl="1">
@@ -10083,6 +10950,7 @@
               <a:rPr sz="1600"/>
               <a:t>Examples: Virtual assistants, autonomous vehicles, and recommendation systems.</a:t>
             </a:r>
+            <a:endParaRPr sz="1600"/>
           </a:p>
           <a:p>
             <a:pPr>
@@ -10092,6 +10960,7 @@
               <a:rPr sz="1600"/>
               <a:t>Machine Learning (ML):</a:t>
             </a:r>
+            <a:endParaRPr sz="1600"/>
           </a:p>
           <a:p>
             <a:pPr lvl="1">
@@ -10102,6 +10971,7 @@
               <a:rPr sz="1600"/>
               <a:t>A subset of AI that enables machines to learn patterns from data without explicit programming.</a:t>
             </a:r>
+            <a:endParaRPr sz="1600"/>
           </a:p>
           <a:p>
             <a:pPr lvl="1">
@@ -10112,6 +10982,7 @@
               <a:rPr sz="1600"/>
               <a:t>Uses statistical models and algorithms like decision trees, regression, and clustering.</a:t>
             </a:r>
+            <a:endParaRPr sz="1600"/>
           </a:p>
           <a:p>
             <a:pPr lvl="1">
@@ -10122,6 +10993,7 @@
               <a:rPr sz="1600"/>
               <a:t>Examples: Fraud detection, predictive analytics, and spam filters.</a:t>
             </a:r>
+            <a:endParaRPr sz="1600"/>
           </a:p>
           <a:p>
             <a:pPr>
@@ -10131,6 +11003,7 @@
               <a:rPr sz="1600"/>
               <a:t>Deep Learning (DL):</a:t>
             </a:r>
+            <a:endParaRPr sz="1600"/>
           </a:p>
           <a:p>
             <a:pPr lvl="1">
@@ -10141,6 +11014,7 @@
               <a:rPr sz="1600"/>
               <a:t>A specialized subset of ML that relies on deep neural networks.</a:t>
             </a:r>
+            <a:endParaRPr sz="1600"/>
           </a:p>
           <a:p>
             <a:pPr lvl="1">
@@ -10151,6 +11025,7 @@
               <a:rPr sz="1600"/>
               <a:t>Requires large datasets and computational power.</a:t>
             </a:r>
+            <a:endParaRPr sz="1600"/>
           </a:p>
           <a:p>
             <a:pPr lvl="1">
@@ -10161,6 +11036,7 @@
               <a:rPr sz="1600"/>
               <a:t>Examples: Image recognition, natural language processing, and speech recognition.</a:t>
             </a:r>
+            <a:endParaRPr sz="1600"/>
           </a:p>
         </p:txBody>
       </p:sp>
@@ -10200,12 +11076,25 @@
               </a:rPr>
               <a:t>Applications of AI</a:t>
             </a:r>
+            <a:endParaRPr sz="2800" b="1">
+              <a:solidFill>
+                <a:srgbClr val="FF0000"/>
+              </a:solidFill>
+              <a:effectLst>
+                <a:outerShdw blurRad="38100" dist="38100" dir="2700000" algn="tl">
+                  <a:srgbClr val="000000">
+                    <a:alpha val="43137"/>
+                  </a:srgbClr>
+                </a:outerShdw>
+              </a:effectLst>
+            </a:endParaRPr>
           </a:p>
           <a:p>
             <a:r>
               <a:rPr sz="1600"/>
               <a:t>AI has transformed multiple industries by enabling automation and improving decision-making. Some major applications include:</a:t>
             </a:r>
+            <a:endParaRPr sz="1600"/>
           </a:p>
           <a:p>
             <a:pPr>
@@ -10216,6 +11105,7 @@
               <a:rPr sz="1600"/>
               <a:t>Healthcare: Disease diagnosis, personalized medicine, robotic surgeries.</a:t>
             </a:r>
+            <a:endParaRPr sz="1600"/>
           </a:p>
           <a:p>
             <a:pPr>
@@ -10226,6 +11116,7 @@
               <a:rPr sz="1600"/>
               <a:t>Finance: Fraud detection, algorithmic trading, risk assessment.</a:t>
             </a:r>
+            <a:endParaRPr sz="1600"/>
           </a:p>
           <a:p>
             <a:pPr>
@@ -10236,6 +11127,7 @@
               <a:rPr sz="1600"/>
               <a:t>Retail: Recommendation systems, demand forecasting, customer sentiment analysis.</a:t>
             </a:r>
+            <a:endParaRPr sz="1600"/>
           </a:p>
           <a:p>
             <a:pPr>
@@ -10246,6 +11138,7 @@
               <a:rPr sz="1600"/>
               <a:t>Autonomous Systems: Self-driving cars, drones, robotics.</a:t>
             </a:r>
+            <a:endParaRPr sz="1600"/>
           </a:p>
           <a:p>
             <a:pPr>
@@ -10256,6 +11149,7 @@
               <a:rPr sz="1600"/>
               <a:t>Natural Language Processing: Chatbots, virtual assistants, language translation.</a:t>
             </a:r>
+            <a:endParaRPr sz="1600"/>
           </a:p>
         </p:txBody>
       </p:sp>
@@ -10313,6 +11207,11 @@
               </a:rPr>
               <a:t>Conventional AI vs Generative AI (GenAI)</a:t>
             </a:r>
+            <a:endParaRPr sz="2400" b="1">
+              <a:solidFill>
+                <a:srgbClr val="FF0000"/>
+              </a:solidFill>
+            </a:endParaRPr>
           </a:p>
           <a:p>
             <a:pPr>
@@ -10326,6 +11225,11 @@
               </a:rPr>
               <a:t>Conventional AI:</a:t>
             </a:r>
+            <a:endParaRPr sz="1600" b="1">
+              <a:solidFill>
+                <a:srgbClr val="FF0000"/>
+              </a:solidFill>
+            </a:endParaRPr>
           </a:p>
           <a:p>
             <a:pPr lvl="1">
@@ -10336,6 +11240,7 @@
               <a:rPr sz="1600"/>
               <a:t>Focuses on classification, prediction, and rule-based decision-making.</a:t>
             </a:r>
+            <a:endParaRPr sz="1600"/>
           </a:p>
           <a:p>
             <a:pPr lvl="1">
@@ -10346,6 +11251,7 @@
               <a:rPr sz="1600"/>
               <a:t>Uses structured datasets for training.</a:t>
             </a:r>
+            <a:endParaRPr sz="1600"/>
           </a:p>
           <a:p>
             <a:pPr lvl="1">
@@ -10356,6 +11262,7 @@
               <a:rPr sz="1600"/>
               <a:t>Examples: Spam filters, customer service chatbots, recommendation engines.</a:t>
             </a:r>
+            <a:endParaRPr sz="1600"/>
           </a:p>
           <a:p>
             <a:pPr>
@@ -10369,6 +11276,11 @@
               </a:rPr>
               <a:t>Generative AI (GenAI):</a:t>
             </a:r>
+            <a:endParaRPr sz="1600" b="1">
+              <a:solidFill>
+                <a:srgbClr val="FF0000"/>
+              </a:solidFill>
+            </a:endParaRPr>
           </a:p>
           <a:p>
             <a:pPr lvl="1">
@@ -10379,6 +11291,7 @@
               <a:rPr sz="1600"/>
               <a:t>A type of AI that creates new content, such as text, images, and music.</a:t>
             </a:r>
+            <a:endParaRPr sz="1600"/>
           </a:p>
           <a:p>
             <a:pPr lvl="1">
@@ -10389,6 +11302,7 @@
               <a:rPr sz="1600"/>
               <a:t>Uses models like GANs (Generative Adversarial Networks) and transformers (e.g., GPT, DALL-E).</a:t>
             </a:r>
+            <a:endParaRPr sz="1600"/>
           </a:p>
           <a:p>
             <a:pPr lvl="1">
@@ -10399,6 +11313,7 @@
               <a:rPr sz="1600"/>
               <a:t>Examples: AI-generated art, chat-based content generation, and text-to-image synthesis.</a:t>
             </a:r>
+            <a:endParaRPr sz="1600"/>
           </a:p>
         </p:txBody>
       </p:sp>
@@ -10438,12 +11353,25 @@
               </a:rPr>
               <a:t>Future of AI</a:t>
             </a:r>
+            <a:endParaRPr sz="3600" b="1">
+              <a:solidFill>
+                <a:srgbClr val="FF0000"/>
+              </a:solidFill>
+              <a:effectLst>
+                <a:outerShdw blurRad="38100" dist="38100" dir="2700000" algn="tl">
+                  <a:srgbClr val="000000">
+                    <a:alpha val="43137"/>
+                  </a:srgbClr>
+                </a:outerShdw>
+              </a:effectLst>
+            </a:endParaRPr>
           </a:p>
           <a:p>
             <a:r>
               <a:rPr sz="2000"/>
               <a:t>The future of AI is expected to bring significant advancements and challenges:</a:t>
             </a:r>
+            <a:endParaRPr sz="2000"/>
           </a:p>
           <a:p>
             <a:pPr>
@@ -10458,6 +11386,7 @@
               <a:rPr sz="2000"/>
               <a:t> More sophisticated generative models for content creation.</a:t>
             </a:r>
+            <a:endParaRPr sz="2000"/>
           </a:p>
           <a:p>
             <a:pPr>
@@ -10472,6 +11401,7 @@
               <a:rPr sz="2000"/>
               <a:t> Enhancing transparency and trust in AI decision-making.</a:t>
             </a:r>
+            <a:endParaRPr sz="2000"/>
           </a:p>
           <a:p>
             <a:pPr>
@@ -10486,6 +11416,7 @@
               <a:rPr sz="2000"/>
               <a:t>Addressing biases, privacy concerns, and responsible AI use.</a:t>
             </a:r>
+            <a:endParaRPr sz="2000"/>
           </a:p>
           <a:p>
             <a:pPr>
@@ -10500,6 +11431,7 @@
               <a:rPr sz="2000"/>
               <a:t> Deployment of AI models on edge devices for real-time processing.</a:t>
             </a:r>
+            <a:endParaRPr sz="2000"/>
           </a:p>
           <a:p>
             <a:pPr>
@@ -10514,12 +11446,14 @@
               <a:rPr sz="2000"/>
               <a:t>Theoretical advancements toward artificial general intelligence (AGI) with human-like reasoning capabilities.</a:t>
             </a:r>
+            <a:endParaRPr sz="2000"/>
           </a:p>
           <a:p>
             <a:r>
               <a:rPr sz="2000"/>
               <a:t>AI continues to evolve, driving innovation and transforming industries worldwide.</a:t>
             </a:r>
+            <a:endParaRPr sz="2000"/>
           </a:p>
         </p:txBody>
       </p:sp>
@@ -10555,7 +11489,7 @@
           <p:nvPr/>
         </p:nvPicPr>
         <p:blipFill>
-          <a:blip r:embed="rId2"/>
+          <a:blip r:embed="rId1"/>
           <a:srcRect t="4407" b="5046"/>
           <a:stretch>
             <a:fillRect/>
@@ -10830,8 +11764,6 @@
       </a:bgFillStyleLst>
     </a:fmtScheme>
   </a:themeElements>
-  <a:objectDefaults/>
-  <a:extraClrSchemeLst/>
   <a:extLst>
     <a:ext uri="{05A4C25C-085E-4340-85A3-A5531E510DB2}">
       <thm15:themeFamily xmlns:thm15="http://schemas.microsoft.com/office/thememl/2012/main" name="Office Theme" id="{62F939B6-93AF-4DB8-9C6B-D6C7DFDC589F}" vid="{4A3C46E8-61CC-4603-A589-7422A47A8E4A}"/>
@@ -11091,8 +12023,6 @@
       </a:bgFillStyleLst>
     </a:fmtScheme>
   </a:themeElements>
-  <a:objectDefaults/>
-  <a:extraClrSchemeLst/>
   <a:extLst>
     <a:ext uri="{05A4C25C-085E-4340-85A3-A5531E510DB2}">
       <thm15:themeFamily xmlns:thm15="http://schemas.microsoft.com/office/thememl/2012/main" name="Office Theme" id="{62F939B6-93AF-4DB8-9C6B-D6C7DFDC589F}" vid="{4A3C46E8-61CC-4603-A589-7422A47A8E4A}"/>

--- a/9.Deep_learning/class_1_module_9_deep learning__introduction.pptx
+++ b/9.Deep_learning/class_1_module_9_deep learning__introduction.pptx
@@ -5718,7 +5718,7 @@
         </p:nvSpPr>
         <p:spPr>
           <a:xfrm>
-            <a:off x="4792345" y="2615565"/>
+            <a:off x="765175" y="2615565"/>
             <a:ext cx="2418080" cy="337185"/>
           </a:xfrm>
           <a:prstGeom prst="rect">
@@ -5737,12 +5737,12 @@
               <a:buChar char="◦"/>
             </a:pPr>
             <a:r>
-              <a:rPr lang="en-US" sz="1600">
+              <a:rPr lang="en-US" sz="1600" b="1">
                 <a:sym typeface="+mn-ea"/>
               </a:rPr>
               <a:t>Backword Propagations</a:t>
             </a:r>
-            <a:endParaRPr lang="en-US" sz="1600">
+            <a:endParaRPr lang="en-US" sz="1600" b="1">
               <a:sym typeface="+mn-ea"/>
             </a:endParaRPr>
           </a:p>
@@ -7199,7 +7199,7 @@
         <p:spPr>
           <a:xfrm>
             <a:off x="370840" y="1744345"/>
-            <a:ext cx="5678805" cy="5368925"/>
+            <a:ext cx="5890260" cy="4681855"/>
           </a:xfrm>
           <a:prstGeom prst="rect">
             <a:avLst/>
@@ -7301,7 +7301,7 @@
             </a:pPr>
             <a:r>
               <a:rPr lang="en-US" sz="2000"/>
-              <a:t>for error calculations</a:t>
+              <a:t>for error calculations/loss functions/cost functions</a:t>
             </a:r>
             <a:endParaRPr lang="en-US" sz="2000"/>
           </a:p>
@@ -9688,7 +9688,7 @@
         <p:spPr>
           <a:xfrm>
             <a:off x="5626100" y="103823"/>
-            <a:ext cx="5080000" cy="2402205"/>
+            <a:ext cx="5080000" cy="5356860"/>
           </a:xfrm>
           <a:prstGeom prst="rect">
             <a:avLst/>
@@ -9864,6 +9864,264 @@
               <a:t>Assignment</a:t>
             </a:r>
             <a:endParaRPr sz="1600" b="0" i="0">
+              <a:solidFill>
+                <a:srgbClr val="333333"/>
+              </a:solidFill>
+              <a:latin typeface="Tomorrow"/>
+              <a:ea typeface="Tomorrow"/>
+            </a:endParaRPr>
+          </a:p>
+          <a:p>
+            <a:pPr marL="285750" indent="-285750">
+              <a:spcBef>
+                <a:spcPct val="0"/>
+              </a:spcBef>
+              <a:spcAft>
+                <a:spcPct val="0"/>
+              </a:spcAft>
+              <a:buFont typeface="Arial" panose="020B0604020202020204" pitchFamily="34" charset="0"/>
+              <a:buChar char="•"/>
+            </a:pPr>
+            <a:endParaRPr sz="1600" b="0" i="0">
+              <a:solidFill>
+                <a:srgbClr val="333333"/>
+              </a:solidFill>
+              <a:latin typeface="Tomorrow"/>
+              <a:ea typeface="Tomorrow"/>
+            </a:endParaRPr>
+          </a:p>
+          <a:p>
+            <a:pPr marL="285750" indent="-285750">
+              <a:spcBef>
+                <a:spcPct val="0"/>
+              </a:spcBef>
+              <a:spcAft>
+                <a:spcPct val="0"/>
+              </a:spcAft>
+              <a:buFont typeface="Arial" panose="020B0604020202020204" pitchFamily="34" charset="0"/>
+              <a:buChar char="•"/>
+            </a:pPr>
+            <a:endParaRPr sz="1600" b="0" i="0">
+              <a:solidFill>
+                <a:srgbClr val="333333"/>
+              </a:solidFill>
+              <a:latin typeface="Tomorrow"/>
+              <a:ea typeface="Tomorrow"/>
+            </a:endParaRPr>
+          </a:p>
+          <a:p>
+            <a:pPr marL="285750" indent="-285750">
+              <a:spcBef>
+                <a:spcPct val="0"/>
+              </a:spcBef>
+              <a:spcAft>
+                <a:spcPct val="0"/>
+              </a:spcAft>
+              <a:buFont typeface="Arial" panose="020B0604020202020204" pitchFamily="34" charset="0"/>
+              <a:buChar char="•"/>
+            </a:pPr>
+            <a:endParaRPr sz="1600" b="0" i="0">
+              <a:solidFill>
+                <a:srgbClr val="333333"/>
+              </a:solidFill>
+              <a:latin typeface="Tomorrow"/>
+              <a:ea typeface="Tomorrow"/>
+            </a:endParaRPr>
+          </a:p>
+          <a:p>
+            <a:pPr indent="0">
+              <a:spcBef>
+                <a:spcPct val="0"/>
+              </a:spcBef>
+              <a:spcAft>
+                <a:spcPct val="0"/>
+              </a:spcAft>
+              <a:buFont typeface="Arial" panose="020B0604020202020204" pitchFamily="34" charset="0"/>
+              <a:buNone/>
+            </a:pPr>
+            <a:r>
+              <a:rPr lang="en-US" sz="1600" b="1" i="0">
+                <a:solidFill>
+                  <a:srgbClr val="333333"/>
+                </a:solidFill>
+                <a:latin typeface="Tomorrow"/>
+                <a:ea typeface="Tomorrow"/>
+              </a:rPr>
+              <a:t>GEN AI </a:t>
+            </a:r>
+            <a:endParaRPr lang="en-US" sz="1600" b="1" i="0">
+              <a:solidFill>
+                <a:srgbClr val="333333"/>
+              </a:solidFill>
+              <a:latin typeface="Tomorrow"/>
+              <a:ea typeface="Tomorrow"/>
+            </a:endParaRPr>
+          </a:p>
+          <a:p>
+            <a:pPr indent="0">
+              <a:spcBef>
+                <a:spcPct val="0"/>
+              </a:spcBef>
+              <a:spcAft>
+                <a:spcPct val="0"/>
+              </a:spcAft>
+              <a:buFont typeface="Arial" panose="020B0604020202020204" pitchFamily="34" charset="0"/>
+              <a:buNone/>
+            </a:pPr>
+            <a:endParaRPr lang="en-US" sz="1600" b="1" i="0">
+              <a:solidFill>
+                <a:srgbClr val="333333"/>
+              </a:solidFill>
+              <a:latin typeface="Tomorrow"/>
+              <a:ea typeface="Tomorrow"/>
+            </a:endParaRPr>
+          </a:p>
+          <a:p>
+            <a:pPr indent="0">
+              <a:spcBef>
+                <a:spcPct val="0"/>
+              </a:spcBef>
+              <a:spcAft>
+                <a:spcPct val="0"/>
+              </a:spcAft>
+              <a:buFont typeface="Arial" panose="020B0604020202020204" pitchFamily="34" charset="0"/>
+              <a:buNone/>
+            </a:pPr>
+            <a:r>
+              <a:rPr lang="en-US" sz="1600" b="1" i="0">
+                <a:solidFill>
+                  <a:srgbClr val="333333"/>
+                </a:solidFill>
+                <a:latin typeface="Tomorrow"/>
+                <a:ea typeface="Tomorrow"/>
+              </a:rPr>
+              <a:t>LLM</a:t>
+            </a:r>
+            <a:endParaRPr lang="en-US" sz="1600" b="1" i="0">
+              <a:solidFill>
+                <a:srgbClr val="333333"/>
+              </a:solidFill>
+              <a:latin typeface="Tomorrow"/>
+              <a:ea typeface="Tomorrow"/>
+            </a:endParaRPr>
+          </a:p>
+          <a:p>
+            <a:pPr indent="0">
+              <a:spcBef>
+                <a:spcPct val="0"/>
+              </a:spcBef>
+              <a:spcAft>
+                <a:spcPct val="0"/>
+              </a:spcAft>
+              <a:buFont typeface="Arial" panose="020B0604020202020204" pitchFamily="34" charset="0"/>
+              <a:buNone/>
+            </a:pPr>
+            <a:endParaRPr lang="en-US" sz="1600" b="1" i="0">
+              <a:solidFill>
+                <a:srgbClr val="333333"/>
+              </a:solidFill>
+              <a:latin typeface="Tomorrow"/>
+              <a:ea typeface="Tomorrow"/>
+            </a:endParaRPr>
+          </a:p>
+          <a:p>
+            <a:pPr indent="0">
+              <a:spcBef>
+                <a:spcPct val="0"/>
+              </a:spcBef>
+              <a:spcAft>
+                <a:spcPct val="0"/>
+              </a:spcAft>
+              <a:buFont typeface="Arial" panose="020B0604020202020204" pitchFamily="34" charset="0"/>
+              <a:buNone/>
+            </a:pPr>
+            <a:r>
+              <a:rPr lang="en-US" sz="1600" b="1" i="0">
+                <a:solidFill>
+                  <a:srgbClr val="333333"/>
+                </a:solidFill>
+                <a:latin typeface="Tomorrow"/>
+                <a:ea typeface="Tomorrow"/>
+              </a:rPr>
+              <a:t>AGENTIC AI</a:t>
+            </a:r>
+            <a:endParaRPr lang="en-US" sz="1600" b="1" i="0">
+              <a:solidFill>
+                <a:srgbClr val="333333"/>
+              </a:solidFill>
+              <a:latin typeface="Tomorrow"/>
+              <a:ea typeface="Tomorrow"/>
+            </a:endParaRPr>
+          </a:p>
+          <a:p>
+            <a:pPr indent="0">
+              <a:spcBef>
+                <a:spcPct val="0"/>
+              </a:spcBef>
+              <a:spcAft>
+                <a:spcPct val="0"/>
+              </a:spcAft>
+              <a:buFont typeface="Arial" panose="020B0604020202020204" pitchFamily="34" charset="0"/>
+              <a:buNone/>
+            </a:pPr>
+            <a:endParaRPr lang="en-US" sz="1600" b="1" i="0">
+              <a:solidFill>
+                <a:srgbClr val="333333"/>
+              </a:solidFill>
+              <a:latin typeface="Tomorrow"/>
+              <a:ea typeface="Tomorrow"/>
+            </a:endParaRPr>
+          </a:p>
+          <a:p>
+            <a:pPr indent="0">
+              <a:spcBef>
+                <a:spcPct val="0"/>
+              </a:spcBef>
+              <a:spcAft>
+                <a:spcPct val="0"/>
+              </a:spcAft>
+              <a:buFont typeface="Arial" panose="020B0604020202020204" pitchFamily="34" charset="0"/>
+              <a:buNone/>
+            </a:pPr>
+            <a:r>
+              <a:rPr lang="en-US" sz="1600" b="1" i="0">
+                <a:solidFill>
+                  <a:srgbClr val="333333"/>
+                </a:solidFill>
+                <a:latin typeface="Tomorrow"/>
+                <a:ea typeface="Tomorrow"/>
+              </a:rPr>
+              <a:t>CLOUD AI</a:t>
+            </a:r>
+            <a:br>
+              <a:rPr lang="en-US" sz="1600" b="0" i="0">
+                <a:solidFill>
+                  <a:srgbClr val="333333"/>
+                </a:solidFill>
+                <a:latin typeface="Tomorrow"/>
+                <a:ea typeface="Tomorrow"/>
+              </a:rPr>
+            </a:br>
+            <a:endParaRPr lang="en-US" sz="1600" b="0" i="0">
+              <a:solidFill>
+                <a:srgbClr val="333333"/>
+              </a:solidFill>
+              <a:latin typeface="Tomorrow"/>
+              <a:ea typeface="Tomorrow"/>
+            </a:endParaRPr>
+          </a:p>
+          <a:p>
+            <a:pPr indent="0">
+              <a:spcBef>
+                <a:spcPct val="0"/>
+              </a:spcBef>
+              <a:spcAft>
+                <a:spcPct val="0"/>
+              </a:spcAft>
+              <a:buFont typeface="Arial" panose="020B0604020202020204" pitchFamily="34" charset="0"/>
+              <a:buNone/>
+            </a:pPr>
+            <a:endParaRPr lang="en-US" sz="1600" b="0" i="0">
               <a:solidFill>
                 <a:srgbClr val="333333"/>
               </a:solidFill>
@@ -9906,8 +10164,8 @@
         </p:nvSpPr>
         <p:spPr>
           <a:xfrm>
-            <a:off x="538480" y="182880"/>
-            <a:ext cx="8625840" cy="2059305"/>
+            <a:off x="351155" y="-6350"/>
+            <a:ext cx="11840845" cy="889000"/>
           </a:xfrm>
           <a:prstGeom prst="rect">
             <a:avLst/>
@@ -9939,7 +10197,7 @@
                 <a:cs typeface="Arial Black" panose="020B0A04020102020204" charset="0"/>
                 <a:sym typeface="+mn-ea"/>
               </a:rPr>
-              <a:t>Next Activation functions</a:t>
+              <a:t>Next  Topic Activation functions</a:t>
             </a:r>
             <a:endParaRPr lang="en-US" sz="4800" b="1">
               <a:solidFill>
